--- a/Презентация  на диплом.pptx
+++ b/Презентация  на диплом.pptx
@@ -5,26 +5,31 @@
     <p:sldMasterId id="2147483660" r:id="rId1"/>
   </p:sldMasterIdLst>
   <p:notesMasterIdLst>
-    <p:notesMasterId r:id="rId16"/>
+    <p:notesMasterId r:id="rId21"/>
   </p:notesMasterIdLst>
   <p:handoutMasterIdLst>
-    <p:handoutMasterId r:id="rId17"/>
+    <p:handoutMasterId r:id="rId22"/>
   </p:handoutMasterIdLst>
   <p:sldIdLst>
     <p:sldId id="256" r:id="rId2"/>
     <p:sldId id="268" r:id="rId3"/>
     <p:sldId id="257" r:id="rId4"/>
-    <p:sldId id="263" r:id="rId5"/>
-    <p:sldId id="267" r:id="rId6"/>
-    <p:sldId id="266" r:id="rId7"/>
-    <p:sldId id="270" r:id="rId8"/>
-    <p:sldId id="271" r:id="rId9"/>
-    <p:sldId id="272" r:id="rId10"/>
-    <p:sldId id="273" r:id="rId11"/>
-    <p:sldId id="274" r:id="rId12"/>
-    <p:sldId id="275" r:id="rId13"/>
-    <p:sldId id="276" r:id="rId14"/>
-    <p:sldId id="269" r:id="rId15"/>
+    <p:sldId id="277" r:id="rId5"/>
+    <p:sldId id="263" r:id="rId6"/>
+    <p:sldId id="267" r:id="rId7"/>
+    <p:sldId id="266" r:id="rId8"/>
+    <p:sldId id="278" r:id="rId9"/>
+    <p:sldId id="270" r:id="rId10"/>
+    <p:sldId id="271" r:id="rId11"/>
+    <p:sldId id="272" r:id="rId12"/>
+    <p:sldId id="273" r:id="rId13"/>
+    <p:sldId id="274" r:id="rId14"/>
+    <p:sldId id="275" r:id="rId15"/>
+    <p:sldId id="276" r:id="rId16"/>
+    <p:sldId id="269" r:id="rId17"/>
+    <p:sldId id="279" r:id="rId18"/>
+    <p:sldId id="281" r:id="rId19"/>
+    <p:sldId id="280" r:id="rId20"/>
   </p:sldIdLst>
   <p:sldSz cx="12192000" cy="6858000"/>
   <p:notesSz cx="6858000" cy="9144000"/>
@@ -228,7 +233,7 @@
           <a:p>
             <a:fld id="{C4FCC880-518D-43CC-A737-0C7D156E7F9E}" type="datetimeFigureOut">
               <a:rPr lang="ru-RU" smtClean="0"/>
-              <a:t>03.05.2021</a:t>
+              <a:t>28.05.2021</a:t>
             </a:fld>
             <a:endParaRPr lang="ru-RU"/>
           </a:p>
@@ -405,7 +410,7 @@
           <a:p>
             <a:fld id="{AEFCE712-1448-4343-B15E-3C1E8972EAAF}" type="datetimeFigureOut">
               <a:rPr lang="en-US" smtClean="0"/>
-              <a:t>5/3/2021</a:t>
+              <a:t>5/28/2021</a:t>
             </a:fld>
             <a:endParaRPr lang="en-US"/>
           </a:p>
@@ -1478,7 +1483,7 @@
           <a:p>
             <a:fld id="{76E23526-982B-4760-BCDB-5E3FDBA30314}" type="datetimeFigureOut">
               <a:rPr lang="en-US" smtClean="0"/>
-              <a:t>5/3/2021</a:t>
+              <a:t>5/28/2021</a:t>
             </a:fld>
             <a:endParaRPr lang="en-US"/>
           </a:p>
@@ -1729,7 +1734,7 @@
           <a:p>
             <a:fld id="{76E23526-982B-4760-BCDB-5E3FDBA30314}" type="datetimeFigureOut">
               <a:rPr lang="en-US" smtClean="0"/>
-              <a:t>5/3/2021</a:t>
+              <a:t>5/28/2021</a:t>
             </a:fld>
             <a:endParaRPr lang="en-US"/>
           </a:p>
@@ -2043,7 +2048,7 @@
           <a:p>
             <a:fld id="{76E23526-982B-4760-BCDB-5E3FDBA30314}" type="datetimeFigureOut">
               <a:rPr lang="en-US" smtClean="0"/>
-              <a:t>5/3/2021</a:t>
+              <a:t>5/28/2021</a:t>
             </a:fld>
             <a:endParaRPr lang="en-US"/>
           </a:p>
@@ -2384,7 +2389,7 @@
           <a:p>
             <a:fld id="{76E23526-982B-4760-BCDB-5E3FDBA30314}" type="datetimeFigureOut">
               <a:rPr lang="en-US" smtClean="0"/>
-              <a:t>5/3/2021</a:t>
+              <a:t>5/28/2021</a:t>
             </a:fld>
             <a:endParaRPr lang="en-US"/>
           </a:p>
@@ -2698,7 +2703,7 @@
           <a:p>
             <a:fld id="{76E23526-982B-4760-BCDB-5E3FDBA30314}" type="datetimeFigureOut">
               <a:rPr lang="en-US" smtClean="0"/>
-              <a:t>5/3/2021</a:t>
+              <a:t>5/28/2021</a:t>
             </a:fld>
             <a:endParaRPr lang="en-US"/>
           </a:p>
@@ -3091,7 +3096,7 @@
           <a:p>
             <a:fld id="{76E23526-982B-4760-BCDB-5E3FDBA30314}" type="datetimeFigureOut">
               <a:rPr lang="en-US" smtClean="0"/>
-              <a:t>5/3/2021</a:t>
+              <a:t>5/28/2021</a:t>
             </a:fld>
             <a:endParaRPr lang="en-US"/>
           </a:p>
@@ -3261,7 +3266,7 @@
           <a:p>
             <a:fld id="{76E23526-982B-4760-BCDB-5E3FDBA30314}" type="datetimeFigureOut">
               <a:rPr lang="en-US" smtClean="0"/>
-              <a:t>5/3/2021</a:t>
+              <a:t>5/28/2021</a:t>
             </a:fld>
             <a:endParaRPr lang="en-US"/>
           </a:p>
@@ -3441,7 +3446,7 @@
           <a:p>
             <a:fld id="{76E23526-982B-4760-BCDB-5E3FDBA30314}" type="datetimeFigureOut">
               <a:rPr lang="en-US" smtClean="0"/>
-              <a:t>5/3/2021</a:t>
+              <a:t>5/28/2021</a:t>
             </a:fld>
             <a:endParaRPr lang="en-US"/>
           </a:p>
@@ -3617,7 +3622,7 @@
           <a:p>
             <a:fld id="{76E23526-982B-4760-BCDB-5E3FDBA30314}" type="datetimeFigureOut">
               <a:rPr lang="en-US" smtClean="0"/>
-              <a:t>5/3/2021</a:t>
+              <a:t>5/28/2021</a:t>
             </a:fld>
             <a:endParaRPr lang="en-US"/>
           </a:p>
@@ -3864,7 +3869,7 @@
           <a:p>
             <a:fld id="{76E23526-982B-4760-BCDB-5E3FDBA30314}" type="datetimeFigureOut">
               <a:rPr lang="en-US" smtClean="0"/>
-              <a:t>5/3/2021</a:t>
+              <a:t>5/28/2021</a:t>
             </a:fld>
             <a:endParaRPr lang="en-US"/>
           </a:p>
@@ -4096,7 +4101,7 @@
           <a:p>
             <a:fld id="{76E23526-982B-4760-BCDB-5E3FDBA30314}" type="datetimeFigureOut">
               <a:rPr lang="en-US" smtClean="0"/>
-              <a:t>5/3/2021</a:t>
+              <a:t>5/28/2021</a:t>
             </a:fld>
             <a:endParaRPr lang="en-US"/>
           </a:p>
@@ -4470,7 +4475,7 @@
           <a:p>
             <a:fld id="{76E23526-982B-4760-BCDB-5E3FDBA30314}" type="datetimeFigureOut">
               <a:rPr lang="en-US" smtClean="0"/>
-              <a:t>5/3/2021</a:t>
+              <a:t>5/28/2021</a:t>
             </a:fld>
             <a:endParaRPr lang="en-US"/>
           </a:p>
@@ -4593,7 +4598,7 @@
           <a:p>
             <a:fld id="{76E23526-982B-4760-BCDB-5E3FDBA30314}" type="datetimeFigureOut">
               <a:rPr lang="en-US" smtClean="0"/>
-              <a:t>5/3/2021</a:t>
+              <a:t>5/28/2021</a:t>
             </a:fld>
             <a:endParaRPr lang="en-US"/>
           </a:p>
@@ -4688,7 +4693,7 @@
           <a:p>
             <a:fld id="{76E23526-982B-4760-BCDB-5E3FDBA30314}" type="datetimeFigureOut">
               <a:rPr lang="en-US" smtClean="0"/>
-              <a:t>5/3/2021</a:t>
+              <a:t>5/28/2021</a:t>
             </a:fld>
             <a:endParaRPr lang="en-US"/>
           </a:p>
@@ -4943,7 +4948,7 @@
           <a:p>
             <a:fld id="{76E23526-982B-4760-BCDB-5E3FDBA30314}" type="datetimeFigureOut">
               <a:rPr lang="en-US" smtClean="0"/>
-              <a:t>5/3/2021</a:t>
+              <a:t>5/28/2021</a:t>
             </a:fld>
             <a:endParaRPr lang="en-US"/>
           </a:p>
@@ -5206,7 +5211,7 @@
           <a:p>
             <a:fld id="{76E23526-982B-4760-BCDB-5E3FDBA30314}" type="datetimeFigureOut">
               <a:rPr lang="en-US" smtClean="0"/>
-              <a:t>5/3/2021</a:t>
+              <a:t>5/28/2021</a:t>
             </a:fld>
             <a:endParaRPr lang="en-US"/>
           </a:p>
@@ -5949,7 +5954,7 @@
           <a:p>
             <a:fld id="{76E23526-982B-4760-BCDB-5E3FDBA30314}" type="datetimeFigureOut">
               <a:rPr lang="en-US" smtClean="0"/>
-              <a:t>5/3/2021</a:t>
+              <a:t>5/28/2021</a:t>
             </a:fld>
             <a:endParaRPr lang="en-US"/>
           </a:p>
@@ -7260,6 +7265,36 @@
           <a:chExt cx="0" cy="0"/>
         </a:xfrm>
       </p:grpSpPr>
+      <p:pic>
+        <p:nvPicPr>
+          <p:cNvPr id="13" name="Picture 12">
+            <a:extLst>
+              <a:ext uri="{FF2B5EF4-FFF2-40B4-BE49-F238E27FC236}">
+                <a16:creationId xmlns:a16="http://schemas.microsoft.com/office/drawing/2014/main" id="{F0C9D186-C7CC-450D-AE4C-CBF35DDFA4F3}"/>
+              </a:ext>
+            </a:extLst>
+          </p:cNvPr>
+          <p:cNvPicPr>
+            <a:picLocks noChangeAspect="1"/>
+          </p:cNvPicPr>
+          <p:nvPr/>
+        </p:nvPicPr>
+        <p:blipFill>
+          <a:blip r:embed="rId2"/>
+          <a:stretch>
+            <a:fillRect/>
+          </a:stretch>
+        </p:blipFill>
+        <p:spPr>
+          <a:xfrm>
+            <a:off x="839484" y="1484776"/>
+            <a:ext cx="7180235" cy="5304052"/>
+          </a:xfrm>
+          <a:prstGeom prst="rect">
+            <a:avLst/>
+          </a:prstGeom>
+        </p:spPr>
+      </p:pic>
       <p:sp>
         <p:nvSpPr>
           <p:cNvPr id="7" name="TextBox 6">
@@ -7306,10 +7341,134 @@
           </a:p>
         </p:txBody>
       </p:sp>
+      <p:sp>
+        <p:nvSpPr>
+          <p:cNvPr id="4" name="TextBox 3">
+            <a:extLst>
+              <a:ext uri="{FF2B5EF4-FFF2-40B4-BE49-F238E27FC236}">
+                <a16:creationId xmlns:a16="http://schemas.microsoft.com/office/drawing/2014/main" id="{23C6A9C5-213B-44B4-A24C-38DBEC6BC7DC}"/>
+              </a:ext>
+            </a:extLst>
+          </p:cNvPr>
+          <p:cNvSpPr txBox="1"/>
+          <p:nvPr/>
+        </p:nvSpPr>
+        <p:spPr>
+          <a:xfrm>
+            <a:off x="828255" y="763199"/>
+            <a:ext cx="9012024" cy="1406924"/>
+          </a:xfrm>
+          <a:prstGeom prst="rect">
+            <a:avLst/>
+          </a:prstGeom>
+          <a:noFill/>
+        </p:spPr>
+        <p:txBody>
+          <a:bodyPr wrap="square">
+            <a:spAutoFit/>
+          </a:bodyPr>
+          <a:lstStyle/>
+          <a:p>
+            <a:pPr marL="0" marR="0">
+              <a:lnSpc>
+                <a:spcPct val="107000"/>
+              </a:lnSpc>
+              <a:spcBef>
+                <a:spcPts val="0"/>
+              </a:spcBef>
+              <a:spcAft>
+                <a:spcPts val="800"/>
+              </a:spcAft>
+            </a:pPr>
+            <a:r>
+              <a:rPr lang="ru-RU" sz="1800" dirty="0">
+                <a:effectLst/>
+                <a:latin typeface="Times New Roman" panose="02020603050405020304" pitchFamily="18" charset="0"/>
+                <a:ea typeface="Calibri" panose="020F0502020204030204" pitchFamily="34" charset="0"/>
+                <a:cs typeface="Times New Roman" panose="02020603050405020304" pitchFamily="18" charset="0"/>
+              </a:rPr>
+              <a:t>Основной микросервис, отвечающий за работу с продуктами и выступающий в качестве маршрутизатора для сервиса с отзывами.</a:t>
+            </a:r>
+            <a:endParaRPr lang="en-US" sz="1800" dirty="0">
+              <a:effectLst/>
+              <a:latin typeface="Times New Roman" panose="02020603050405020304" pitchFamily="18" charset="0"/>
+              <a:ea typeface="Calibri" panose="020F0502020204030204" pitchFamily="34" charset="0"/>
+              <a:cs typeface="Times New Roman" panose="02020603050405020304" pitchFamily="18" charset="0"/>
+            </a:endParaRPr>
+          </a:p>
+          <a:p>
+            <a:pPr marL="0" marR="0">
+              <a:lnSpc>
+                <a:spcPct val="107000"/>
+              </a:lnSpc>
+              <a:spcBef>
+                <a:spcPts val="0"/>
+              </a:spcBef>
+              <a:spcAft>
+                <a:spcPts val="800"/>
+              </a:spcAft>
+            </a:pPr>
+            <a:endParaRPr lang="en-US" dirty="0">
+              <a:latin typeface="Times New Roman" panose="02020603050405020304" pitchFamily="18" charset="0"/>
+              <a:ea typeface="Calibri" panose="020F0502020204030204" pitchFamily="34" charset="0"/>
+              <a:cs typeface="Times New Roman" panose="02020603050405020304" pitchFamily="18" charset="0"/>
+            </a:endParaRPr>
+          </a:p>
+          <a:p>
+            <a:pPr marL="0" marR="0">
+              <a:lnSpc>
+                <a:spcPct val="107000"/>
+              </a:lnSpc>
+              <a:spcBef>
+                <a:spcPts val="0"/>
+              </a:spcBef>
+              <a:spcAft>
+                <a:spcPts val="800"/>
+              </a:spcAft>
+            </a:pPr>
+            <a:endParaRPr lang="en-US" sz="1400" dirty="0">
+              <a:effectLst/>
+              <a:latin typeface="Calibri" panose="020F0502020204030204" pitchFamily="34" charset="0"/>
+              <a:ea typeface="Calibri" panose="020F0502020204030204" pitchFamily="34" charset="0"/>
+              <a:cs typeface="Times New Roman" panose="02020603050405020304" pitchFamily="18" charset="0"/>
+            </a:endParaRPr>
+          </a:p>
+        </p:txBody>
+      </p:sp>
+      <p:pic>
+        <p:nvPicPr>
+          <p:cNvPr id="15" name="Picture 14">
+            <a:extLst>
+              <a:ext uri="{FF2B5EF4-FFF2-40B4-BE49-F238E27FC236}">
+                <a16:creationId xmlns:a16="http://schemas.microsoft.com/office/drawing/2014/main" id="{176D0AB7-67E2-4AF4-829E-58B98D070FC7}"/>
+              </a:ext>
+            </a:extLst>
+          </p:cNvPr>
+          <p:cNvPicPr>
+            <a:picLocks noChangeAspect="1"/>
+          </p:cNvPicPr>
+          <p:nvPr/>
+        </p:nvPicPr>
+        <p:blipFill>
+          <a:blip r:embed="rId3"/>
+          <a:stretch>
+            <a:fillRect/>
+          </a:stretch>
+        </p:blipFill>
+        <p:spPr>
+          <a:xfrm>
+            <a:off x="7907336" y="2487200"/>
+            <a:ext cx="4284664" cy="2395884"/>
+          </a:xfrm>
+          <a:prstGeom prst="rect">
+            <a:avLst/>
+          </a:prstGeom>
+        </p:spPr>
+      </p:pic>
     </p:spTree>
     <p:extLst>
       <p:ext uri="{BB962C8B-B14F-4D97-AF65-F5344CB8AC3E}">
-        <p14:creationId xmlns:p14="http://schemas.microsoft.com/office/powerpoint/2010/main" val="1897728983"/>
+        <p14:creationId xmlns:p14="http://schemas.microsoft.com/office/powerpoint/2010/main" val="3220140034"/>
       </p:ext>
     </p:extLst>
   </p:cSld>
@@ -7350,7 +7509,7 @@
         </p:nvSpPr>
         <p:spPr>
           <a:xfrm>
-            <a:off x="828255" y="237021"/>
+            <a:off x="579680" y="174877"/>
             <a:ext cx="6098958" cy="646331"/>
           </a:xfrm>
           <a:prstGeom prst="rect">
@@ -7372,7 +7531,7 @@
                 <a:latin typeface="Times New Roman" panose="02020603050405020304" pitchFamily="18" charset="0"/>
                 <a:cs typeface="Times New Roman" panose="02020603050405020304" pitchFamily="18" charset="0"/>
               </a:rPr>
-              <a:t>Сервис корзины</a:t>
+              <a:t>Сервис отзывов</a:t>
             </a:r>
             <a:endParaRPr lang="ru-RU" sz="3600" dirty="0">
               <a:solidFill>
@@ -7382,10 +7541,70 @@
           </a:p>
         </p:txBody>
       </p:sp>
+      <p:pic>
+        <p:nvPicPr>
+          <p:cNvPr id="8" name="Picture 7">
+            <a:extLst>
+              <a:ext uri="{FF2B5EF4-FFF2-40B4-BE49-F238E27FC236}">
+                <a16:creationId xmlns:a16="http://schemas.microsoft.com/office/drawing/2014/main" id="{117225B9-F026-4BD4-A222-9B76D49E11BB}"/>
+              </a:ext>
+            </a:extLst>
+          </p:cNvPr>
+          <p:cNvPicPr>
+            <a:picLocks noChangeAspect="1"/>
+          </p:cNvPicPr>
+          <p:nvPr/>
+        </p:nvPicPr>
+        <p:blipFill>
+          <a:blip r:embed="rId2"/>
+          <a:stretch>
+            <a:fillRect/>
+          </a:stretch>
+        </p:blipFill>
+        <p:spPr>
+          <a:xfrm>
+            <a:off x="579680" y="738229"/>
+            <a:ext cx="10582194" cy="2948555"/>
+          </a:xfrm>
+          <a:prstGeom prst="rect">
+            <a:avLst/>
+          </a:prstGeom>
+        </p:spPr>
+      </p:pic>
+      <p:pic>
+        <p:nvPicPr>
+          <p:cNvPr id="10" name="Picture 9">
+            <a:extLst>
+              <a:ext uri="{FF2B5EF4-FFF2-40B4-BE49-F238E27FC236}">
+                <a16:creationId xmlns:a16="http://schemas.microsoft.com/office/drawing/2014/main" id="{1E13B1CA-BA46-410A-B0F8-77B59942699B}"/>
+              </a:ext>
+            </a:extLst>
+          </p:cNvPr>
+          <p:cNvPicPr>
+            <a:picLocks noChangeAspect="1"/>
+          </p:cNvPicPr>
+          <p:nvPr/>
+        </p:nvPicPr>
+        <p:blipFill>
+          <a:blip r:embed="rId3"/>
+          <a:stretch>
+            <a:fillRect/>
+          </a:stretch>
+        </p:blipFill>
+        <p:spPr>
+          <a:xfrm>
+            <a:off x="2021798" y="3706794"/>
+            <a:ext cx="5059937" cy="3151206"/>
+          </a:xfrm>
+          <a:prstGeom prst="rect">
+            <a:avLst/>
+          </a:prstGeom>
+        </p:spPr>
+      </p:pic>
     </p:spTree>
     <p:extLst>
       <p:ext uri="{BB962C8B-B14F-4D97-AF65-F5344CB8AC3E}">
-        <p14:creationId xmlns:p14="http://schemas.microsoft.com/office/powerpoint/2010/main" val="3981651984"/>
+        <p14:creationId xmlns:p14="http://schemas.microsoft.com/office/powerpoint/2010/main" val="3351425273"/>
       </p:ext>
     </p:extLst>
   </p:cSld>
@@ -7426,7 +7645,7 @@
         </p:nvSpPr>
         <p:spPr>
           <a:xfrm>
-            <a:off x="828255" y="237021"/>
+            <a:off x="705707" y="152179"/>
             <a:ext cx="6098958" cy="646331"/>
           </a:xfrm>
           <a:prstGeom prst="rect">
@@ -7441,14 +7660,44 @@
           <a:lstStyle/>
           <a:p>
             <a:r>
-              <a:rPr lang="ru-RU" sz="3600" dirty="0">
+              <a:rPr lang="en-US" sz="3600" dirty="0">
                 <a:solidFill>
                   <a:schemeClr val="accent1"/>
                 </a:solidFill>
                 <a:latin typeface="Times New Roman" panose="02020603050405020304" pitchFamily="18" charset="0"/>
                 <a:cs typeface="Times New Roman" panose="02020603050405020304" pitchFamily="18" charset="0"/>
               </a:rPr>
-              <a:t>Сервис заказов</a:t>
+              <a:t>C</a:t>
+            </a:r>
+            <a:r>
+              <a:rPr lang="ru-RU" sz="3600" dirty="0">
+                <a:solidFill>
+                  <a:schemeClr val="accent1"/>
+                </a:solidFill>
+                <a:latin typeface="Times New Roman" panose="02020603050405020304" pitchFamily="18" charset="0"/>
+                <a:cs typeface="Times New Roman" panose="02020603050405020304" pitchFamily="18" charset="0"/>
+              </a:rPr>
+              <a:t>ервис</a:t>
+            </a:r>
+            <a:r>
+              <a:rPr lang="en-US" sz="3600" dirty="0">
+                <a:solidFill>
+                  <a:schemeClr val="accent1"/>
+                </a:solidFill>
+                <a:latin typeface="Times New Roman" panose="02020603050405020304" pitchFamily="18" charset="0"/>
+                <a:cs typeface="Times New Roman" panose="02020603050405020304" pitchFamily="18" charset="0"/>
+              </a:rPr>
+              <a:t> </a:t>
+            </a:r>
+            <a:r>
+              <a:rPr lang="ru-RU" sz="3600" dirty="0">
+                <a:solidFill>
+                  <a:schemeClr val="accent1"/>
+                </a:solidFill>
+                <a:latin typeface="Times New Roman" panose="02020603050405020304" pitchFamily="18" charset="0"/>
+                <a:cs typeface="Times New Roman" panose="02020603050405020304" pitchFamily="18" charset="0"/>
+              </a:rPr>
+              <a:t>рекомендаций</a:t>
             </a:r>
             <a:endParaRPr lang="ru-RU" sz="3600" dirty="0">
               <a:solidFill>
@@ -7458,10 +7707,69 @@
           </a:p>
         </p:txBody>
       </p:sp>
+      <p:pic>
+        <p:nvPicPr>
+          <p:cNvPr id="3" name="Picture 2">
+            <a:extLst>
+              <a:ext uri="{FF2B5EF4-FFF2-40B4-BE49-F238E27FC236}">
+                <a16:creationId xmlns:a16="http://schemas.microsoft.com/office/drawing/2014/main" id="{BFEAA702-CD52-4654-8EE4-641CC32558F0}"/>
+              </a:ext>
+            </a:extLst>
+          </p:cNvPr>
+          <p:cNvPicPr>
+            <a:picLocks noChangeAspect="1"/>
+          </p:cNvPicPr>
+          <p:nvPr/>
+        </p:nvPicPr>
+        <p:blipFill rotWithShape="1">
+          <a:blip r:embed="rId2"/>
+          <a:srcRect t="59037"/>
+          <a:stretch/>
+        </p:blipFill>
+        <p:spPr>
+          <a:xfrm>
+            <a:off x="705707" y="798510"/>
+            <a:ext cx="9425771" cy="1994973"/>
+          </a:xfrm>
+          <a:prstGeom prst="rect">
+            <a:avLst/>
+          </a:prstGeom>
+        </p:spPr>
+      </p:pic>
+      <p:pic>
+        <p:nvPicPr>
+          <p:cNvPr id="4" name="Picture 3">
+            <a:extLst>
+              <a:ext uri="{FF2B5EF4-FFF2-40B4-BE49-F238E27FC236}">
+                <a16:creationId xmlns:a16="http://schemas.microsoft.com/office/drawing/2014/main" id="{388AA97B-4239-464C-9B63-0D8FE3ACD00F}"/>
+              </a:ext>
+            </a:extLst>
+          </p:cNvPr>
+          <p:cNvPicPr>
+            <a:picLocks noChangeAspect="1"/>
+          </p:cNvPicPr>
+          <p:nvPr/>
+        </p:nvPicPr>
+        <p:blipFill>
+          <a:blip r:embed="rId3"/>
+          <a:stretch>
+            <a:fillRect/>
+          </a:stretch>
+        </p:blipFill>
+        <p:spPr>
+          <a:xfrm>
+            <a:off x="1630739" y="2917448"/>
+            <a:ext cx="6724650" cy="3228975"/>
+          </a:xfrm>
+          <a:prstGeom prst="rect">
+            <a:avLst/>
+          </a:prstGeom>
+        </p:spPr>
+      </p:pic>
     </p:spTree>
     <p:extLst>
       <p:ext uri="{BB962C8B-B14F-4D97-AF65-F5344CB8AC3E}">
-        <p14:creationId xmlns:p14="http://schemas.microsoft.com/office/powerpoint/2010/main" val="845797283"/>
+        <p14:creationId xmlns:p14="http://schemas.microsoft.com/office/powerpoint/2010/main" val="1897728983"/>
       </p:ext>
     </p:extLst>
   </p:cSld>
@@ -7524,7 +7832,7 @@
                 <a:latin typeface="Times New Roman" panose="02020603050405020304" pitchFamily="18" charset="0"/>
                 <a:cs typeface="Times New Roman" panose="02020603050405020304" pitchFamily="18" charset="0"/>
               </a:rPr>
-              <a:t>Развертывание системы</a:t>
+              <a:t>Сервис корзины</a:t>
             </a:r>
             <a:endParaRPr lang="ru-RU" sz="3600" dirty="0">
               <a:solidFill>
@@ -7534,10 +7842,70 @@
           </a:p>
         </p:txBody>
       </p:sp>
+      <p:pic>
+        <p:nvPicPr>
+          <p:cNvPr id="3" name="Picture 2">
+            <a:extLst>
+              <a:ext uri="{FF2B5EF4-FFF2-40B4-BE49-F238E27FC236}">
+                <a16:creationId xmlns:a16="http://schemas.microsoft.com/office/drawing/2014/main" id="{54CDBC34-8C70-4AFD-A240-86B965E9302D}"/>
+              </a:ext>
+            </a:extLst>
+          </p:cNvPr>
+          <p:cNvPicPr>
+            <a:picLocks noChangeAspect="1"/>
+          </p:cNvPicPr>
+          <p:nvPr/>
+        </p:nvPicPr>
+        <p:blipFill>
+          <a:blip r:embed="rId2"/>
+          <a:stretch>
+            <a:fillRect/>
+          </a:stretch>
+        </p:blipFill>
+        <p:spPr>
+          <a:xfrm>
+            <a:off x="828255" y="883352"/>
+            <a:ext cx="9654251" cy="2440013"/>
+          </a:xfrm>
+          <a:prstGeom prst="rect">
+            <a:avLst/>
+          </a:prstGeom>
+        </p:spPr>
+      </p:pic>
+      <p:pic>
+        <p:nvPicPr>
+          <p:cNvPr id="5" name="Picture 4">
+            <a:extLst>
+              <a:ext uri="{FF2B5EF4-FFF2-40B4-BE49-F238E27FC236}">
+                <a16:creationId xmlns:a16="http://schemas.microsoft.com/office/drawing/2014/main" id="{34A2FD8B-3735-4AD1-8BD5-B4E6CCE16280}"/>
+              </a:ext>
+            </a:extLst>
+          </p:cNvPr>
+          <p:cNvPicPr>
+            <a:picLocks noChangeAspect="1"/>
+          </p:cNvPicPr>
+          <p:nvPr/>
+        </p:nvPicPr>
+        <p:blipFill>
+          <a:blip r:embed="rId3"/>
+          <a:stretch>
+            <a:fillRect/>
+          </a:stretch>
+        </p:blipFill>
+        <p:spPr>
+          <a:xfrm>
+            <a:off x="2507613" y="3323365"/>
+            <a:ext cx="5070234" cy="3389296"/>
+          </a:xfrm>
+          <a:prstGeom prst="rect">
+            <a:avLst/>
+          </a:prstGeom>
+        </p:spPr>
+      </p:pic>
     </p:spTree>
     <p:extLst>
       <p:ext uri="{BB962C8B-B14F-4D97-AF65-F5344CB8AC3E}">
-        <p14:creationId xmlns:p14="http://schemas.microsoft.com/office/powerpoint/2010/main" val="146035254"/>
+        <p14:creationId xmlns:p14="http://schemas.microsoft.com/office/powerpoint/2010/main" val="3981651984"/>
       </p:ext>
     </p:extLst>
   </p:cSld>
@@ -7578,7 +7946,296 @@
         </p:nvSpPr>
         <p:spPr>
           <a:xfrm>
-            <a:off x="828255" y="157122"/>
+            <a:off x="662041" y="71651"/>
+            <a:ext cx="6098958" cy="646331"/>
+          </a:xfrm>
+          <a:prstGeom prst="rect">
+            <a:avLst/>
+          </a:prstGeom>
+          <a:noFill/>
+        </p:spPr>
+        <p:txBody>
+          <a:bodyPr wrap="square">
+            <a:spAutoFit/>
+          </a:bodyPr>
+          <a:lstStyle/>
+          <a:p>
+            <a:r>
+              <a:rPr lang="ru-RU" sz="3600" dirty="0">
+                <a:solidFill>
+                  <a:schemeClr val="accent1"/>
+                </a:solidFill>
+                <a:latin typeface="Times New Roman" panose="02020603050405020304" pitchFamily="18" charset="0"/>
+                <a:cs typeface="Times New Roman" panose="02020603050405020304" pitchFamily="18" charset="0"/>
+              </a:rPr>
+              <a:t>Сервис заказов</a:t>
+            </a:r>
+            <a:endParaRPr lang="ru-RU" sz="3600" dirty="0">
+              <a:solidFill>
+                <a:schemeClr val="accent1"/>
+              </a:solidFill>
+            </a:endParaRPr>
+          </a:p>
+        </p:txBody>
+      </p:sp>
+      <p:pic>
+        <p:nvPicPr>
+          <p:cNvPr id="3" name="Picture 2">
+            <a:extLst>
+              <a:ext uri="{FF2B5EF4-FFF2-40B4-BE49-F238E27FC236}">
+                <a16:creationId xmlns:a16="http://schemas.microsoft.com/office/drawing/2014/main" id="{FC375918-9DB0-4735-ABF5-51262E89319B}"/>
+              </a:ext>
+            </a:extLst>
+          </p:cNvPr>
+          <p:cNvPicPr>
+            <a:picLocks noChangeAspect="1"/>
+          </p:cNvPicPr>
+          <p:nvPr/>
+        </p:nvPicPr>
+        <p:blipFill>
+          <a:blip r:embed="rId2"/>
+          <a:stretch>
+            <a:fillRect/>
+          </a:stretch>
+        </p:blipFill>
+        <p:spPr>
+          <a:xfrm>
+            <a:off x="662041" y="574877"/>
+            <a:ext cx="10867918" cy="3258766"/>
+          </a:xfrm>
+          <a:prstGeom prst="rect">
+            <a:avLst/>
+          </a:prstGeom>
+        </p:spPr>
+      </p:pic>
+      <p:pic>
+        <p:nvPicPr>
+          <p:cNvPr id="6" name="Picture 5">
+            <a:extLst>
+              <a:ext uri="{FF2B5EF4-FFF2-40B4-BE49-F238E27FC236}">
+                <a16:creationId xmlns:a16="http://schemas.microsoft.com/office/drawing/2014/main" id="{69D7A120-B8B1-4AC1-8787-535398B65B6F}"/>
+              </a:ext>
+            </a:extLst>
+          </p:cNvPr>
+          <p:cNvPicPr>
+            <a:picLocks noChangeAspect="1"/>
+          </p:cNvPicPr>
+          <p:nvPr/>
+        </p:nvPicPr>
+        <p:blipFill>
+          <a:blip r:embed="rId3"/>
+          <a:stretch>
+            <a:fillRect/>
+          </a:stretch>
+        </p:blipFill>
+        <p:spPr>
+          <a:xfrm>
+            <a:off x="3122855" y="3716912"/>
+            <a:ext cx="3657733" cy="3069437"/>
+          </a:xfrm>
+          <a:prstGeom prst="rect">
+            <a:avLst/>
+          </a:prstGeom>
+        </p:spPr>
+      </p:pic>
+    </p:spTree>
+    <p:extLst>
+      <p:ext uri="{BB962C8B-B14F-4D97-AF65-F5344CB8AC3E}">
+        <p14:creationId xmlns:p14="http://schemas.microsoft.com/office/powerpoint/2010/main" val="845797283"/>
+      </p:ext>
+    </p:extLst>
+  </p:cSld>
+  <p:clrMapOvr>
+    <a:masterClrMapping/>
+  </p:clrMapOvr>
+</p:sld>
+</file>
+
+<file path=ppt/slides/slide15.xml><?xml version="1.0" encoding="utf-8"?>
+<p:sld xmlns:a="http://schemas.openxmlformats.org/drawingml/2006/main" xmlns:r="http://schemas.openxmlformats.org/officeDocument/2006/relationships" xmlns:p="http://schemas.openxmlformats.org/presentationml/2006/main">
+  <p:cSld>
+    <p:spTree>
+      <p:nvGrpSpPr>
+        <p:cNvPr id="1" name=""/>
+        <p:cNvGrpSpPr/>
+        <p:nvPr/>
+      </p:nvGrpSpPr>
+      <p:grpSpPr>
+        <a:xfrm>
+          <a:off x="0" y="0"/>
+          <a:ext cx="0" cy="0"/>
+          <a:chOff x="0" y="0"/>
+          <a:chExt cx="0" cy="0"/>
+        </a:xfrm>
+      </p:grpSpPr>
+      <p:sp>
+        <p:nvSpPr>
+          <p:cNvPr id="7" name="TextBox 6">
+            <a:extLst>
+              <a:ext uri="{FF2B5EF4-FFF2-40B4-BE49-F238E27FC236}">
+                <a16:creationId xmlns:a16="http://schemas.microsoft.com/office/drawing/2014/main" id="{40D43C44-6FD2-496B-8A02-38382B028051}"/>
+              </a:ext>
+            </a:extLst>
+          </p:cNvPr>
+          <p:cNvSpPr txBox="1"/>
+          <p:nvPr/>
+        </p:nvSpPr>
+        <p:spPr>
+          <a:xfrm>
+            <a:off x="828255" y="237021"/>
+            <a:ext cx="6098958" cy="646331"/>
+          </a:xfrm>
+          <a:prstGeom prst="rect">
+            <a:avLst/>
+          </a:prstGeom>
+          <a:noFill/>
+        </p:spPr>
+        <p:txBody>
+          <a:bodyPr wrap="square">
+            <a:spAutoFit/>
+          </a:bodyPr>
+          <a:lstStyle/>
+          <a:p>
+            <a:r>
+              <a:rPr lang="ru-RU" sz="3600" dirty="0">
+                <a:solidFill>
+                  <a:schemeClr val="accent1"/>
+                </a:solidFill>
+                <a:latin typeface="Times New Roman" panose="02020603050405020304" pitchFamily="18" charset="0"/>
+                <a:cs typeface="Times New Roman" panose="02020603050405020304" pitchFamily="18" charset="0"/>
+              </a:rPr>
+              <a:t>Развертывание системы</a:t>
+            </a:r>
+            <a:endParaRPr lang="ru-RU" sz="3600" dirty="0">
+              <a:solidFill>
+                <a:schemeClr val="accent1"/>
+              </a:solidFill>
+            </a:endParaRPr>
+          </a:p>
+        </p:txBody>
+      </p:sp>
+      <p:pic>
+        <p:nvPicPr>
+          <p:cNvPr id="3" name="Picture 2">
+            <a:extLst>
+              <a:ext uri="{FF2B5EF4-FFF2-40B4-BE49-F238E27FC236}">
+                <a16:creationId xmlns:a16="http://schemas.microsoft.com/office/drawing/2014/main" id="{75E18589-3BD2-4CF1-B12D-33E3768CD45C}"/>
+              </a:ext>
+            </a:extLst>
+          </p:cNvPr>
+          <p:cNvPicPr>
+            <a:picLocks noChangeAspect="1"/>
+          </p:cNvPicPr>
+          <p:nvPr/>
+        </p:nvPicPr>
+        <p:blipFill>
+          <a:blip r:embed="rId2"/>
+          <a:stretch>
+            <a:fillRect/>
+          </a:stretch>
+        </p:blipFill>
+        <p:spPr>
+          <a:xfrm>
+            <a:off x="773072" y="1659872"/>
+            <a:ext cx="10840171" cy="4961107"/>
+          </a:xfrm>
+          <a:prstGeom prst="rect">
+            <a:avLst/>
+          </a:prstGeom>
+        </p:spPr>
+      </p:pic>
+      <p:pic>
+        <p:nvPicPr>
+          <p:cNvPr id="2050" name="Picture 2" descr="Использование Docker-контейнеров как Jenkins-нод / Хабр">
+            <a:extLst>
+              <a:ext uri="{FF2B5EF4-FFF2-40B4-BE49-F238E27FC236}">
+                <a16:creationId xmlns:a16="http://schemas.microsoft.com/office/drawing/2014/main" id="{0593F5CD-4CA7-4074-912E-E68C3BBA7216}"/>
+              </a:ext>
+            </a:extLst>
+          </p:cNvPr>
+          <p:cNvPicPr>
+            <a:picLocks noChangeAspect="1" noChangeArrowheads="1"/>
+          </p:cNvPicPr>
+          <p:nvPr/>
+        </p:nvPicPr>
+        <p:blipFill>
+          <a:blip r:embed="rId3">
+            <a:extLst>
+              <a:ext uri="{28A0092B-C50C-407E-A947-70E740481C1C}">
+                <a14:useLocalDpi xmlns:a14="http://schemas.microsoft.com/office/drawing/2010/main" val="0"/>
+              </a:ext>
+            </a:extLst>
+          </a:blip>
+          <a:srcRect/>
+          <a:stretch>
+            <a:fillRect/>
+          </a:stretch>
+        </p:blipFill>
+        <p:spPr bwMode="auto">
+          <a:xfrm>
+            <a:off x="8557099" y="0"/>
+            <a:ext cx="3810000" cy="3152775"/>
+          </a:xfrm>
+          <a:prstGeom prst="rect">
+            <a:avLst/>
+          </a:prstGeom>
+          <a:noFill/>
+          <a:extLst>
+            <a:ext uri="{909E8E84-426E-40DD-AFC4-6F175D3DCCD1}">
+              <a14:hiddenFill xmlns:a14="http://schemas.microsoft.com/office/drawing/2010/main">
+                <a:solidFill>
+                  <a:srgbClr val="FFFFFF"/>
+                </a:solidFill>
+              </a14:hiddenFill>
+            </a:ext>
+          </a:extLst>
+        </p:spPr>
+      </p:pic>
+    </p:spTree>
+    <p:extLst>
+      <p:ext uri="{BB962C8B-B14F-4D97-AF65-F5344CB8AC3E}">
+        <p14:creationId xmlns:p14="http://schemas.microsoft.com/office/powerpoint/2010/main" val="146035254"/>
+      </p:ext>
+    </p:extLst>
+  </p:cSld>
+  <p:clrMapOvr>
+    <a:masterClrMapping/>
+  </p:clrMapOvr>
+</p:sld>
+</file>
+
+<file path=ppt/slides/slide16.xml><?xml version="1.0" encoding="utf-8"?>
+<p:sld xmlns:a="http://schemas.openxmlformats.org/drawingml/2006/main" xmlns:r="http://schemas.openxmlformats.org/officeDocument/2006/relationships" xmlns:p="http://schemas.openxmlformats.org/presentationml/2006/main">
+  <p:cSld>
+    <p:spTree>
+      <p:nvGrpSpPr>
+        <p:cNvPr id="1" name=""/>
+        <p:cNvGrpSpPr/>
+        <p:nvPr/>
+      </p:nvGrpSpPr>
+      <p:grpSpPr>
+        <a:xfrm>
+          <a:off x="0" y="0"/>
+          <a:ext cx="0" cy="0"/>
+          <a:chOff x="0" y="0"/>
+          <a:chExt cx="0" cy="0"/>
+        </a:xfrm>
+      </p:grpSpPr>
+      <p:sp>
+        <p:nvSpPr>
+          <p:cNvPr id="7" name="TextBox 6">
+            <a:extLst>
+              <a:ext uri="{FF2B5EF4-FFF2-40B4-BE49-F238E27FC236}">
+                <a16:creationId xmlns:a16="http://schemas.microsoft.com/office/drawing/2014/main" id="{40D43C44-6FD2-496B-8A02-38382B028051}"/>
+              </a:ext>
+            </a:extLst>
+          </p:cNvPr>
+          <p:cNvSpPr txBox="1"/>
+          <p:nvPr/>
+        </p:nvSpPr>
+        <p:spPr>
+          <a:xfrm>
+            <a:off x="691576" y="157122"/>
             <a:ext cx="6098958" cy="646331"/>
           </a:xfrm>
           <a:prstGeom prst="rect">
@@ -7624,7 +8281,7 @@
         </p:nvSpPr>
         <p:spPr>
           <a:xfrm>
-            <a:off x="828255" y="1266832"/>
+            <a:off x="691576" y="803453"/>
             <a:ext cx="7108382" cy="369332"/>
           </a:xfrm>
           <a:prstGeom prst="rect">
@@ -7678,7 +8335,7 @@
         </p:nvSpPr>
         <p:spPr>
           <a:xfrm>
-            <a:off x="828255" y="3463602"/>
+            <a:off x="691576" y="2884603"/>
             <a:ext cx="7854106" cy="369332"/>
           </a:xfrm>
           <a:prstGeom prst="rect">
@@ -7717,10 +8374,745 @@
           </a:p>
         </p:txBody>
       </p:sp>
+      <p:pic>
+        <p:nvPicPr>
+          <p:cNvPr id="3" name="Picture 2">
+            <a:extLst>
+              <a:ext uri="{FF2B5EF4-FFF2-40B4-BE49-F238E27FC236}">
+                <a16:creationId xmlns:a16="http://schemas.microsoft.com/office/drawing/2014/main" id="{46AEBE79-4658-431A-897F-A639E150D7B6}"/>
+              </a:ext>
+            </a:extLst>
+          </p:cNvPr>
+          <p:cNvPicPr>
+            <a:picLocks noChangeAspect="1"/>
+          </p:cNvPicPr>
+          <p:nvPr/>
+        </p:nvPicPr>
+        <p:blipFill>
+          <a:blip r:embed="rId2"/>
+          <a:stretch>
+            <a:fillRect/>
+          </a:stretch>
+        </p:blipFill>
+        <p:spPr>
+          <a:xfrm>
+            <a:off x="691576" y="3339972"/>
+            <a:ext cx="8296781" cy="3360906"/>
+          </a:xfrm>
+          <a:prstGeom prst="rect">
+            <a:avLst/>
+          </a:prstGeom>
+        </p:spPr>
+      </p:pic>
+      <p:pic>
+        <p:nvPicPr>
+          <p:cNvPr id="5" name="Picture 4">
+            <a:extLst>
+              <a:ext uri="{FF2B5EF4-FFF2-40B4-BE49-F238E27FC236}">
+                <a16:creationId xmlns:a16="http://schemas.microsoft.com/office/drawing/2014/main" id="{8E586EFC-850F-41AF-9510-CCCE059A2F68}"/>
+              </a:ext>
+            </a:extLst>
+          </p:cNvPr>
+          <p:cNvPicPr>
+            <a:picLocks noChangeAspect="1"/>
+          </p:cNvPicPr>
+          <p:nvPr/>
+        </p:nvPicPr>
+        <p:blipFill>
+          <a:blip r:embed="rId3"/>
+          <a:stretch>
+            <a:fillRect/>
+          </a:stretch>
+        </p:blipFill>
+        <p:spPr>
+          <a:xfrm>
+            <a:off x="691576" y="1261742"/>
+            <a:ext cx="3500193" cy="1622861"/>
+          </a:xfrm>
+          <a:prstGeom prst="rect">
+            <a:avLst/>
+          </a:prstGeom>
+        </p:spPr>
+      </p:pic>
     </p:spTree>
     <p:extLst>
       <p:ext uri="{BB962C8B-B14F-4D97-AF65-F5344CB8AC3E}">
         <p14:creationId xmlns:p14="http://schemas.microsoft.com/office/powerpoint/2010/main" val="1951688062"/>
+      </p:ext>
+    </p:extLst>
+  </p:cSld>
+  <p:clrMapOvr>
+    <a:masterClrMapping/>
+  </p:clrMapOvr>
+</p:sld>
+</file>
+
+<file path=ppt/slides/slide17.xml><?xml version="1.0" encoding="utf-8"?>
+<p:sld xmlns:a="http://schemas.openxmlformats.org/drawingml/2006/main" xmlns:r="http://schemas.openxmlformats.org/officeDocument/2006/relationships" xmlns:p="http://schemas.openxmlformats.org/presentationml/2006/main">
+  <p:cSld>
+    <p:spTree>
+      <p:nvGrpSpPr>
+        <p:cNvPr id="1" name=""/>
+        <p:cNvGrpSpPr/>
+        <p:nvPr/>
+      </p:nvGrpSpPr>
+      <p:grpSpPr>
+        <a:xfrm>
+          <a:off x="0" y="0"/>
+          <a:ext cx="0" cy="0"/>
+          <a:chOff x="0" y="0"/>
+          <a:chExt cx="0" cy="0"/>
+        </a:xfrm>
+      </p:grpSpPr>
+      <p:sp>
+        <p:nvSpPr>
+          <p:cNvPr id="2" name="Title 1">
+            <a:extLst>
+              <a:ext uri="{FF2B5EF4-FFF2-40B4-BE49-F238E27FC236}">
+                <a16:creationId xmlns:a16="http://schemas.microsoft.com/office/drawing/2014/main" id="{75ADFF37-7279-4F96-84AC-03C0C26CBC2C}"/>
+              </a:ext>
+            </a:extLst>
+          </p:cNvPr>
+          <p:cNvSpPr>
+            <a:spLocks noGrp="1"/>
+          </p:cNvSpPr>
+          <p:nvPr>
+            <p:ph type="title"/>
+          </p:nvPr>
+        </p:nvSpPr>
+        <p:spPr>
+          <a:xfrm>
+            <a:off x="460518" y="146203"/>
+            <a:ext cx="8596668" cy="768197"/>
+          </a:xfrm>
+        </p:spPr>
+        <p:txBody>
+          <a:bodyPr/>
+          <a:lstStyle/>
+          <a:p>
+            <a:r>
+              <a:rPr lang="ru-RU" dirty="0"/>
+              <a:t>Заключение</a:t>
+            </a:r>
+            <a:endParaRPr lang="en-US" dirty="0"/>
+          </a:p>
+        </p:txBody>
+      </p:sp>
+      <p:sp>
+        <p:nvSpPr>
+          <p:cNvPr id="3" name="Text Placeholder 2">
+            <a:extLst>
+              <a:ext uri="{FF2B5EF4-FFF2-40B4-BE49-F238E27FC236}">
+                <a16:creationId xmlns:a16="http://schemas.microsoft.com/office/drawing/2014/main" id="{5EDBEBA2-61D6-4C00-AF79-99F48DB724E2}"/>
+              </a:ext>
+            </a:extLst>
+          </p:cNvPr>
+          <p:cNvSpPr>
+            <a:spLocks noGrp="1"/>
+          </p:cNvSpPr>
+          <p:nvPr>
+            <p:ph type="body" idx="1"/>
+          </p:nvPr>
+        </p:nvSpPr>
+        <p:spPr>
+          <a:xfrm>
+            <a:off x="536234" y="1189957"/>
+            <a:ext cx="8749470" cy="1506109"/>
+          </a:xfrm>
+        </p:spPr>
+        <p:txBody>
+          <a:bodyPr>
+            <a:normAutofit/>
+          </a:bodyPr>
+          <a:lstStyle/>
+          <a:p>
+            <a:r>
+              <a:rPr lang="ru-RU" dirty="0">
+                <a:solidFill>
+                  <a:schemeClr val="tx1"/>
+                </a:solidFill>
+                <a:latin typeface="Times New Roman" panose="02020603050405020304" pitchFamily="18" charset="0"/>
+                <a:cs typeface="Times New Roman" panose="02020603050405020304" pitchFamily="18" charset="0"/>
+              </a:rPr>
+              <a:t>Итогом дипломной работы является серверное приложение реализующее основной функционал интернет магазина «Электроника», разработанное на основе миросервисный архитектуры, которая обеспечивает </a:t>
+            </a:r>
+            <a:r>
+              <a:rPr lang="ru-RU">
+                <a:solidFill>
+                  <a:schemeClr val="tx1"/>
+                </a:solidFill>
+                <a:latin typeface="Times New Roman" panose="02020603050405020304" pitchFamily="18" charset="0"/>
+                <a:cs typeface="Times New Roman" panose="02020603050405020304" pitchFamily="18" charset="0"/>
+              </a:rPr>
+              <a:t>легкую масштабируемость приложения, безопасность и отказоустойчивость.</a:t>
+            </a:r>
+            <a:endParaRPr lang="en-US" dirty="0">
+              <a:solidFill>
+                <a:schemeClr val="tx1"/>
+              </a:solidFill>
+              <a:latin typeface="Times New Roman" panose="02020603050405020304" pitchFamily="18" charset="0"/>
+              <a:cs typeface="Times New Roman" panose="02020603050405020304" pitchFamily="18" charset="0"/>
+            </a:endParaRPr>
+          </a:p>
+        </p:txBody>
+      </p:sp>
+    </p:spTree>
+    <p:extLst>
+      <p:ext uri="{BB962C8B-B14F-4D97-AF65-F5344CB8AC3E}">
+        <p14:creationId xmlns:p14="http://schemas.microsoft.com/office/powerpoint/2010/main" val="1662765969"/>
+      </p:ext>
+    </p:extLst>
+  </p:cSld>
+  <p:clrMapOvr>
+    <a:masterClrMapping/>
+  </p:clrMapOvr>
+</p:sld>
+</file>
+
+<file path=ppt/slides/slide18.xml><?xml version="1.0" encoding="utf-8"?>
+<p:sld xmlns:a="http://schemas.openxmlformats.org/drawingml/2006/main" xmlns:r="http://schemas.openxmlformats.org/officeDocument/2006/relationships" xmlns:p="http://schemas.openxmlformats.org/presentationml/2006/main">
+  <p:cSld>
+    <p:spTree>
+      <p:nvGrpSpPr>
+        <p:cNvPr id="1" name=""/>
+        <p:cNvGrpSpPr/>
+        <p:nvPr/>
+      </p:nvGrpSpPr>
+      <p:grpSpPr>
+        <a:xfrm>
+          <a:off x="0" y="0"/>
+          <a:ext cx="0" cy="0"/>
+          <a:chOff x="0" y="0"/>
+          <a:chExt cx="0" cy="0"/>
+        </a:xfrm>
+      </p:grpSpPr>
+      <p:sp>
+        <p:nvSpPr>
+          <p:cNvPr id="2" name="Title 1">
+            <a:extLst>
+              <a:ext uri="{FF2B5EF4-FFF2-40B4-BE49-F238E27FC236}">
+                <a16:creationId xmlns:a16="http://schemas.microsoft.com/office/drawing/2014/main" id="{CA301988-94B1-4308-86ED-85060A6815C2}"/>
+              </a:ext>
+            </a:extLst>
+          </p:cNvPr>
+          <p:cNvSpPr>
+            <a:spLocks noGrp="1"/>
+          </p:cNvSpPr>
+          <p:nvPr>
+            <p:ph type="title"/>
+          </p:nvPr>
+        </p:nvSpPr>
+        <p:spPr>
+          <a:xfrm>
+            <a:off x="677335" y="117923"/>
+            <a:ext cx="8596668" cy="626796"/>
+          </a:xfrm>
+        </p:spPr>
+        <p:txBody>
+          <a:bodyPr>
+            <a:normAutofit fontScale="90000"/>
+          </a:bodyPr>
+          <a:lstStyle/>
+          <a:p>
+            <a:r>
+              <a:rPr lang="ru-RU" dirty="0"/>
+              <a:t>Используемый источники</a:t>
+            </a:r>
+            <a:endParaRPr lang="en-US" dirty="0"/>
+          </a:p>
+        </p:txBody>
+      </p:sp>
+      <p:sp>
+        <p:nvSpPr>
+          <p:cNvPr id="7" name="TextBox 6">
+            <a:extLst>
+              <a:ext uri="{FF2B5EF4-FFF2-40B4-BE49-F238E27FC236}">
+                <a16:creationId xmlns:a16="http://schemas.microsoft.com/office/drawing/2014/main" id="{07F706B9-BBF9-45CB-B3E9-E2332DC0A568}"/>
+              </a:ext>
+            </a:extLst>
+          </p:cNvPr>
+          <p:cNvSpPr txBox="1"/>
+          <p:nvPr/>
+        </p:nvSpPr>
+        <p:spPr>
+          <a:xfrm>
+            <a:off x="677335" y="1165524"/>
+            <a:ext cx="8758896" cy="4689745"/>
+          </a:xfrm>
+          <a:prstGeom prst="rect">
+            <a:avLst/>
+          </a:prstGeom>
+          <a:noFill/>
+        </p:spPr>
+        <p:txBody>
+          <a:bodyPr wrap="square">
+            <a:spAutoFit/>
+          </a:bodyPr>
+          <a:lstStyle/>
+          <a:p>
+            <a:pPr marL="0" marR="0">
+              <a:lnSpc>
+                <a:spcPct val="107000"/>
+              </a:lnSpc>
+              <a:spcBef>
+                <a:spcPts val="0"/>
+              </a:spcBef>
+              <a:spcAft>
+                <a:spcPts val="800"/>
+              </a:spcAft>
+            </a:pPr>
+            <a:r>
+              <a:rPr lang="ru-RU" sz="1800" u="sng" dirty="0">
+                <a:solidFill>
+                  <a:srgbClr val="0563C1"/>
+                </a:solidFill>
+                <a:effectLst/>
+                <a:latin typeface="Times New Roman" panose="02020603050405020304" pitchFamily="18" charset="0"/>
+                <a:ea typeface="Calibri" panose="020F0502020204030204" pitchFamily="34" charset="0"/>
+                <a:cs typeface="Times New Roman" panose="02020603050405020304" pitchFamily="18" charset="0"/>
+                <a:hlinkClick r:id="rId2"/>
+              </a:rPr>
+              <a:t>https://en.wikipedia.org/wiki/Java_virtual_machine</a:t>
+            </a:r>
+            <a:endParaRPr lang="en-US" sz="1400" dirty="0">
+              <a:effectLst/>
+              <a:latin typeface="Calibri" panose="020F0502020204030204" pitchFamily="34" charset="0"/>
+              <a:ea typeface="Calibri" panose="020F0502020204030204" pitchFamily="34" charset="0"/>
+              <a:cs typeface="Times New Roman" panose="02020603050405020304" pitchFamily="18" charset="0"/>
+            </a:endParaRPr>
+          </a:p>
+          <a:p>
+            <a:pPr marL="0" marR="0">
+              <a:lnSpc>
+                <a:spcPct val="107000"/>
+              </a:lnSpc>
+              <a:spcBef>
+                <a:spcPts val="0"/>
+              </a:spcBef>
+              <a:spcAft>
+                <a:spcPts val="800"/>
+              </a:spcAft>
+            </a:pPr>
+            <a:r>
+              <a:rPr lang="ru-RU" sz="1800" u="sng" dirty="0">
+                <a:solidFill>
+                  <a:srgbClr val="0563C1"/>
+                </a:solidFill>
+                <a:effectLst/>
+                <a:latin typeface="Times New Roman" panose="02020603050405020304" pitchFamily="18" charset="0"/>
+                <a:ea typeface="Calibri" panose="020F0502020204030204" pitchFamily="34" charset="0"/>
+                <a:cs typeface="Times New Roman" panose="02020603050405020304" pitchFamily="18" charset="0"/>
+                <a:hlinkClick r:id="rId3"/>
+              </a:rPr>
+              <a:t>http://javacogito.net/index.php/Спецификация_виртуальной_машины_Java#.D0.9D.D0.B5.D0.BC.D0.BD.D0.BE.D0.B3.D0.BE_.D0.B8.D1.81.D1.82.D0.BE.D1.80.D0.B8.D0.B8</a:t>
+            </a:r>
+            <a:r>
+              <a:rPr lang="ru-RU" sz="1800" dirty="0">
+                <a:effectLst/>
+                <a:latin typeface="Times New Roman" panose="02020603050405020304" pitchFamily="18" charset="0"/>
+                <a:ea typeface="Calibri" panose="020F0502020204030204" pitchFamily="34" charset="0"/>
+                <a:cs typeface="Times New Roman" panose="02020603050405020304" pitchFamily="18" charset="0"/>
+              </a:rPr>
+              <a:t> </a:t>
+            </a:r>
+            <a:endParaRPr lang="en-US" sz="1400" dirty="0">
+              <a:effectLst/>
+              <a:latin typeface="Calibri" panose="020F0502020204030204" pitchFamily="34" charset="0"/>
+              <a:ea typeface="Calibri" panose="020F0502020204030204" pitchFamily="34" charset="0"/>
+              <a:cs typeface="Times New Roman" panose="02020603050405020304" pitchFamily="18" charset="0"/>
+            </a:endParaRPr>
+          </a:p>
+          <a:p>
+            <a:pPr marL="0" marR="0">
+              <a:lnSpc>
+                <a:spcPct val="107000"/>
+              </a:lnSpc>
+              <a:spcBef>
+                <a:spcPts val="0"/>
+              </a:spcBef>
+              <a:spcAft>
+                <a:spcPts val="800"/>
+              </a:spcAft>
+            </a:pPr>
+            <a:r>
+              <a:rPr lang="ru-RU" sz="1800" u="sng" dirty="0">
+                <a:solidFill>
+                  <a:srgbClr val="0563C1"/>
+                </a:solidFill>
+                <a:effectLst/>
+                <a:latin typeface="Times New Roman" panose="02020603050405020304" pitchFamily="18" charset="0"/>
+                <a:ea typeface="Calibri" panose="020F0502020204030204" pitchFamily="34" charset="0"/>
+                <a:cs typeface="Times New Roman" panose="02020603050405020304" pitchFamily="18" charset="0"/>
+                <a:hlinkClick r:id="rId4"/>
+              </a:rPr>
+              <a:t>https://ru.wikipedia.org/wiki/Microsoft_SQL_Server</a:t>
+            </a:r>
+            <a:endParaRPr lang="en-US" sz="1400" dirty="0">
+              <a:effectLst/>
+              <a:latin typeface="Calibri" panose="020F0502020204030204" pitchFamily="34" charset="0"/>
+              <a:ea typeface="Calibri" panose="020F0502020204030204" pitchFamily="34" charset="0"/>
+              <a:cs typeface="Times New Roman" panose="02020603050405020304" pitchFamily="18" charset="0"/>
+            </a:endParaRPr>
+          </a:p>
+          <a:p>
+            <a:pPr marL="0" marR="0">
+              <a:lnSpc>
+                <a:spcPct val="107000"/>
+              </a:lnSpc>
+              <a:spcBef>
+                <a:spcPts val="0"/>
+              </a:spcBef>
+              <a:spcAft>
+                <a:spcPts val="800"/>
+              </a:spcAft>
+            </a:pPr>
+            <a:r>
+              <a:rPr lang="ru-RU" sz="1800" u="sng" dirty="0">
+                <a:solidFill>
+                  <a:srgbClr val="0563C1"/>
+                </a:solidFill>
+                <a:effectLst/>
+                <a:latin typeface="Times New Roman" panose="02020603050405020304" pitchFamily="18" charset="0"/>
+                <a:ea typeface="Calibri" panose="020F0502020204030204" pitchFamily="34" charset="0"/>
+                <a:cs typeface="Times New Roman" panose="02020603050405020304" pitchFamily="18" charset="0"/>
+                <a:hlinkClick r:id="rId5"/>
+              </a:rPr>
+              <a:t>https://tproger.ru/translations/sqlite-mysql-postgresql-comparison/</a:t>
+            </a:r>
+            <a:endParaRPr lang="en-US" sz="1400" dirty="0">
+              <a:effectLst/>
+              <a:latin typeface="Calibri" panose="020F0502020204030204" pitchFamily="34" charset="0"/>
+              <a:ea typeface="Calibri" panose="020F0502020204030204" pitchFamily="34" charset="0"/>
+              <a:cs typeface="Times New Roman" panose="02020603050405020304" pitchFamily="18" charset="0"/>
+            </a:endParaRPr>
+          </a:p>
+          <a:p>
+            <a:pPr marL="0" marR="0">
+              <a:lnSpc>
+                <a:spcPct val="107000"/>
+              </a:lnSpc>
+              <a:spcBef>
+                <a:spcPts val="0"/>
+              </a:spcBef>
+              <a:spcAft>
+                <a:spcPts val="800"/>
+              </a:spcAft>
+            </a:pPr>
+            <a:r>
+              <a:rPr lang="ru-RU" sz="1800" u="sng" dirty="0">
+                <a:solidFill>
+                  <a:srgbClr val="0563C1"/>
+                </a:solidFill>
+                <a:effectLst/>
+                <a:latin typeface="Times New Roman" panose="02020603050405020304" pitchFamily="18" charset="0"/>
+                <a:ea typeface="Calibri" panose="020F0502020204030204" pitchFamily="34" charset="0"/>
+                <a:cs typeface="Times New Roman" panose="02020603050405020304" pitchFamily="18" charset="0"/>
+                <a:hlinkClick r:id="rId6"/>
+              </a:rPr>
+              <a:t>https://medium.com/@kirill.sereda/spring-cloud-netflix-eureka-по-русски-5b7829481717</a:t>
+            </a:r>
+            <a:endParaRPr lang="en-US" sz="1800" u="sng" dirty="0">
+              <a:solidFill>
+                <a:srgbClr val="0563C1"/>
+              </a:solidFill>
+              <a:effectLst/>
+              <a:latin typeface="Times New Roman" panose="02020603050405020304" pitchFamily="18" charset="0"/>
+              <a:ea typeface="Calibri" panose="020F0502020204030204" pitchFamily="34" charset="0"/>
+              <a:cs typeface="Times New Roman" panose="02020603050405020304" pitchFamily="18" charset="0"/>
+            </a:endParaRPr>
+          </a:p>
+          <a:p>
+            <a:pPr marL="0" marR="0">
+              <a:lnSpc>
+                <a:spcPct val="107000"/>
+              </a:lnSpc>
+              <a:spcBef>
+                <a:spcPts val="0"/>
+              </a:spcBef>
+              <a:spcAft>
+                <a:spcPts val="800"/>
+              </a:spcAft>
+            </a:pPr>
+            <a:r>
+              <a:rPr lang="ru-RU" sz="1800" dirty="0">
+                <a:effectLst/>
+                <a:latin typeface="Times New Roman" panose="02020603050405020304" pitchFamily="18" charset="0"/>
+                <a:ea typeface="Calibri" panose="020F0502020204030204" pitchFamily="34" charset="0"/>
+                <a:cs typeface="Times New Roman" panose="02020603050405020304" pitchFamily="18" charset="0"/>
+              </a:rPr>
+              <a:t>Леон Шкляр, Рич Розен. Архитектура веб-приложений. — М.: «Эксмо», 2010. — С.35-150.</a:t>
+            </a:r>
+            <a:endParaRPr lang="en-US" sz="1800" dirty="0">
+              <a:effectLst/>
+              <a:latin typeface="Calibri" panose="020F0502020204030204" pitchFamily="34" charset="0"/>
+              <a:ea typeface="Calibri" panose="020F0502020204030204" pitchFamily="34" charset="0"/>
+              <a:cs typeface="Times New Roman" panose="02020603050405020304" pitchFamily="18" charset="0"/>
+            </a:endParaRPr>
+          </a:p>
+          <a:p>
+            <a:pPr marL="0" marR="0">
+              <a:lnSpc>
+                <a:spcPct val="107000"/>
+              </a:lnSpc>
+              <a:spcBef>
+                <a:spcPts val="0"/>
+              </a:spcBef>
+              <a:spcAft>
+                <a:spcPts val="800"/>
+              </a:spcAft>
+            </a:pPr>
+            <a:r>
+              <a:rPr lang="en-US" sz="1800" dirty="0" err="1">
+                <a:effectLst/>
+                <a:latin typeface="Times New Roman" panose="02020603050405020304" pitchFamily="18" charset="0"/>
+                <a:ea typeface="Calibri" panose="020F0502020204030204" pitchFamily="34" charset="0"/>
+                <a:cs typeface="Times New Roman" panose="02020603050405020304" pitchFamily="18" charset="0"/>
+              </a:rPr>
+              <a:t>Ньюмен</a:t>
+            </a:r>
+            <a:r>
+              <a:rPr lang="en-US" sz="1800" dirty="0">
+                <a:effectLst/>
+                <a:latin typeface="Times New Roman" panose="02020603050405020304" pitchFamily="18" charset="0"/>
+                <a:ea typeface="Calibri" panose="020F0502020204030204" pitchFamily="34" charset="0"/>
+                <a:cs typeface="Times New Roman" panose="02020603050405020304" pitchFamily="18" charset="0"/>
+              </a:rPr>
+              <a:t> С. </a:t>
+            </a:r>
+            <a:r>
+              <a:rPr lang="en-US" sz="1800" dirty="0" err="1">
+                <a:effectLst/>
+                <a:latin typeface="Times New Roman" panose="02020603050405020304" pitchFamily="18" charset="0"/>
+                <a:ea typeface="Calibri" panose="020F0502020204030204" pitchFamily="34" charset="0"/>
+                <a:cs typeface="Times New Roman" panose="02020603050405020304" pitchFamily="18" charset="0"/>
+              </a:rPr>
+              <a:t>Создание</a:t>
+            </a:r>
+            <a:r>
+              <a:rPr lang="en-US" sz="1800" dirty="0">
+                <a:effectLst/>
+                <a:latin typeface="Times New Roman" panose="02020603050405020304" pitchFamily="18" charset="0"/>
+                <a:ea typeface="Calibri" panose="020F0502020204030204" pitchFamily="34" charset="0"/>
+                <a:cs typeface="Times New Roman" panose="02020603050405020304" pitchFamily="18" charset="0"/>
+              </a:rPr>
+              <a:t> микросервисов = Building Microservices. — </a:t>
+            </a:r>
+            <a:r>
+              <a:rPr lang="en-US" sz="1800" dirty="0" err="1">
+                <a:effectLst/>
+                <a:latin typeface="Times New Roman" panose="02020603050405020304" pitchFamily="18" charset="0"/>
+                <a:ea typeface="Calibri" panose="020F0502020204030204" pitchFamily="34" charset="0"/>
+                <a:cs typeface="Times New Roman" panose="02020603050405020304" pitchFamily="18" charset="0"/>
+              </a:rPr>
+              <a:t>СПб</a:t>
+            </a:r>
+            <a:r>
+              <a:rPr lang="en-US" sz="1800" dirty="0">
+                <a:effectLst/>
+                <a:latin typeface="Times New Roman" panose="02020603050405020304" pitchFamily="18" charset="0"/>
+                <a:ea typeface="Calibri" panose="020F0502020204030204" pitchFamily="34" charset="0"/>
+                <a:cs typeface="Times New Roman" panose="02020603050405020304" pitchFamily="18" charset="0"/>
+              </a:rPr>
+              <a:t>.: «</a:t>
+            </a:r>
+            <a:r>
+              <a:rPr lang="en-US" sz="1800" dirty="0" err="1">
+                <a:effectLst/>
+                <a:latin typeface="Times New Roman" panose="02020603050405020304" pitchFamily="18" charset="0"/>
+                <a:ea typeface="Calibri" panose="020F0502020204030204" pitchFamily="34" charset="0"/>
+                <a:cs typeface="Times New Roman" panose="02020603050405020304" pitchFamily="18" charset="0"/>
+              </a:rPr>
+              <a:t>Питер</a:t>
+            </a:r>
+            <a:r>
+              <a:rPr lang="en-US" sz="1800" dirty="0">
+                <a:effectLst/>
+                <a:latin typeface="Times New Roman" panose="02020603050405020304" pitchFamily="18" charset="0"/>
+                <a:ea typeface="Calibri" panose="020F0502020204030204" pitchFamily="34" charset="0"/>
+                <a:cs typeface="Times New Roman" panose="02020603050405020304" pitchFamily="18" charset="0"/>
+              </a:rPr>
+              <a:t>», 2016. — С. 56-246</a:t>
+            </a:r>
+            <a:endParaRPr lang="en-US" sz="1800" dirty="0">
+              <a:effectLst/>
+              <a:latin typeface="Calibri" panose="020F0502020204030204" pitchFamily="34" charset="0"/>
+              <a:ea typeface="Calibri" panose="020F0502020204030204" pitchFamily="34" charset="0"/>
+              <a:cs typeface="Times New Roman" panose="02020603050405020304" pitchFamily="18" charset="0"/>
+            </a:endParaRPr>
+          </a:p>
+          <a:p>
+            <a:pPr marL="0" marR="0">
+              <a:lnSpc>
+                <a:spcPct val="107000"/>
+              </a:lnSpc>
+              <a:spcBef>
+                <a:spcPts val="0"/>
+              </a:spcBef>
+              <a:spcAft>
+                <a:spcPts val="800"/>
+              </a:spcAft>
+            </a:pPr>
+            <a:r>
+              <a:rPr lang="ru-RU" sz="1800" dirty="0">
+                <a:effectLst/>
+                <a:latin typeface="Times New Roman" panose="02020603050405020304" pitchFamily="18" charset="0"/>
+                <a:ea typeface="Calibri" panose="020F0502020204030204" pitchFamily="34" charset="0"/>
+                <a:cs typeface="Times New Roman" panose="02020603050405020304" pitchFamily="18" charset="0"/>
+              </a:rPr>
+              <a:t>Крис Ричардсон: Микросервисы. Паттерны разработки и рефакторинга - СПб.: «Питер»,2019. – </a:t>
+            </a:r>
+            <a:r>
+              <a:rPr lang="en-US" sz="1800" dirty="0">
+                <a:effectLst/>
+                <a:latin typeface="Times New Roman" panose="02020603050405020304" pitchFamily="18" charset="0"/>
+                <a:ea typeface="Calibri" panose="020F0502020204030204" pitchFamily="34" charset="0"/>
+                <a:cs typeface="Times New Roman" panose="02020603050405020304" pitchFamily="18" charset="0"/>
+              </a:rPr>
+              <a:t>C </a:t>
+            </a:r>
+            <a:r>
+              <a:rPr lang="ru-RU" sz="1800" dirty="0">
+                <a:effectLst/>
+                <a:latin typeface="Times New Roman" panose="02020603050405020304" pitchFamily="18" charset="0"/>
+                <a:ea typeface="Calibri" panose="020F0502020204030204" pitchFamily="34" charset="0"/>
+                <a:cs typeface="Times New Roman" panose="02020603050405020304" pitchFamily="18" charset="0"/>
+              </a:rPr>
+              <a:t>63-343</a:t>
+            </a:r>
+            <a:endParaRPr lang="en-US" sz="1800" dirty="0">
+              <a:effectLst/>
+              <a:latin typeface="Calibri" panose="020F0502020204030204" pitchFamily="34" charset="0"/>
+              <a:ea typeface="Calibri" panose="020F0502020204030204" pitchFamily="34" charset="0"/>
+              <a:cs typeface="Times New Roman" panose="02020603050405020304" pitchFamily="18" charset="0"/>
+            </a:endParaRPr>
+          </a:p>
+          <a:p>
+            <a:pPr marL="0" marR="0">
+              <a:lnSpc>
+                <a:spcPct val="107000"/>
+              </a:lnSpc>
+              <a:spcBef>
+                <a:spcPts val="0"/>
+              </a:spcBef>
+              <a:spcAft>
+                <a:spcPts val="800"/>
+              </a:spcAft>
+            </a:pPr>
+            <a:endParaRPr lang="en-US" sz="1400" dirty="0">
+              <a:effectLst/>
+              <a:latin typeface="Calibri" panose="020F0502020204030204" pitchFamily="34" charset="0"/>
+              <a:ea typeface="Calibri" panose="020F0502020204030204" pitchFamily="34" charset="0"/>
+              <a:cs typeface="Times New Roman" panose="02020603050405020304" pitchFamily="18" charset="0"/>
+            </a:endParaRPr>
+          </a:p>
+        </p:txBody>
+      </p:sp>
+    </p:spTree>
+    <p:extLst>
+      <p:ext uri="{BB962C8B-B14F-4D97-AF65-F5344CB8AC3E}">
+        <p14:creationId xmlns:p14="http://schemas.microsoft.com/office/powerpoint/2010/main" val="2499833580"/>
+      </p:ext>
+    </p:extLst>
+  </p:cSld>
+  <p:clrMapOvr>
+    <a:masterClrMapping/>
+  </p:clrMapOvr>
+</p:sld>
+</file>
+
+<file path=ppt/slides/slide19.xml><?xml version="1.0" encoding="utf-8"?>
+<p:sld xmlns:a="http://schemas.openxmlformats.org/drawingml/2006/main" xmlns:r="http://schemas.openxmlformats.org/officeDocument/2006/relationships" xmlns:p="http://schemas.openxmlformats.org/presentationml/2006/main">
+  <p:cSld>
+    <p:spTree>
+      <p:nvGrpSpPr>
+        <p:cNvPr id="1" name=""/>
+        <p:cNvGrpSpPr/>
+        <p:nvPr/>
+      </p:nvGrpSpPr>
+      <p:grpSpPr>
+        <a:xfrm>
+          <a:off x="0" y="0"/>
+          <a:ext cx="0" cy="0"/>
+          <a:chOff x="0" y="0"/>
+          <a:chExt cx="0" cy="0"/>
+        </a:xfrm>
+      </p:grpSpPr>
+      <p:sp>
+        <p:nvSpPr>
+          <p:cNvPr id="2" name="Title 1">
+            <a:extLst>
+              <a:ext uri="{FF2B5EF4-FFF2-40B4-BE49-F238E27FC236}">
+                <a16:creationId xmlns:a16="http://schemas.microsoft.com/office/drawing/2014/main" id="{1DFF0FE6-FE69-4B6B-8FEA-C06BB9E6724B}"/>
+              </a:ext>
+            </a:extLst>
+          </p:cNvPr>
+          <p:cNvSpPr>
+            <a:spLocks noGrp="1"/>
+          </p:cNvSpPr>
+          <p:nvPr>
+            <p:ph type="title"/>
+          </p:nvPr>
+        </p:nvSpPr>
+        <p:spPr>
+          <a:xfrm>
+            <a:off x="1290077" y="2134946"/>
+            <a:ext cx="8596668" cy="1143225"/>
+          </a:xfrm>
+        </p:spPr>
+        <p:txBody>
+          <a:bodyPr>
+            <a:normAutofit/>
+          </a:bodyPr>
+          <a:lstStyle/>
+          <a:p>
+            <a:r>
+              <a:rPr lang="ru-RU" sz="4800" dirty="0"/>
+              <a:t>Спасибо за внимание !</a:t>
+            </a:r>
+            <a:endParaRPr lang="en-US" sz="4800" dirty="0"/>
+          </a:p>
+        </p:txBody>
+      </p:sp>
+      <p:sp>
+        <p:nvSpPr>
+          <p:cNvPr id="3" name="Text Placeholder 2">
+            <a:extLst>
+              <a:ext uri="{FF2B5EF4-FFF2-40B4-BE49-F238E27FC236}">
+                <a16:creationId xmlns:a16="http://schemas.microsoft.com/office/drawing/2014/main" id="{48398C14-649A-4CBF-9009-04F0640142B0}"/>
+              </a:ext>
+            </a:extLst>
+          </p:cNvPr>
+          <p:cNvSpPr>
+            <a:spLocks noGrp="1"/>
+          </p:cNvSpPr>
+          <p:nvPr>
+            <p:ph type="body" idx="1"/>
+          </p:nvPr>
+        </p:nvSpPr>
+        <p:spPr>
+          <a:xfrm>
+            <a:off x="11414465" y="6615485"/>
+            <a:ext cx="1405989" cy="242515"/>
+          </a:xfrm>
+        </p:spPr>
+        <p:txBody>
+          <a:bodyPr>
+            <a:normAutofit lnSpcReduction="10000"/>
+          </a:bodyPr>
+          <a:lstStyle/>
+          <a:p>
+            <a:r>
+              <a:rPr lang="ru-RU" sz="1000" dirty="0"/>
+              <a:t>Хоть бы 3</a:t>
+            </a:r>
+            <a:endParaRPr lang="en-US" sz="1000" dirty="0"/>
+          </a:p>
+        </p:txBody>
+      </p:sp>
+    </p:spTree>
+    <p:extLst>
+      <p:ext uri="{BB962C8B-B14F-4D97-AF65-F5344CB8AC3E}">
+        <p14:creationId xmlns:p14="http://schemas.microsoft.com/office/powerpoint/2010/main" val="2567654583"/>
       </p:ext>
     </p:extLst>
   </p:cSld>
@@ -8211,7 +9603,7 @@
         </p:nvSpPr>
         <p:spPr>
           <a:xfrm>
-            <a:off x="358836" y="214522"/>
+            <a:off x="358836" y="205095"/>
             <a:ext cx="8596668" cy="860400"/>
           </a:xfrm>
         </p:spPr>
@@ -8291,8 +9683,8 @@
         </p:nvSpPr>
         <p:spPr>
           <a:xfrm>
-            <a:off x="358836" y="1102259"/>
-            <a:ext cx="8456690" cy="1323439"/>
+            <a:off x="358836" y="1155301"/>
+            <a:ext cx="8456690" cy="1426031"/>
           </a:xfrm>
           <a:prstGeom prst="rect">
             <a:avLst/>
@@ -8316,6 +9708,17 @@
               <a:buChar char="Ø"/>
             </a:pPr>
             <a:r>
+              <a:rPr lang="ru-RU" sz="2000" b="0" i="0" dirty="0">
+                <a:solidFill>
+                  <a:srgbClr val="000000"/>
+                </a:solidFill>
+                <a:effectLst/>
+                <a:latin typeface="Times New Roman" panose="02020603050405020304" pitchFamily="18" charset="0"/>
+                <a:cs typeface="Times New Roman" panose="02020603050405020304" pitchFamily="18" charset="0"/>
+              </a:rPr>
+              <a:t>Целью работы реализовать основной функционал серверной части интернет магазина </a:t>
+            </a:r>
+            <a:r>
               <a:rPr lang="ru-RU" sz="2000" dirty="0">
                 <a:solidFill>
                   <a:schemeClr val="tx1"/>
@@ -8324,107 +9727,51 @@
                 <a:ea typeface="Calibri" panose="020F0502020204030204" pitchFamily="34" charset="0"/>
                 <a:cs typeface="Times New Roman" panose="02020603050405020304" pitchFamily="18" charset="0"/>
               </a:rPr>
-              <a:t>Основной цельно дипломной работы является разработка </a:t>
+              <a:t>«Электроника» с предоставлением </a:t>
             </a:r>
             <a:r>
               <a:rPr lang="en-US" sz="2000" dirty="0">
-                <a:solidFill>
-                  <a:schemeClr val="tx1"/>
-                </a:solidFill>
                 <a:latin typeface="Times New Roman" panose="02020603050405020304" pitchFamily="18" charset="0"/>
                 <a:ea typeface="Calibri" panose="020F0502020204030204" pitchFamily="34" charset="0"/>
                 <a:cs typeface="Times New Roman" panose="02020603050405020304" pitchFamily="18" charset="0"/>
               </a:rPr>
-              <a:t>backend</a:t>
+              <a:t>API </a:t>
             </a:r>
             <a:r>
               <a:rPr lang="ru-RU" sz="2000" dirty="0">
-                <a:solidFill>
-                  <a:schemeClr val="tx1"/>
-                </a:solidFill>
                 <a:latin typeface="Times New Roman" panose="02020603050405020304" pitchFamily="18" charset="0"/>
                 <a:ea typeface="Calibri" panose="020F0502020204030204" pitchFamily="34" charset="0"/>
                 <a:cs typeface="Times New Roman" panose="02020603050405020304" pitchFamily="18" charset="0"/>
               </a:rPr>
-              <a:t> части для интернет магазина «Электроника» и предоставление задокументированного </a:t>
-            </a:r>
-            <a:r>
-              <a:rPr lang="en-US" sz="2000" dirty="0">
-                <a:solidFill>
-                  <a:schemeClr val="tx1"/>
-                </a:solidFill>
-                <a:latin typeface="Times New Roman" panose="02020603050405020304" pitchFamily="18" charset="0"/>
-                <a:ea typeface="Calibri" panose="020F0502020204030204" pitchFamily="34" charset="0"/>
-                <a:cs typeface="Times New Roman" panose="02020603050405020304" pitchFamily="18" charset="0"/>
-              </a:rPr>
-              <a:t>API</a:t>
-            </a:r>
-            <a:r>
-              <a:rPr lang="ru-RU" sz="2000" dirty="0">
-                <a:solidFill>
-                  <a:schemeClr val="tx1"/>
-                </a:solidFill>
-                <a:latin typeface="Times New Roman" panose="02020603050405020304" pitchFamily="18" charset="0"/>
-                <a:ea typeface="Calibri" panose="020F0502020204030204" pitchFamily="34" charset="0"/>
-                <a:cs typeface="Times New Roman" panose="02020603050405020304" pitchFamily="18" charset="0"/>
-              </a:rPr>
-              <a:t> для разработки </a:t>
-            </a:r>
-            <a:r>
-              <a:rPr lang="en-US" sz="2000" dirty="0">
-                <a:solidFill>
-                  <a:schemeClr val="tx1"/>
-                </a:solidFill>
-                <a:latin typeface="Times New Roman" panose="02020603050405020304" pitchFamily="18" charset="0"/>
-                <a:ea typeface="Calibri" panose="020F0502020204030204" pitchFamily="34" charset="0"/>
-                <a:cs typeface="Times New Roman" panose="02020603050405020304" pitchFamily="18" charset="0"/>
-              </a:rPr>
-              <a:t>frontend </a:t>
-            </a:r>
-            <a:r>
-              <a:rPr lang="ru-RU" sz="2000" dirty="0">
-                <a:solidFill>
-                  <a:schemeClr val="tx1"/>
-                </a:solidFill>
-                <a:latin typeface="Times New Roman" panose="02020603050405020304" pitchFamily="18" charset="0"/>
-                <a:ea typeface="Calibri" panose="020F0502020204030204" pitchFamily="34" charset="0"/>
-                <a:cs typeface="Times New Roman" panose="02020603050405020304" pitchFamily="18" charset="0"/>
-              </a:rPr>
-              <a:t>части магазина, с целью выхода магазина</a:t>
-            </a:r>
-            <a:r>
-              <a:rPr lang="en-US" sz="2000" dirty="0">
-                <a:solidFill>
-                  <a:schemeClr val="tx1"/>
-                </a:solidFill>
-                <a:latin typeface="Times New Roman" panose="02020603050405020304" pitchFamily="18" charset="0"/>
-                <a:ea typeface="Calibri" panose="020F0502020204030204" pitchFamily="34" charset="0"/>
-                <a:cs typeface="Times New Roman" panose="02020603050405020304" pitchFamily="18" charset="0"/>
-              </a:rPr>
-              <a:t> </a:t>
-            </a:r>
-            <a:r>
-              <a:rPr lang="ru-RU" sz="2000" dirty="0">
-                <a:solidFill>
-                  <a:schemeClr val="tx1"/>
-                </a:solidFill>
-                <a:latin typeface="Times New Roman" panose="02020603050405020304" pitchFamily="18" charset="0"/>
-                <a:ea typeface="Calibri" panose="020F0502020204030204" pitchFamily="34" charset="0"/>
-                <a:cs typeface="Times New Roman" panose="02020603050405020304" pitchFamily="18" charset="0"/>
-              </a:rPr>
-              <a:t>на </a:t>
-            </a:r>
-            <a:r>
-              <a:rPr lang="ru-RU" sz="2000" b="0" i="0" dirty="0">
-                <a:solidFill>
-                  <a:srgbClr val="000000"/>
-                </a:solidFill>
-                <a:effectLst/>
-                <a:latin typeface="Times New Roman" panose="02020603050405020304" pitchFamily="18" charset="0"/>
-                <a:cs typeface="Times New Roman" panose="02020603050405020304" pitchFamily="18" charset="0"/>
-              </a:rPr>
-              <a:t>рынок интернет-торговли.</a:t>
-            </a:r>
+              <a:t>для дальнейшей разработки.</a:t>
+            </a:r>
+            <a:endParaRPr lang="en-US" sz="2000" b="0" i="0" dirty="0">
+              <a:solidFill>
+                <a:srgbClr val="000000"/>
+              </a:solidFill>
+              <a:effectLst/>
+              <a:latin typeface="Times New Roman" panose="02020603050405020304" pitchFamily="18" charset="0"/>
+              <a:cs typeface="Times New Roman" panose="02020603050405020304" pitchFamily="18" charset="0"/>
+            </a:endParaRPr>
+          </a:p>
+          <a:p>
+            <a:pPr marL="457200" marR="0" indent="-457200">
+              <a:spcBef>
+                <a:spcPts val="0"/>
+              </a:spcBef>
+              <a:spcAft>
+                <a:spcPts val="800"/>
+              </a:spcAft>
+              <a:buFont typeface="Wingdings" panose="05000000000000000000" pitchFamily="2" charset="2"/>
+              <a:buChar char="Ø"/>
+            </a:pPr>
+            <a:endParaRPr lang="en-US" sz="2000" dirty="0">
+              <a:solidFill>
+                <a:srgbClr val="000000"/>
+              </a:solidFill>
+              <a:latin typeface="Times New Roman" panose="02020603050405020304" pitchFamily="18" charset="0"/>
+              <a:cs typeface="Times New Roman" panose="02020603050405020304" pitchFamily="18" charset="0"/>
+            </a:endParaRPr>
           </a:p>
         </p:txBody>
       </p:sp>
@@ -8488,8 +9835,8 @@
         </p:nvSpPr>
         <p:spPr>
           <a:xfrm>
-            <a:off x="358836" y="3185806"/>
-            <a:ext cx="8456690" cy="1631216"/>
+            <a:off x="498814" y="3428999"/>
+            <a:ext cx="8550918" cy="2554545"/>
           </a:xfrm>
           <a:prstGeom prst="rect">
             <a:avLst/>
@@ -8537,21 +9884,51 @@
                 <a:latin typeface="Times New Roman" panose="02020603050405020304" pitchFamily="18" charset="0"/>
                 <a:cs typeface="Times New Roman" panose="02020603050405020304" pitchFamily="18" charset="0"/>
               </a:rPr>
-              <a:t>Разработка приложение использую </a:t>
-            </a:r>
-            <a:r>
-              <a:rPr lang="ru-RU" sz="2000" dirty="0" err="1">
-                <a:latin typeface="Times New Roman" panose="02020603050405020304" pitchFamily="18" charset="0"/>
-                <a:cs typeface="Times New Roman" panose="02020603050405020304" pitchFamily="18" charset="0"/>
-              </a:rPr>
-              <a:t>микросервисную</a:t>
-            </a:r>
+              <a:t>Разрабоать приложения используя микросервисную архитектуру</a:t>
+            </a:r>
+          </a:p>
+          <a:p>
+            <a:pPr marL="285750" indent="-285750">
+              <a:buFont typeface="Wingdings" panose="05000000000000000000" pitchFamily="2" charset="2"/>
+              <a:buChar char="Ø"/>
+            </a:pPr>
             <a:r>
               <a:rPr lang="ru-RU" sz="2000" dirty="0">
                 <a:latin typeface="Times New Roman" panose="02020603050405020304" pitchFamily="18" charset="0"/>
                 <a:cs typeface="Times New Roman" panose="02020603050405020304" pitchFamily="18" charset="0"/>
               </a:rPr>
-              <a:t> архитектуру</a:t>
+              <a:t>Разработать и отладить прикладной интерейс </a:t>
+            </a:r>
+            <a:r>
+              <a:rPr lang="en-US" sz="2000" dirty="0">
+                <a:latin typeface="Times New Roman" panose="02020603050405020304" pitchFamily="18" charset="0"/>
+                <a:cs typeface="Times New Roman" panose="02020603050405020304" pitchFamily="18" charset="0"/>
+              </a:rPr>
+              <a:t>(REST API)</a:t>
+            </a:r>
+            <a:r>
+              <a:rPr lang="ru-RU" sz="2000" dirty="0">
+                <a:latin typeface="Times New Roman" panose="02020603050405020304" pitchFamily="18" charset="0"/>
+                <a:cs typeface="Times New Roman" panose="02020603050405020304" pitchFamily="18" charset="0"/>
+              </a:rPr>
+              <a:t> для каждого сервиса </a:t>
+            </a:r>
+            <a:endParaRPr lang="en-US" sz="2000" dirty="0">
+              <a:latin typeface="Times New Roman" panose="02020603050405020304" pitchFamily="18" charset="0"/>
+              <a:cs typeface="Times New Roman" panose="02020603050405020304" pitchFamily="18" charset="0"/>
+            </a:endParaRPr>
+          </a:p>
+          <a:p>
+            <a:pPr marL="285750" indent="-285750">
+              <a:buFont typeface="Wingdings" panose="05000000000000000000" pitchFamily="2" charset="2"/>
+              <a:buChar char="Ø"/>
+            </a:pPr>
+            <a:r>
+              <a:rPr lang="ru-RU" sz="2000" dirty="0">
+                <a:latin typeface="Times New Roman" panose="02020603050405020304" pitchFamily="18" charset="0"/>
+                <a:cs typeface="Times New Roman" panose="02020603050405020304" pitchFamily="18" charset="0"/>
+              </a:rPr>
+              <a:t>Наладить взаимодействие микросервисов между собой</a:t>
             </a:r>
             <a:endParaRPr lang="en-US" sz="2000" dirty="0">
               <a:latin typeface="Times New Roman" panose="02020603050405020304" pitchFamily="18" charset="0"/>
@@ -8600,6 +9977,129 @@
 </file>
 
 <file path=ppt/slides/slide4.xml><?xml version="1.0" encoding="utf-8"?>
+<p:sld xmlns:a="http://schemas.openxmlformats.org/drawingml/2006/main" xmlns:r="http://schemas.openxmlformats.org/officeDocument/2006/relationships" xmlns:p="http://schemas.openxmlformats.org/presentationml/2006/main">
+  <p:cSld>
+    <p:spTree>
+      <p:nvGrpSpPr>
+        <p:cNvPr id="1" name=""/>
+        <p:cNvGrpSpPr/>
+        <p:nvPr/>
+      </p:nvGrpSpPr>
+      <p:grpSpPr>
+        <a:xfrm>
+          <a:off x="0" y="0"/>
+          <a:ext cx="0" cy="0"/>
+          <a:chOff x="0" y="0"/>
+          <a:chExt cx="0" cy="0"/>
+        </a:xfrm>
+      </p:grpSpPr>
+      <p:sp>
+        <p:nvSpPr>
+          <p:cNvPr id="2" name="Title 1">
+            <a:extLst>
+              <a:ext uri="{FF2B5EF4-FFF2-40B4-BE49-F238E27FC236}">
+                <a16:creationId xmlns:a16="http://schemas.microsoft.com/office/drawing/2014/main" id="{A5988239-36A5-4E1D-A7A8-ED1FF010B6A2}"/>
+              </a:ext>
+            </a:extLst>
+          </p:cNvPr>
+          <p:cNvSpPr>
+            <a:spLocks noGrp="1"/>
+          </p:cNvSpPr>
+          <p:nvPr>
+            <p:ph type="title"/>
+          </p:nvPr>
+        </p:nvSpPr>
+        <p:spPr>
+          <a:xfrm>
+            <a:off x="498225" y="141444"/>
+            <a:ext cx="8596668" cy="775580"/>
+          </a:xfrm>
+        </p:spPr>
+        <p:txBody>
+          <a:bodyPr>
+            <a:normAutofit/>
+          </a:bodyPr>
+          <a:lstStyle/>
+          <a:p>
+            <a:r>
+              <a:rPr lang="ru-RU" sz="4000" dirty="0">
+                <a:latin typeface="Times New Roman" panose="02020603050405020304" pitchFamily="18" charset="0"/>
+                <a:cs typeface="Times New Roman" panose="02020603050405020304" pitchFamily="18" charset="0"/>
+              </a:rPr>
+              <a:t>Предметная область</a:t>
+            </a:r>
+          </a:p>
+        </p:txBody>
+      </p:sp>
+      <p:sp>
+        <p:nvSpPr>
+          <p:cNvPr id="3" name="Text Placeholder 2">
+            <a:extLst>
+              <a:ext uri="{FF2B5EF4-FFF2-40B4-BE49-F238E27FC236}">
+                <a16:creationId xmlns:a16="http://schemas.microsoft.com/office/drawing/2014/main" id="{0F8BC7F6-928F-4D0E-8038-967A4436DD57}"/>
+              </a:ext>
+            </a:extLst>
+          </p:cNvPr>
+          <p:cNvSpPr>
+            <a:spLocks noGrp="1"/>
+          </p:cNvSpPr>
+          <p:nvPr>
+            <p:ph type="body" idx="1"/>
+          </p:nvPr>
+        </p:nvSpPr>
+        <p:spPr/>
+        <p:txBody>
+          <a:bodyPr/>
+          <a:lstStyle/>
+          <a:p>
+            <a:endParaRPr lang="en-US" dirty="0"/>
+          </a:p>
+        </p:txBody>
+      </p:sp>
+      <p:pic>
+        <p:nvPicPr>
+          <p:cNvPr id="5" name="Picture 4">
+            <a:extLst>
+              <a:ext uri="{FF2B5EF4-FFF2-40B4-BE49-F238E27FC236}">
+                <a16:creationId xmlns:a16="http://schemas.microsoft.com/office/drawing/2014/main" id="{D5C81581-7BC5-4B93-9461-86DD80129DE3}"/>
+              </a:ext>
+            </a:extLst>
+          </p:cNvPr>
+          <p:cNvPicPr>
+            <a:picLocks noChangeAspect="1"/>
+          </p:cNvPicPr>
+          <p:nvPr/>
+        </p:nvPicPr>
+        <p:blipFill>
+          <a:blip r:embed="rId2"/>
+          <a:stretch>
+            <a:fillRect/>
+          </a:stretch>
+        </p:blipFill>
+        <p:spPr>
+          <a:xfrm>
+            <a:off x="590191" y="917024"/>
+            <a:ext cx="8596668" cy="5662476"/>
+          </a:xfrm>
+          <a:prstGeom prst="rect">
+            <a:avLst/>
+          </a:prstGeom>
+        </p:spPr>
+      </p:pic>
+    </p:spTree>
+    <p:extLst>
+      <p:ext uri="{BB962C8B-B14F-4D97-AF65-F5344CB8AC3E}">
+        <p14:creationId xmlns:p14="http://schemas.microsoft.com/office/powerpoint/2010/main" val="2603854147"/>
+      </p:ext>
+    </p:extLst>
+  </p:cSld>
+  <p:clrMapOvr>
+    <a:masterClrMapping/>
+  </p:clrMapOvr>
+</p:sld>
+</file>
+
+<file path=ppt/slides/slide5.xml><?xml version="1.0" encoding="utf-8"?>
 <p:sld xmlns:a="http://schemas.openxmlformats.org/drawingml/2006/main" xmlns:r="http://schemas.openxmlformats.org/officeDocument/2006/relationships" xmlns:p="http://schemas.openxmlformats.org/presentationml/2006/main">
   <p:cSld>
     <p:spTree>
@@ -9258,7 +10758,7 @@
 </p:sld>
 </file>
 
-<file path=ppt/slides/slide5.xml><?xml version="1.0" encoding="utf-8"?>
+<file path=ppt/slides/slide6.xml><?xml version="1.0" encoding="utf-8"?>
 <p:sld xmlns:a="http://schemas.openxmlformats.org/drawingml/2006/main" xmlns:r="http://schemas.openxmlformats.org/officeDocument/2006/relationships" xmlns:p="http://schemas.openxmlformats.org/presentationml/2006/main">
   <p:cSld>
     <p:spTree>
@@ -9476,7 +10976,7 @@
 </p:sld>
 </file>
 
-<file path=ppt/slides/slide6.xml><?xml version="1.0" encoding="utf-8"?>
+<file path=ppt/slides/slide7.xml><?xml version="1.0" encoding="utf-8"?>
 <p:sld xmlns:a="http://schemas.openxmlformats.org/drawingml/2006/main" xmlns:r="http://schemas.openxmlformats.org/officeDocument/2006/relationships" xmlns:p="http://schemas.openxmlformats.org/presentationml/2006/main">
   <p:cSld>
     <p:spTree>
@@ -9574,82 +11074,6 @@
 </p:sld>
 </file>
 
-<file path=ppt/slides/slide7.xml><?xml version="1.0" encoding="utf-8"?>
-<p:sld xmlns:a="http://schemas.openxmlformats.org/drawingml/2006/main" xmlns:r="http://schemas.openxmlformats.org/officeDocument/2006/relationships" xmlns:p="http://schemas.openxmlformats.org/presentationml/2006/main">
-  <p:cSld>
-    <p:spTree>
-      <p:nvGrpSpPr>
-        <p:cNvPr id="1" name=""/>
-        <p:cNvGrpSpPr/>
-        <p:nvPr/>
-      </p:nvGrpSpPr>
-      <p:grpSpPr>
-        <a:xfrm>
-          <a:off x="0" y="0"/>
-          <a:ext cx="0" cy="0"/>
-          <a:chOff x="0" y="0"/>
-          <a:chExt cx="0" cy="0"/>
-        </a:xfrm>
-      </p:grpSpPr>
-      <p:sp>
-        <p:nvSpPr>
-          <p:cNvPr id="7" name="TextBox 6">
-            <a:extLst>
-              <a:ext uri="{FF2B5EF4-FFF2-40B4-BE49-F238E27FC236}">
-                <a16:creationId xmlns:a16="http://schemas.microsoft.com/office/drawing/2014/main" id="{40D43C44-6FD2-496B-8A02-38382B028051}"/>
-              </a:ext>
-            </a:extLst>
-          </p:cNvPr>
-          <p:cNvSpPr txBox="1"/>
-          <p:nvPr/>
-        </p:nvSpPr>
-        <p:spPr>
-          <a:xfrm>
-            <a:off x="828255" y="157122"/>
-            <a:ext cx="6098958" cy="646331"/>
-          </a:xfrm>
-          <a:prstGeom prst="rect">
-            <a:avLst/>
-          </a:prstGeom>
-          <a:noFill/>
-        </p:spPr>
-        <p:txBody>
-          <a:bodyPr wrap="square">
-            <a:spAutoFit/>
-          </a:bodyPr>
-          <a:lstStyle/>
-          <a:p>
-            <a:r>
-              <a:rPr lang="ru-RU" sz="3600" dirty="0">
-                <a:solidFill>
-                  <a:schemeClr val="accent1"/>
-                </a:solidFill>
-                <a:latin typeface="Times New Roman" panose="02020603050405020304" pitchFamily="18" charset="0"/>
-                <a:cs typeface="Times New Roman" panose="02020603050405020304" pitchFamily="18" charset="0"/>
-              </a:rPr>
-              <a:t>Сервис авторизации</a:t>
-            </a:r>
-            <a:endParaRPr lang="ru-RU" sz="3600" dirty="0">
-              <a:solidFill>
-                <a:schemeClr val="accent1"/>
-              </a:solidFill>
-            </a:endParaRPr>
-          </a:p>
-        </p:txBody>
-      </p:sp>
-    </p:spTree>
-    <p:extLst>
-      <p:ext uri="{BB962C8B-B14F-4D97-AF65-F5344CB8AC3E}">
-        <p14:creationId xmlns:p14="http://schemas.microsoft.com/office/powerpoint/2010/main" val="3322601062"/>
-      </p:ext>
-    </p:extLst>
-  </p:cSld>
-  <p:clrMapOvr>
-    <a:masterClrMapping/>
-  </p:clrMapOvr>
-</p:sld>
-</file>
-
 <file path=ppt/slides/slide8.xml><?xml version="1.0" encoding="utf-8"?>
 <p:sld xmlns:a="http://schemas.openxmlformats.org/drawingml/2006/main" xmlns:r="http://schemas.openxmlformats.org/officeDocument/2006/relationships" xmlns:p="http://schemas.openxmlformats.org/presentationml/2006/main">
   <p:cSld>
@@ -9669,54 +11093,210 @@
       </p:grpSpPr>
       <p:sp>
         <p:nvSpPr>
-          <p:cNvPr id="7" name="TextBox 6">
+          <p:cNvPr id="2" name="Title 1">
             <a:extLst>
               <a:ext uri="{FF2B5EF4-FFF2-40B4-BE49-F238E27FC236}">
-                <a16:creationId xmlns:a16="http://schemas.microsoft.com/office/drawing/2014/main" id="{40D43C44-6FD2-496B-8A02-38382B028051}"/>
+                <a16:creationId xmlns:a16="http://schemas.microsoft.com/office/drawing/2014/main" id="{C6D4F973-82DC-42EA-9F82-12741E6BD1A5}"/>
               </a:ext>
             </a:extLst>
           </p:cNvPr>
-          <p:cNvSpPr txBox="1"/>
-          <p:nvPr/>
+          <p:cNvSpPr>
+            <a:spLocks noGrp="1"/>
+          </p:cNvSpPr>
+          <p:nvPr>
+            <p:ph type="title"/>
+          </p:nvPr>
         </p:nvSpPr>
         <p:spPr>
           <a:xfrm>
-            <a:off x="828255" y="237021"/>
-            <a:ext cx="6098958" cy="646331"/>
+            <a:off x="677335" y="292231"/>
+            <a:ext cx="8596668" cy="725865"/>
+          </a:xfrm>
+        </p:spPr>
+        <p:txBody>
+          <a:bodyPr>
+            <a:normAutofit/>
+          </a:bodyPr>
+          <a:lstStyle/>
+          <a:p>
+            <a:r>
+              <a:rPr lang="en-US" dirty="0"/>
+              <a:t>Eureka </a:t>
+            </a:r>
+            <a:r>
+              <a:rPr lang="ru-RU" dirty="0"/>
+              <a:t>и</a:t>
+            </a:r>
+            <a:r>
+              <a:rPr lang="en-US" dirty="0"/>
+              <a:t> </a:t>
+            </a:r>
+            <a:r>
+              <a:rPr lang="en-US" dirty="0" err="1"/>
+              <a:t>Zuul</a:t>
+            </a:r>
+            <a:endParaRPr lang="en-US" dirty="0"/>
+          </a:p>
+        </p:txBody>
+      </p:sp>
+      <p:sp>
+        <p:nvSpPr>
+          <p:cNvPr id="3" name="Text Placeholder 2">
+            <a:extLst>
+              <a:ext uri="{FF2B5EF4-FFF2-40B4-BE49-F238E27FC236}">
+                <a16:creationId xmlns:a16="http://schemas.microsoft.com/office/drawing/2014/main" id="{2F69CE4B-38AB-4F2F-993A-3731C32C5908}"/>
+              </a:ext>
+            </a:extLst>
+          </p:cNvPr>
+          <p:cNvSpPr>
+            <a:spLocks noGrp="1"/>
+          </p:cNvSpPr>
+          <p:nvPr>
+            <p:ph type="body" idx="1"/>
+          </p:nvPr>
+        </p:nvSpPr>
+        <p:spPr>
+          <a:xfrm>
+            <a:off x="677335" y="1131217"/>
+            <a:ext cx="8596668" cy="1206631"/>
+          </a:xfrm>
+        </p:spPr>
+        <p:txBody>
+          <a:bodyPr/>
+          <a:lstStyle/>
+          <a:p>
+            <a:r>
+              <a:rPr lang="en-US" sz="1800" dirty="0">
+                <a:solidFill>
+                  <a:schemeClr val="tx1"/>
+                </a:solidFill>
+                <a:latin typeface="Times New Roman" panose="02020603050405020304" pitchFamily="18" charset="0"/>
+                <a:ea typeface="Calibri" panose="020F0502020204030204" pitchFamily="34" charset="0"/>
+                <a:cs typeface="Times New Roman" panose="02020603050405020304" pitchFamily="18" charset="0"/>
+              </a:rPr>
+              <a:t>Eureka – </a:t>
+            </a:r>
+            <a:r>
+              <a:rPr lang="ru-RU" sz="1800" dirty="0">
+                <a:solidFill>
+                  <a:schemeClr val="tx1"/>
+                </a:solidFill>
+                <a:effectLst/>
+                <a:latin typeface="Times New Roman" panose="02020603050405020304" pitchFamily="18" charset="0"/>
+                <a:ea typeface="Calibri" panose="020F0502020204030204" pitchFamily="34" charset="0"/>
+                <a:cs typeface="Times New Roman" panose="02020603050405020304" pitchFamily="18" charset="0"/>
+              </a:rPr>
+              <a:t>является реализацией широко известный паттерн для распределенных систем </a:t>
+            </a:r>
+            <a:r>
+              <a:rPr lang="en-US" sz="1800" dirty="0">
+                <a:solidFill>
+                  <a:schemeClr val="tx1"/>
+                </a:solidFill>
+                <a:effectLst/>
+                <a:latin typeface="Times New Roman" panose="02020603050405020304" pitchFamily="18" charset="0"/>
+                <a:ea typeface="Calibri" panose="020F0502020204030204" pitchFamily="34" charset="0"/>
+                <a:cs typeface="Times New Roman" panose="02020603050405020304" pitchFamily="18" charset="0"/>
+              </a:rPr>
+              <a:t>Service discovery</a:t>
+            </a:r>
+            <a:r>
+              <a:rPr lang="ru-RU" sz="1800" dirty="0">
+                <a:solidFill>
+                  <a:schemeClr val="tx1"/>
+                </a:solidFill>
+                <a:effectLst/>
+                <a:latin typeface="Times New Roman" panose="02020603050405020304" pitchFamily="18" charset="0"/>
+                <a:ea typeface="Calibri" panose="020F0502020204030204" pitchFamily="34" charset="0"/>
+                <a:cs typeface="Times New Roman" panose="02020603050405020304" pitchFamily="18" charset="0"/>
+              </a:rPr>
+              <a:t>.</a:t>
+            </a:r>
+            <a:endParaRPr lang="en-US" sz="1800" dirty="0">
+              <a:solidFill>
+                <a:schemeClr val="tx1"/>
+              </a:solidFill>
+              <a:effectLst/>
+              <a:latin typeface="Times New Roman" panose="02020603050405020304" pitchFamily="18" charset="0"/>
+              <a:ea typeface="Calibri" panose="020F0502020204030204" pitchFamily="34" charset="0"/>
+              <a:cs typeface="Times New Roman" panose="02020603050405020304" pitchFamily="18" charset="0"/>
+            </a:endParaRPr>
+          </a:p>
+          <a:p>
+            <a:r>
+              <a:rPr lang="ru-RU" dirty="0">
+                <a:solidFill>
+                  <a:schemeClr val="tx1"/>
+                </a:solidFill>
+                <a:latin typeface="Times New Roman" panose="02020603050405020304" pitchFamily="18" charset="0"/>
+                <a:cs typeface="Times New Roman" panose="02020603050405020304" pitchFamily="18" charset="0"/>
+              </a:rPr>
+              <a:t>Zuul </a:t>
+            </a:r>
+            <a:r>
+              <a:rPr lang="en-US" dirty="0">
+                <a:solidFill>
+                  <a:schemeClr val="tx1"/>
+                </a:solidFill>
+                <a:latin typeface="Times New Roman" panose="02020603050405020304" pitchFamily="18" charset="0"/>
+                <a:cs typeface="Times New Roman" panose="02020603050405020304" pitchFamily="18" charset="0"/>
+              </a:rPr>
+              <a:t>– </a:t>
+            </a:r>
+            <a:r>
+              <a:rPr lang="ru-RU" dirty="0">
+                <a:solidFill>
+                  <a:schemeClr val="tx1"/>
+                </a:solidFill>
+                <a:latin typeface="Times New Roman" panose="02020603050405020304" pitchFamily="18" charset="0"/>
+                <a:cs typeface="Times New Roman" panose="02020603050405020304" pitchFamily="18" charset="0"/>
+              </a:rPr>
+              <a:t>является имплементацией паттерна API Gateway является</a:t>
+            </a:r>
+            <a:endParaRPr lang="en-US" dirty="0">
+              <a:solidFill>
+                <a:schemeClr val="tx1"/>
+              </a:solidFill>
+              <a:latin typeface="Times New Roman" panose="02020603050405020304" pitchFamily="18" charset="0"/>
+              <a:cs typeface="Times New Roman" panose="02020603050405020304" pitchFamily="18" charset="0"/>
+            </a:endParaRPr>
+          </a:p>
+        </p:txBody>
+      </p:sp>
+      <p:pic>
+        <p:nvPicPr>
+          <p:cNvPr id="5" name="Picture 4">
+            <a:extLst>
+              <a:ext uri="{FF2B5EF4-FFF2-40B4-BE49-F238E27FC236}">
+                <a16:creationId xmlns:a16="http://schemas.microsoft.com/office/drawing/2014/main" id="{B5E18BC9-5D08-4896-B461-F19799C5B83F}"/>
+              </a:ext>
+            </a:extLst>
+          </p:cNvPr>
+          <p:cNvPicPr>
+            <a:picLocks noChangeAspect="1"/>
+          </p:cNvPicPr>
+          <p:nvPr/>
+        </p:nvPicPr>
+        <p:blipFill>
+          <a:blip r:embed="rId2"/>
+          <a:stretch>
+            <a:fillRect/>
+          </a:stretch>
+        </p:blipFill>
+        <p:spPr>
+          <a:xfrm>
+            <a:off x="677335" y="2327562"/>
+            <a:ext cx="9390492" cy="4385181"/>
           </a:xfrm>
           <a:prstGeom prst="rect">
             <a:avLst/>
           </a:prstGeom>
-          <a:noFill/>
         </p:spPr>
-        <p:txBody>
-          <a:bodyPr wrap="square">
-            <a:spAutoFit/>
-          </a:bodyPr>
-          <a:lstStyle/>
-          <a:p>
-            <a:r>
-              <a:rPr lang="ru-RU" sz="3600" dirty="0">
-                <a:solidFill>
-                  <a:schemeClr val="accent1"/>
-                </a:solidFill>
-                <a:latin typeface="Times New Roman" panose="02020603050405020304" pitchFamily="18" charset="0"/>
-                <a:cs typeface="Times New Roman" panose="02020603050405020304" pitchFamily="18" charset="0"/>
-              </a:rPr>
-              <a:t>Продуктовый сервис</a:t>
-            </a:r>
-            <a:endParaRPr lang="ru-RU" sz="3600" dirty="0">
-              <a:solidFill>
-                <a:schemeClr val="accent1"/>
-              </a:solidFill>
-            </a:endParaRPr>
-          </a:p>
-        </p:txBody>
-      </p:sp>
+      </p:pic>
     </p:spTree>
     <p:extLst>
       <p:ext uri="{BB962C8B-B14F-4D97-AF65-F5344CB8AC3E}">
-        <p14:creationId xmlns:p14="http://schemas.microsoft.com/office/powerpoint/2010/main" val="3220140034"/>
+        <p14:creationId xmlns:p14="http://schemas.microsoft.com/office/powerpoint/2010/main" val="637085610"/>
       </p:ext>
     </p:extLst>
   </p:cSld>
@@ -9757,7 +11337,7 @@
         </p:nvSpPr>
         <p:spPr>
           <a:xfrm>
-            <a:off x="579680" y="174877"/>
+            <a:off x="828255" y="157122"/>
             <a:ext cx="6098958" cy="646331"/>
           </a:xfrm>
           <a:prstGeom prst="rect">
@@ -9779,7 +11359,7 @@
                 <a:latin typeface="Times New Roman" panose="02020603050405020304" pitchFamily="18" charset="0"/>
                 <a:cs typeface="Times New Roman" panose="02020603050405020304" pitchFamily="18" charset="0"/>
               </a:rPr>
-              <a:t>Сервис отзывов</a:t>
+              <a:t>Сервис авторизации</a:t>
             </a:r>
             <a:endParaRPr lang="ru-RU" sz="3600" dirty="0">
               <a:solidFill>
@@ -9789,10 +11369,301 @@
           </a:p>
         </p:txBody>
       </p:sp>
+      <p:sp>
+        <p:nvSpPr>
+          <p:cNvPr id="4" name="TextBox 3">
+            <a:extLst>
+              <a:ext uri="{FF2B5EF4-FFF2-40B4-BE49-F238E27FC236}">
+                <a16:creationId xmlns:a16="http://schemas.microsoft.com/office/drawing/2014/main" id="{6D9F85C3-F3B8-4630-85EC-D35C31480795}"/>
+              </a:ext>
+            </a:extLst>
+          </p:cNvPr>
+          <p:cNvSpPr txBox="1"/>
+          <p:nvPr/>
+        </p:nvSpPr>
+        <p:spPr>
+          <a:xfrm>
+            <a:off x="828255" y="803453"/>
+            <a:ext cx="8603445" cy="923330"/>
+          </a:xfrm>
+          <a:prstGeom prst="rect">
+            <a:avLst/>
+          </a:prstGeom>
+          <a:noFill/>
+        </p:spPr>
+        <p:txBody>
+          <a:bodyPr wrap="square">
+            <a:spAutoFit/>
+          </a:bodyPr>
+          <a:lstStyle/>
+          <a:p>
+            <a:r>
+              <a:rPr lang="ru-RU" sz="1800" dirty="0">
+                <a:solidFill>
+                  <a:srgbClr val="000000"/>
+                </a:solidFill>
+                <a:effectLst/>
+                <a:latin typeface="Times New Roman" panose="02020603050405020304" pitchFamily="18" charset="0"/>
+                <a:ea typeface="Calibri" panose="020F0502020204030204" pitchFamily="34" charset="0"/>
+              </a:rPr>
+              <a:t>Для того, чтобы взаимодействовать с приложением, оно должно понимать — кем является текущий пользователь Аутентификация производится с использованием Spring Security и JWT-токенов</a:t>
+            </a:r>
+            <a:endParaRPr lang="en-US" dirty="0"/>
+          </a:p>
+        </p:txBody>
+      </p:sp>
+      <p:pic>
+        <p:nvPicPr>
+          <p:cNvPr id="5" name="Picture 4">
+            <a:extLst>
+              <a:ext uri="{FF2B5EF4-FFF2-40B4-BE49-F238E27FC236}">
+                <a16:creationId xmlns:a16="http://schemas.microsoft.com/office/drawing/2014/main" id="{105B8EF1-36E5-444F-BFFD-531673833667}"/>
+              </a:ext>
+            </a:extLst>
+          </p:cNvPr>
+          <p:cNvPicPr>
+            <a:picLocks noChangeAspect="1"/>
+          </p:cNvPicPr>
+          <p:nvPr/>
+        </p:nvPicPr>
+        <p:blipFill>
+          <a:blip r:embed="rId2"/>
+          <a:stretch>
+            <a:fillRect/>
+          </a:stretch>
+        </p:blipFill>
+        <p:spPr>
+          <a:xfrm>
+            <a:off x="897299" y="1726783"/>
+            <a:ext cx="7483129" cy="3528999"/>
+          </a:xfrm>
+          <a:prstGeom prst="rect">
+            <a:avLst/>
+          </a:prstGeom>
+        </p:spPr>
+      </p:pic>
+      <p:sp>
+        <p:nvSpPr>
+          <p:cNvPr id="8" name="TextBox 7">
+            <a:extLst>
+              <a:ext uri="{FF2B5EF4-FFF2-40B4-BE49-F238E27FC236}">
+                <a16:creationId xmlns:a16="http://schemas.microsoft.com/office/drawing/2014/main" id="{BEC0F074-9670-4981-BC4A-9EBF45CA730A}"/>
+              </a:ext>
+            </a:extLst>
+          </p:cNvPr>
+          <p:cNvSpPr txBox="1"/>
+          <p:nvPr/>
+        </p:nvSpPr>
+        <p:spPr>
+          <a:xfrm>
+            <a:off x="828255" y="5255782"/>
+            <a:ext cx="9173584" cy="1263166"/>
+          </a:xfrm>
+          <a:prstGeom prst="rect">
+            <a:avLst/>
+          </a:prstGeom>
+          <a:noFill/>
+        </p:spPr>
+        <p:txBody>
+          <a:bodyPr wrap="square">
+            <a:spAutoFit/>
+          </a:bodyPr>
+          <a:lstStyle/>
+          <a:p>
+            <a:pPr marL="342900" marR="0" lvl="0" indent="-342900">
+              <a:lnSpc>
+                <a:spcPct val="107000"/>
+              </a:lnSpc>
+              <a:spcBef>
+                <a:spcPts val="0"/>
+              </a:spcBef>
+              <a:spcAft>
+                <a:spcPts val="0"/>
+              </a:spcAft>
+              <a:buFont typeface="Symbol" panose="05050102010706020507" pitchFamily="18" charset="2"/>
+              <a:buChar char=""/>
+            </a:pPr>
+            <a:r>
+              <a:rPr lang="en-US" sz="1800" dirty="0">
+                <a:effectLst/>
+                <a:latin typeface="Times New Roman" panose="02020603050405020304" pitchFamily="18" charset="0"/>
+                <a:ea typeface="Calibri" panose="020F0502020204030204" pitchFamily="34" charset="0"/>
+                <a:cs typeface="Times New Roman" panose="02020603050405020304" pitchFamily="18" charset="0"/>
+              </a:rPr>
+              <a:t>POST</a:t>
+            </a:r>
+            <a:r>
+              <a:rPr lang="ru-RU" sz="1800" dirty="0">
+                <a:effectLst/>
+                <a:latin typeface="Times New Roman" panose="02020603050405020304" pitchFamily="18" charset="0"/>
+                <a:ea typeface="Calibri" panose="020F0502020204030204" pitchFamily="34" charset="0"/>
+                <a:cs typeface="Times New Roman" panose="02020603050405020304" pitchFamily="18" charset="0"/>
+              </a:rPr>
+              <a:t> </a:t>
+            </a:r>
+            <a:r>
+              <a:rPr lang="en-US" sz="1800" dirty="0">
+                <a:effectLst/>
+                <a:latin typeface="Times New Roman" panose="02020603050405020304" pitchFamily="18" charset="0"/>
+                <a:ea typeface="Calibri" panose="020F0502020204030204" pitchFamily="34" charset="0"/>
+                <a:cs typeface="Times New Roman" panose="02020603050405020304" pitchFamily="18" charset="0"/>
+              </a:rPr>
+              <a:t>/</a:t>
+            </a:r>
+            <a:r>
+              <a:rPr lang="en-US" sz="1800" dirty="0" err="1">
+                <a:effectLst/>
+                <a:latin typeface="Times New Roman" panose="02020603050405020304" pitchFamily="18" charset="0"/>
+                <a:ea typeface="Calibri" panose="020F0502020204030204" pitchFamily="34" charset="0"/>
+                <a:cs typeface="Times New Roman" panose="02020603050405020304" pitchFamily="18" charset="0"/>
+              </a:rPr>
+              <a:t>api</a:t>
+            </a:r>
+            <a:r>
+              <a:rPr lang="en-US" sz="1800" dirty="0">
+                <a:effectLst/>
+                <a:latin typeface="Times New Roman" panose="02020603050405020304" pitchFamily="18" charset="0"/>
+                <a:ea typeface="Calibri" panose="020F0502020204030204" pitchFamily="34" charset="0"/>
+                <a:cs typeface="Times New Roman" panose="02020603050405020304" pitchFamily="18" charset="0"/>
+              </a:rPr>
+              <a:t>/authorization</a:t>
+            </a:r>
+            <a:r>
+              <a:rPr lang="ru-RU" sz="1800" dirty="0">
+                <a:effectLst/>
+                <a:latin typeface="Times New Roman" panose="02020603050405020304" pitchFamily="18" charset="0"/>
+                <a:ea typeface="Calibri" panose="020F0502020204030204" pitchFamily="34" charset="0"/>
+                <a:cs typeface="Times New Roman" panose="02020603050405020304" pitchFamily="18" charset="0"/>
+              </a:rPr>
+              <a:t> Запрос на регистрацию пользователя.</a:t>
+            </a:r>
+            <a:endParaRPr lang="en-US" sz="1400" dirty="0">
+              <a:effectLst/>
+              <a:latin typeface="Calibri" panose="020F0502020204030204" pitchFamily="34" charset="0"/>
+              <a:ea typeface="Calibri" panose="020F0502020204030204" pitchFamily="34" charset="0"/>
+              <a:cs typeface="Times New Roman" panose="02020603050405020304" pitchFamily="18" charset="0"/>
+            </a:endParaRPr>
+          </a:p>
+          <a:p>
+            <a:pPr marL="342900" marR="0" lvl="0" indent="-342900">
+              <a:lnSpc>
+                <a:spcPct val="107000"/>
+              </a:lnSpc>
+              <a:spcBef>
+                <a:spcPts val="0"/>
+              </a:spcBef>
+              <a:spcAft>
+                <a:spcPts val="0"/>
+              </a:spcAft>
+              <a:buFont typeface="Symbol" panose="05050102010706020507" pitchFamily="18" charset="2"/>
+              <a:buChar char=""/>
+            </a:pPr>
+            <a:r>
+              <a:rPr lang="en-US" sz="1800" dirty="0">
+                <a:effectLst/>
+                <a:latin typeface="Times New Roman" panose="02020603050405020304" pitchFamily="18" charset="0"/>
+                <a:ea typeface="Calibri" panose="020F0502020204030204" pitchFamily="34" charset="0"/>
+                <a:cs typeface="Times New Roman" panose="02020603050405020304" pitchFamily="18" charset="0"/>
+              </a:rPr>
+              <a:t>PATCH /</a:t>
+            </a:r>
+            <a:r>
+              <a:rPr lang="en-US" sz="1800" dirty="0" err="1">
+                <a:effectLst/>
+                <a:latin typeface="Times New Roman" panose="02020603050405020304" pitchFamily="18" charset="0"/>
+                <a:ea typeface="Calibri" panose="020F0502020204030204" pitchFamily="34" charset="0"/>
+                <a:cs typeface="Times New Roman" panose="02020603050405020304" pitchFamily="18" charset="0"/>
+              </a:rPr>
+              <a:t>api</a:t>
+            </a:r>
+            <a:r>
+              <a:rPr lang="en-US" sz="1800" dirty="0">
+                <a:effectLst/>
+                <a:latin typeface="Times New Roman" panose="02020603050405020304" pitchFamily="18" charset="0"/>
+                <a:ea typeface="Calibri" panose="020F0502020204030204" pitchFamily="34" charset="0"/>
+                <a:cs typeface="Times New Roman" panose="02020603050405020304" pitchFamily="18" charset="0"/>
+              </a:rPr>
+              <a:t>/authorization</a:t>
+            </a:r>
+            <a:r>
+              <a:rPr lang="ru-RU" sz="1800" dirty="0">
+                <a:effectLst/>
+                <a:latin typeface="Times New Roman" panose="02020603050405020304" pitchFamily="18" charset="0"/>
+                <a:ea typeface="Calibri" panose="020F0502020204030204" pitchFamily="34" charset="0"/>
+                <a:cs typeface="Times New Roman" panose="02020603050405020304" pitchFamily="18" charset="0"/>
+              </a:rPr>
+              <a:t> Запрос на редактирования пользователя, самим пользователем.</a:t>
+            </a:r>
+            <a:endParaRPr lang="en-US" sz="1400" dirty="0">
+              <a:effectLst/>
+              <a:latin typeface="Calibri" panose="020F0502020204030204" pitchFamily="34" charset="0"/>
+              <a:ea typeface="Calibri" panose="020F0502020204030204" pitchFamily="34" charset="0"/>
+              <a:cs typeface="Times New Roman" panose="02020603050405020304" pitchFamily="18" charset="0"/>
+            </a:endParaRPr>
+          </a:p>
+          <a:p>
+            <a:pPr marL="342900" marR="0" lvl="0" indent="-342900">
+              <a:lnSpc>
+                <a:spcPct val="107000"/>
+              </a:lnSpc>
+              <a:spcBef>
+                <a:spcPts val="0"/>
+              </a:spcBef>
+              <a:spcAft>
+                <a:spcPts val="800"/>
+              </a:spcAft>
+              <a:buFont typeface="Symbol" panose="05050102010706020507" pitchFamily="18" charset="2"/>
+              <a:buChar char=""/>
+            </a:pPr>
+            <a:r>
+              <a:rPr lang="en-US" sz="1800" dirty="0">
+                <a:effectLst/>
+                <a:latin typeface="Times New Roman" panose="02020603050405020304" pitchFamily="18" charset="0"/>
+                <a:ea typeface="Calibri" panose="020F0502020204030204" pitchFamily="34" charset="0"/>
+                <a:cs typeface="Times New Roman" panose="02020603050405020304" pitchFamily="18" charset="0"/>
+              </a:rPr>
+              <a:t>PATCH /</a:t>
+            </a:r>
+            <a:r>
+              <a:rPr lang="en-US" sz="1800" dirty="0" err="1">
+                <a:effectLst/>
+                <a:latin typeface="Times New Roman" panose="02020603050405020304" pitchFamily="18" charset="0"/>
+                <a:ea typeface="Calibri" panose="020F0502020204030204" pitchFamily="34" charset="0"/>
+                <a:cs typeface="Times New Roman" panose="02020603050405020304" pitchFamily="18" charset="0"/>
+              </a:rPr>
+              <a:t>api</a:t>
+            </a:r>
+            <a:r>
+              <a:rPr lang="en-US" sz="1800" dirty="0">
+                <a:effectLst/>
+                <a:latin typeface="Times New Roman" panose="02020603050405020304" pitchFamily="18" charset="0"/>
+                <a:ea typeface="Calibri" panose="020F0502020204030204" pitchFamily="34" charset="0"/>
+                <a:cs typeface="Times New Roman" panose="02020603050405020304" pitchFamily="18" charset="0"/>
+              </a:rPr>
+              <a:t>/authorization </a:t>
+            </a:r>
+            <a:r>
+              <a:rPr lang="ru-RU" sz="1800" dirty="0">
+                <a:effectLst/>
+                <a:latin typeface="Times New Roman" panose="02020603050405020304" pitchFamily="18" charset="0"/>
+                <a:ea typeface="Calibri" panose="020F0502020204030204" pitchFamily="34" charset="0"/>
+                <a:cs typeface="Times New Roman" panose="02020603050405020304" pitchFamily="18" charset="0"/>
+              </a:rPr>
+              <a:t>Запрос на редактирования пользователя Администратором, для данного запроса требуется токен с правами администратора.</a:t>
+            </a:r>
+            <a:endParaRPr lang="en-US" sz="1400" dirty="0">
+              <a:effectLst/>
+              <a:latin typeface="Calibri" panose="020F0502020204030204" pitchFamily="34" charset="0"/>
+              <a:ea typeface="Calibri" panose="020F0502020204030204" pitchFamily="34" charset="0"/>
+              <a:cs typeface="Times New Roman" panose="02020603050405020304" pitchFamily="18" charset="0"/>
+            </a:endParaRPr>
+          </a:p>
+        </p:txBody>
+      </p:sp>
     </p:spTree>
     <p:extLst>
       <p:ext uri="{BB962C8B-B14F-4D97-AF65-F5344CB8AC3E}">
-        <p14:creationId xmlns:p14="http://schemas.microsoft.com/office/powerpoint/2010/main" val="3351425273"/>
+        <p14:creationId xmlns:p14="http://schemas.microsoft.com/office/powerpoint/2010/main" val="3322601062"/>
       </p:ext>
     </p:extLst>
   </p:cSld>

--- a/Презентация  на диплом.pptx
+++ b/Презентация  на диплом.pptx
@@ -233,7 +233,7 @@
           <a:p>
             <a:fld id="{C4FCC880-518D-43CC-A737-0C7D156E7F9E}" type="datetimeFigureOut">
               <a:rPr lang="ru-RU" smtClean="0"/>
-              <a:t>28.05.2021</a:t>
+              <a:t>29.05.2021</a:t>
             </a:fld>
             <a:endParaRPr lang="ru-RU"/>
           </a:p>
@@ -410,7 +410,7 @@
           <a:p>
             <a:fld id="{AEFCE712-1448-4343-B15E-3C1E8972EAAF}" type="datetimeFigureOut">
               <a:rPr lang="en-US" smtClean="0"/>
-              <a:t>5/28/2021</a:t>
+              <a:t>5/29/2021</a:t>
             </a:fld>
             <a:endParaRPr lang="en-US"/>
           </a:p>
@@ -1483,7 +1483,7 @@
           <a:p>
             <a:fld id="{76E23526-982B-4760-BCDB-5E3FDBA30314}" type="datetimeFigureOut">
               <a:rPr lang="en-US" smtClean="0"/>
-              <a:t>5/28/2021</a:t>
+              <a:t>5/29/2021</a:t>
             </a:fld>
             <a:endParaRPr lang="en-US"/>
           </a:p>
@@ -1734,7 +1734,7 @@
           <a:p>
             <a:fld id="{76E23526-982B-4760-BCDB-5E3FDBA30314}" type="datetimeFigureOut">
               <a:rPr lang="en-US" smtClean="0"/>
-              <a:t>5/28/2021</a:t>
+              <a:t>5/29/2021</a:t>
             </a:fld>
             <a:endParaRPr lang="en-US"/>
           </a:p>
@@ -2048,7 +2048,7 @@
           <a:p>
             <a:fld id="{76E23526-982B-4760-BCDB-5E3FDBA30314}" type="datetimeFigureOut">
               <a:rPr lang="en-US" smtClean="0"/>
-              <a:t>5/28/2021</a:t>
+              <a:t>5/29/2021</a:t>
             </a:fld>
             <a:endParaRPr lang="en-US"/>
           </a:p>
@@ -2389,7 +2389,7 @@
           <a:p>
             <a:fld id="{76E23526-982B-4760-BCDB-5E3FDBA30314}" type="datetimeFigureOut">
               <a:rPr lang="en-US" smtClean="0"/>
-              <a:t>5/28/2021</a:t>
+              <a:t>5/29/2021</a:t>
             </a:fld>
             <a:endParaRPr lang="en-US"/>
           </a:p>
@@ -2703,7 +2703,7 @@
           <a:p>
             <a:fld id="{76E23526-982B-4760-BCDB-5E3FDBA30314}" type="datetimeFigureOut">
               <a:rPr lang="en-US" smtClean="0"/>
-              <a:t>5/28/2021</a:t>
+              <a:t>5/29/2021</a:t>
             </a:fld>
             <a:endParaRPr lang="en-US"/>
           </a:p>
@@ -3096,7 +3096,7 @@
           <a:p>
             <a:fld id="{76E23526-982B-4760-BCDB-5E3FDBA30314}" type="datetimeFigureOut">
               <a:rPr lang="en-US" smtClean="0"/>
-              <a:t>5/28/2021</a:t>
+              <a:t>5/29/2021</a:t>
             </a:fld>
             <a:endParaRPr lang="en-US"/>
           </a:p>
@@ -3266,7 +3266,7 @@
           <a:p>
             <a:fld id="{76E23526-982B-4760-BCDB-5E3FDBA30314}" type="datetimeFigureOut">
               <a:rPr lang="en-US" smtClean="0"/>
-              <a:t>5/28/2021</a:t>
+              <a:t>5/29/2021</a:t>
             </a:fld>
             <a:endParaRPr lang="en-US"/>
           </a:p>
@@ -3446,7 +3446,7 @@
           <a:p>
             <a:fld id="{76E23526-982B-4760-BCDB-5E3FDBA30314}" type="datetimeFigureOut">
               <a:rPr lang="en-US" smtClean="0"/>
-              <a:t>5/28/2021</a:t>
+              <a:t>5/29/2021</a:t>
             </a:fld>
             <a:endParaRPr lang="en-US"/>
           </a:p>
@@ -3622,7 +3622,7 @@
           <a:p>
             <a:fld id="{76E23526-982B-4760-BCDB-5E3FDBA30314}" type="datetimeFigureOut">
               <a:rPr lang="en-US" smtClean="0"/>
-              <a:t>5/28/2021</a:t>
+              <a:t>5/29/2021</a:t>
             </a:fld>
             <a:endParaRPr lang="en-US"/>
           </a:p>
@@ -3869,7 +3869,7 @@
           <a:p>
             <a:fld id="{76E23526-982B-4760-BCDB-5E3FDBA30314}" type="datetimeFigureOut">
               <a:rPr lang="en-US" smtClean="0"/>
-              <a:t>5/28/2021</a:t>
+              <a:t>5/29/2021</a:t>
             </a:fld>
             <a:endParaRPr lang="en-US"/>
           </a:p>
@@ -4101,7 +4101,7 @@
           <a:p>
             <a:fld id="{76E23526-982B-4760-BCDB-5E3FDBA30314}" type="datetimeFigureOut">
               <a:rPr lang="en-US" smtClean="0"/>
-              <a:t>5/28/2021</a:t>
+              <a:t>5/29/2021</a:t>
             </a:fld>
             <a:endParaRPr lang="en-US"/>
           </a:p>
@@ -4475,7 +4475,7 @@
           <a:p>
             <a:fld id="{76E23526-982B-4760-BCDB-5E3FDBA30314}" type="datetimeFigureOut">
               <a:rPr lang="en-US" smtClean="0"/>
-              <a:t>5/28/2021</a:t>
+              <a:t>5/29/2021</a:t>
             </a:fld>
             <a:endParaRPr lang="en-US"/>
           </a:p>
@@ -4598,7 +4598,7 @@
           <a:p>
             <a:fld id="{76E23526-982B-4760-BCDB-5E3FDBA30314}" type="datetimeFigureOut">
               <a:rPr lang="en-US" smtClean="0"/>
-              <a:t>5/28/2021</a:t>
+              <a:t>5/29/2021</a:t>
             </a:fld>
             <a:endParaRPr lang="en-US"/>
           </a:p>
@@ -4693,7 +4693,7 @@
           <a:p>
             <a:fld id="{76E23526-982B-4760-BCDB-5E3FDBA30314}" type="datetimeFigureOut">
               <a:rPr lang="en-US" smtClean="0"/>
-              <a:t>5/28/2021</a:t>
+              <a:t>5/29/2021</a:t>
             </a:fld>
             <a:endParaRPr lang="en-US"/>
           </a:p>
@@ -4948,7 +4948,7 @@
           <a:p>
             <a:fld id="{76E23526-982B-4760-BCDB-5E3FDBA30314}" type="datetimeFigureOut">
               <a:rPr lang="en-US" smtClean="0"/>
-              <a:t>5/28/2021</a:t>
+              <a:t>5/29/2021</a:t>
             </a:fld>
             <a:endParaRPr lang="en-US"/>
           </a:p>
@@ -5211,7 +5211,7 @@
           <a:p>
             <a:fld id="{76E23526-982B-4760-BCDB-5E3FDBA30314}" type="datetimeFigureOut">
               <a:rPr lang="en-US" smtClean="0"/>
-              <a:t>5/28/2021</a:t>
+              <a:t>5/29/2021</a:t>
             </a:fld>
             <a:endParaRPr lang="en-US"/>
           </a:p>
@@ -5954,7 +5954,7 @@
           <a:p>
             <a:fld id="{76E23526-982B-4760-BCDB-5E3FDBA30314}" type="datetimeFigureOut">
               <a:rPr lang="en-US" smtClean="0"/>
-              <a:t>5/28/2021</a:t>
+              <a:t>5/29/2021</a:t>
             </a:fld>
             <a:endParaRPr lang="en-US"/>
           </a:p>
@@ -7601,6 +7601,96 @@
           </a:prstGeom>
         </p:spPr>
       </p:pic>
+      <p:pic>
+        <p:nvPicPr>
+          <p:cNvPr id="5" name="Picture 4">
+            <a:extLst>
+              <a:ext uri="{FF2B5EF4-FFF2-40B4-BE49-F238E27FC236}">
+                <a16:creationId xmlns:a16="http://schemas.microsoft.com/office/drawing/2014/main" id="{331682BD-C6BE-4A77-892A-205FCA060E43}"/>
+              </a:ext>
+            </a:extLst>
+          </p:cNvPr>
+          <p:cNvPicPr>
+            <a:picLocks noChangeAspect="1"/>
+          </p:cNvPicPr>
+          <p:nvPr/>
+        </p:nvPicPr>
+        <p:blipFill>
+          <a:blip r:embed="rId3"/>
+          <a:stretch>
+            <a:fillRect/>
+          </a:stretch>
+        </p:blipFill>
+        <p:spPr>
+          <a:xfrm>
+            <a:off x="2021798" y="3725647"/>
+            <a:ext cx="5059937" cy="3151206"/>
+          </a:xfrm>
+          <a:prstGeom prst="rect">
+            <a:avLst/>
+          </a:prstGeom>
+        </p:spPr>
+      </p:pic>
+      <p:pic>
+        <p:nvPicPr>
+          <p:cNvPr id="6" name="Picture 5">
+            <a:extLst>
+              <a:ext uri="{FF2B5EF4-FFF2-40B4-BE49-F238E27FC236}">
+                <a16:creationId xmlns:a16="http://schemas.microsoft.com/office/drawing/2014/main" id="{2A083A4D-AC49-4ED6-ADDB-DC35929A5FEF}"/>
+              </a:ext>
+            </a:extLst>
+          </p:cNvPr>
+          <p:cNvPicPr>
+            <a:picLocks noChangeAspect="1"/>
+          </p:cNvPicPr>
+          <p:nvPr/>
+        </p:nvPicPr>
+        <p:blipFill>
+          <a:blip r:embed="rId3"/>
+          <a:stretch>
+            <a:fillRect/>
+          </a:stretch>
+        </p:blipFill>
+        <p:spPr>
+          <a:xfrm>
+            <a:off x="2021798" y="3744500"/>
+            <a:ext cx="5059937" cy="3151206"/>
+          </a:xfrm>
+          <a:prstGeom prst="rect">
+            <a:avLst/>
+          </a:prstGeom>
+        </p:spPr>
+      </p:pic>
+      <p:pic>
+        <p:nvPicPr>
+          <p:cNvPr id="9" name="Picture 8">
+            <a:extLst>
+              <a:ext uri="{FF2B5EF4-FFF2-40B4-BE49-F238E27FC236}">
+                <a16:creationId xmlns:a16="http://schemas.microsoft.com/office/drawing/2014/main" id="{920B3C3E-1073-489F-A461-B3E43BE13DC1}"/>
+              </a:ext>
+            </a:extLst>
+          </p:cNvPr>
+          <p:cNvPicPr>
+            <a:picLocks noChangeAspect="1"/>
+          </p:cNvPicPr>
+          <p:nvPr/>
+        </p:nvPicPr>
+        <p:blipFill>
+          <a:blip r:embed="rId3"/>
+          <a:stretch>
+            <a:fillRect/>
+          </a:stretch>
+        </p:blipFill>
+        <p:spPr>
+          <a:xfrm>
+            <a:off x="2021798" y="3763353"/>
+            <a:ext cx="5059937" cy="3151206"/>
+          </a:xfrm>
+          <a:prstGeom prst="rect">
+            <a:avLst/>
+          </a:prstGeom>
+        </p:spPr>
+      </p:pic>
     </p:spTree>
     <p:extLst>
       <p:ext uri="{BB962C8B-B14F-4D97-AF65-F5344CB8AC3E}">
@@ -8235,7 +8325,7 @@
         </p:nvSpPr>
         <p:spPr>
           <a:xfrm>
-            <a:off x="691576" y="157122"/>
+            <a:off x="691576" y="147695"/>
             <a:ext cx="6098958" cy="646331"/>
           </a:xfrm>
           <a:prstGeom prst="rect">
@@ -10058,10 +10148,10 @@
       </p:sp>
       <p:pic>
         <p:nvPicPr>
-          <p:cNvPr id="5" name="Picture 4">
+          <p:cNvPr id="6" name="Picture 5">
             <a:extLst>
               <a:ext uri="{FF2B5EF4-FFF2-40B4-BE49-F238E27FC236}">
-                <a16:creationId xmlns:a16="http://schemas.microsoft.com/office/drawing/2014/main" id="{D5C81581-7BC5-4B93-9461-86DD80129DE3}"/>
+                <a16:creationId xmlns:a16="http://schemas.microsoft.com/office/drawing/2014/main" id="{F047F143-2335-4E14-AC91-5B936EAA28DB}"/>
               </a:ext>
             </a:extLst>
           </p:cNvPr>
@@ -10078,8 +10168,8 @@
         </p:blipFill>
         <p:spPr>
           <a:xfrm>
-            <a:off x="590191" y="917024"/>
-            <a:ext cx="8596668" cy="5662476"/>
+            <a:off x="498225" y="917024"/>
+            <a:ext cx="8734425" cy="5667375"/>
           </a:xfrm>
           <a:prstGeom prst="rect">
             <a:avLst/>
@@ -11186,7 +11276,30 @@
                 <a:ea typeface="Calibri" panose="020F0502020204030204" pitchFamily="34" charset="0"/>
                 <a:cs typeface="Times New Roman" panose="02020603050405020304" pitchFamily="18" charset="0"/>
               </a:rPr>
-              <a:t>является реализацией широко известный паттерн для распределенных систем </a:t>
+              <a:t>является реализацией широко известн</a:t>
+            </a:r>
+            <a:r>
+              <a:rPr lang="ru-RU" sz="1800" dirty="0">
+                <a:solidFill>
+                  <a:schemeClr val="tx1"/>
+                </a:solidFill>
+                <a:latin typeface="Times New Roman" panose="02020603050405020304" pitchFamily="18" charset="0"/>
+                <a:ea typeface="Calibri" panose="020F0502020204030204" pitchFamily="34" charset="0"/>
+                <a:cs typeface="Times New Roman" panose="02020603050405020304" pitchFamily="18" charset="0"/>
+              </a:rPr>
+              <a:t>ого</a:t>
+            </a:r>
+            <a:r>
+              <a:rPr lang="ru-RU" sz="1800" dirty="0">
+                <a:solidFill>
+                  <a:schemeClr val="tx1"/>
+                </a:solidFill>
+                <a:effectLst/>
+                <a:latin typeface="Times New Roman" panose="02020603050405020304" pitchFamily="18" charset="0"/>
+                <a:ea typeface="Calibri" panose="020F0502020204030204" pitchFamily="34" charset="0"/>
+                <a:cs typeface="Times New Roman" panose="02020603050405020304" pitchFamily="18" charset="0"/>
+              </a:rPr>
+              <a:t> паттерна для распределенных систем </a:t>
             </a:r>
             <a:r>
               <a:rPr lang="en-US" sz="1800" dirty="0">
@@ -11251,7 +11364,7 @@
                 <a:latin typeface="Times New Roman" panose="02020603050405020304" pitchFamily="18" charset="0"/>
                 <a:cs typeface="Times New Roman" panose="02020603050405020304" pitchFamily="18" charset="0"/>
               </a:rPr>
-              <a:t>является имплементацией паттерна API Gateway является</a:t>
+              <a:t>является имплементацией паттерна API Gateway</a:t>
             </a:r>
             <a:endParaRPr lang="en-US" dirty="0">
               <a:solidFill>

--- a/Презентация  на диплом.pptx
+++ b/Презентация  на диплом.pptx
@@ -5,10 +5,10 @@
     <p:sldMasterId id="2147483660" r:id="rId1"/>
   </p:sldMasterIdLst>
   <p:notesMasterIdLst>
-    <p:notesMasterId r:id="rId21"/>
+    <p:notesMasterId r:id="rId22"/>
   </p:notesMasterIdLst>
   <p:handoutMasterIdLst>
-    <p:handoutMasterId r:id="rId22"/>
+    <p:handoutMasterId r:id="rId23"/>
   </p:handoutMasterIdLst>
   <p:sldIdLst>
     <p:sldId id="256" r:id="rId2"/>
@@ -27,9 +27,10 @@
     <p:sldId id="275" r:id="rId15"/>
     <p:sldId id="276" r:id="rId16"/>
     <p:sldId id="269" r:id="rId17"/>
-    <p:sldId id="279" r:id="rId18"/>
-    <p:sldId id="281" r:id="rId19"/>
-    <p:sldId id="280" r:id="rId20"/>
+    <p:sldId id="282" r:id="rId18"/>
+    <p:sldId id="279" r:id="rId19"/>
+    <p:sldId id="281" r:id="rId20"/>
+    <p:sldId id="280" r:id="rId21"/>
   </p:sldIdLst>
   <p:sldSz cx="12192000" cy="6858000"/>
   <p:notesSz cx="6858000" cy="9144000"/>
@@ -233,7 +234,7 @@
           <a:p>
             <a:fld id="{C4FCC880-518D-43CC-A737-0C7D156E7F9E}" type="datetimeFigureOut">
               <a:rPr lang="ru-RU" smtClean="0"/>
-              <a:t>29.05.2021</a:t>
+              <a:t>13.06.2021</a:t>
             </a:fld>
             <a:endParaRPr lang="ru-RU"/>
           </a:p>
@@ -410,7 +411,7 @@
           <a:p>
             <a:fld id="{AEFCE712-1448-4343-B15E-3C1E8972EAAF}" type="datetimeFigureOut">
               <a:rPr lang="en-US" smtClean="0"/>
-              <a:t>5/29/2021</a:t>
+              <a:t>6/13/2021</a:t>
             </a:fld>
             <a:endParaRPr lang="en-US"/>
           </a:p>
@@ -1483,7 +1484,7 @@
           <a:p>
             <a:fld id="{76E23526-982B-4760-BCDB-5E3FDBA30314}" type="datetimeFigureOut">
               <a:rPr lang="en-US" smtClean="0"/>
-              <a:t>5/29/2021</a:t>
+              <a:t>6/13/2021</a:t>
             </a:fld>
             <a:endParaRPr lang="en-US"/>
           </a:p>
@@ -1734,7 +1735,7 @@
           <a:p>
             <a:fld id="{76E23526-982B-4760-BCDB-5E3FDBA30314}" type="datetimeFigureOut">
               <a:rPr lang="en-US" smtClean="0"/>
-              <a:t>5/29/2021</a:t>
+              <a:t>6/13/2021</a:t>
             </a:fld>
             <a:endParaRPr lang="en-US"/>
           </a:p>
@@ -2048,7 +2049,7 @@
           <a:p>
             <a:fld id="{76E23526-982B-4760-BCDB-5E3FDBA30314}" type="datetimeFigureOut">
               <a:rPr lang="en-US" smtClean="0"/>
-              <a:t>5/29/2021</a:t>
+              <a:t>6/13/2021</a:t>
             </a:fld>
             <a:endParaRPr lang="en-US"/>
           </a:p>
@@ -2389,7 +2390,7 @@
           <a:p>
             <a:fld id="{76E23526-982B-4760-BCDB-5E3FDBA30314}" type="datetimeFigureOut">
               <a:rPr lang="en-US" smtClean="0"/>
-              <a:t>5/29/2021</a:t>
+              <a:t>6/13/2021</a:t>
             </a:fld>
             <a:endParaRPr lang="en-US"/>
           </a:p>
@@ -2703,7 +2704,7 @@
           <a:p>
             <a:fld id="{76E23526-982B-4760-BCDB-5E3FDBA30314}" type="datetimeFigureOut">
               <a:rPr lang="en-US" smtClean="0"/>
-              <a:t>5/29/2021</a:t>
+              <a:t>6/13/2021</a:t>
             </a:fld>
             <a:endParaRPr lang="en-US"/>
           </a:p>
@@ -3096,7 +3097,7 @@
           <a:p>
             <a:fld id="{76E23526-982B-4760-BCDB-5E3FDBA30314}" type="datetimeFigureOut">
               <a:rPr lang="en-US" smtClean="0"/>
-              <a:t>5/29/2021</a:t>
+              <a:t>6/13/2021</a:t>
             </a:fld>
             <a:endParaRPr lang="en-US"/>
           </a:p>
@@ -3266,7 +3267,7 @@
           <a:p>
             <a:fld id="{76E23526-982B-4760-BCDB-5E3FDBA30314}" type="datetimeFigureOut">
               <a:rPr lang="en-US" smtClean="0"/>
-              <a:t>5/29/2021</a:t>
+              <a:t>6/13/2021</a:t>
             </a:fld>
             <a:endParaRPr lang="en-US"/>
           </a:p>
@@ -3446,7 +3447,7 @@
           <a:p>
             <a:fld id="{76E23526-982B-4760-BCDB-5E3FDBA30314}" type="datetimeFigureOut">
               <a:rPr lang="en-US" smtClean="0"/>
-              <a:t>5/29/2021</a:t>
+              <a:t>6/13/2021</a:t>
             </a:fld>
             <a:endParaRPr lang="en-US"/>
           </a:p>
@@ -3622,7 +3623,7 @@
           <a:p>
             <a:fld id="{76E23526-982B-4760-BCDB-5E3FDBA30314}" type="datetimeFigureOut">
               <a:rPr lang="en-US" smtClean="0"/>
-              <a:t>5/29/2021</a:t>
+              <a:t>6/13/2021</a:t>
             </a:fld>
             <a:endParaRPr lang="en-US"/>
           </a:p>
@@ -3869,7 +3870,7 @@
           <a:p>
             <a:fld id="{76E23526-982B-4760-BCDB-5E3FDBA30314}" type="datetimeFigureOut">
               <a:rPr lang="en-US" smtClean="0"/>
-              <a:t>5/29/2021</a:t>
+              <a:t>6/13/2021</a:t>
             </a:fld>
             <a:endParaRPr lang="en-US"/>
           </a:p>
@@ -4101,7 +4102,7 @@
           <a:p>
             <a:fld id="{76E23526-982B-4760-BCDB-5E3FDBA30314}" type="datetimeFigureOut">
               <a:rPr lang="en-US" smtClean="0"/>
-              <a:t>5/29/2021</a:t>
+              <a:t>6/13/2021</a:t>
             </a:fld>
             <a:endParaRPr lang="en-US"/>
           </a:p>
@@ -4475,7 +4476,7 @@
           <a:p>
             <a:fld id="{76E23526-982B-4760-BCDB-5E3FDBA30314}" type="datetimeFigureOut">
               <a:rPr lang="en-US" smtClean="0"/>
-              <a:t>5/29/2021</a:t>
+              <a:t>6/13/2021</a:t>
             </a:fld>
             <a:endParaRPr lang="en-US"/>
           </a:p>
@@ -4598,7 +4599,7 @@
           <a:p>
             <a:fld id="{76E23526-982B-4760-BCDB-5E3FDBA30314}" type="datetimeFigureOut">
               <a:rPr lang="en-US" smtClean="0"/>
-              <a:t>5/29/2021</a:t>
+              <a:t>6/13/2021</a:t>
             </a:fld>
             <a:endParaRPr lang="en-US"/>
           </a:p>
@@ -4693,7 +4694,7 @@
           <a:p>
             <a:fld id="{76E23526-982B-4760-BCDB-5E3FDBA30314}" type="datetimeFigureOut">
               <a:rPr lang="en-US" smtClean="0"/>
-              <a:t>5/29/2021</a:t>
+              <a:t>6/13/2021</a:t>
             </a:fld>
             <a:endParaRPr lang="en-US"/>
           </a:p>
@@ -4948,7 +4949,7 @@
           <a:p>
             <a:fld id="{76E23526-982B-4760-BCDB-5E3FDBA30314}" type="datetimeFigureOut">
               <a:rPr lang="en-US" smtClean="0"/>
-              <a:t>5/29/2021</a:t>
+              <a:t>6/13/2021</a:t>
             </a:fld>
             <a:endParaRPr lang="en-US"/>
           </a:p>
@@ -5211,7 +5212,7 @@
           <a:p>
             <a:fld id="{76E23526-982B-4760-BCDB-5E3FDBA30314}" type="datetimeFigureOut">
               <a:rPr lang="en-US" smtClean="0"/>
-              <a:t>5/29/2021</a:t>
+              <a:t>6/13/2021</a:t>
             </a:fld>
             <a:endParaRPr lang="en-US"/>
           </a:p>
@@ -5954,7 +5955,7 @@
           <a:p>
             <a:fld id="{76E23526-982B-4760-BCDB-5E3FDBA30314}" type="datetimeFigureOut">
               <a:rPr lang="en-US" smtClean="0"/>
-              <a:t>5/29/2021</a:t>
+              <a:t>6/13/2021</a:t>
             </a:fld>
             <a:endParaRPr lang="en-US"/>
           </a:p>
@@ -6551,7 +6552,7 @@
               <a:t>«</a:t>
             </a:r>
             <a:r>
-              <a:rPr lang="ru-RU" sz="2800" b="0" i="0" dirty="0" err="1">
+              <a:rPr lang="ru-RU" sz="2800" b="0" i="0" dirty="0">
                 <a:solidFill>
                   <a:schemeClr val="bg1"/>
                 </a:solidFill>
@@ -6559,40 +6560,7 @@
                 <a:latin typeface="Times New Roman" panose="02020603050405020304" pitchFamily="18" charset="0"/>
                 <a:cs typeface="Times New Roman" panose="02020603050405020304" pitchFamily="18" charset="0"/>
               </a:rPr>
-              <a:t>Электронника</a:t>
-            </a:r>
-            <a:r>
-              <a:rPr lang="ru-RU" sz="2800" b="0" i="0" dirty="0">
-                <a:solidFill>
-                  <a:schemeClr val="bg1"/>
-                </a:solidFill>
-                <a:effectLst/>
-                <a:latin typeface="Times New Roman" panose="02020603050405020304" pitchFamily="18" charset="0"/>
-                <a:cs typeface="Times New Roman" panose="02020603050405020304" pitchFamily="18" charset="0"/>
-              </a:rPr>
-              <a:t>» на основе </a:t>
-            </a:r>
-            <a:r>
-              <a:rPr lang="ru-RU" sz="2800" b="0" i="0" dirty="0" err="1">
-                <a:solidFill>
-                  <a:schemeClr val="bg1"/>
-                </a:solidFill>
-                <a:effectLst/>
-                <a:latin typeface="Times New Roman" panose="02020603050405020304" pitchFamily="18" charset="0"/>
-                <a:cs typeface="Times New Roman" panose="02020603050405020304" pitchFamily="18" charset="0"/>
-              </a:rPr>
-              <a:t>микросервисной</a:t>
-            </a:r>
-            <a:r>
-              <a:rPr lang="ru-RU" sz="2800" b="0" i="0" dirty="0">
-                <a:solidFill>
-                  <a:schemeClr val="bg1"/>
-                </a:solidFill>
-                <a:effectLst/>
-                <a:latin typeface="Times New Roman" panose="02020603050405020304" pitchFamily="18" charset="0"/>
-                <a:cs typeface="Times New Roman" panose="02020603050405020304" pitchFamily="18" charset="0"/>
-              </a:rPr>
-              <a:t> архитектуры </a:t>
+              <a:t>Электроника» на основе микросервисной архитектуры </a:t>
             </a:r>
             <a:endParaRPr lang="en-US" sz="2800" dirty="0">
               <a:solidFill>
@@ -8090,7 +8058,7 @@
         </p:blipFill>
         <p:spPr>
           <a:xfrm>
-            <a:off x="662041" y="574877"/>
+            <a:off x="577200" y="588064"/>
             <a:ext cx="10867918" cy="3258766"/>
           </a:xfrm>
           <a:prstGeom prst="rect">
@@ -8172,7 +8140,7 @@
         </p:nvSpPr>
         <p:spPr>
           <a:xfrm>
-            <a:off x="828255" y="237021"/>
+            <a:off x="585423" y="272073"/>
             <a:ext cx="6098958" cy="646331"/>
           </a:xfrm>
           <a:prstGeom prst="rect">
@@ -8226,7 +8194,7 @@
         </p:blipFill>
         <p:spPr>
           <a:xfrm>
-            <a:off x="773072" y="1659872"/>
+            <a:off x="333949" y="1301653"/>
             <a:ext cx="10840171" cy="4961107"/>
           </a:xfrm>
           <a:prstGeom prst="rect">
@@ -8263,8 +8231,8 @@
         </p:blipFill>
         <p:spPr bwMode="auto">
           <a:xfrm>
-            <a:off x="8557099" y="0"/>
-            <a:ext cx="3810000" cy="3152775"/>
+            <a:off x="7386199" y="-125347"/>
+            <a:ext cx="4220378" cy="3492363"/>
           </a:xfrm>
           <a:prstGeom prst="rect">
             <a:avLst/>
@@ -8559,7 +8527,7 @@
           <p:cNvPr id="2" name="Title 1">
             <a:extLst>
               <a:ext uri="{FF2B5EF4-FFF2-40B4-BE49-F238E27FC236}">
-                <a16:creationId xmlns:a16="http://schemas.microsoft.com/office/drawing/2014/main" id="{75ADFF37-7279-4F96-84AC-03C0C26CBC2C}"/>
+                <a16:creationId xmlns:a16="http://schemas.microsoft.com/office/drawing/2014/main" id="{168F4B62-FAF9-401C-9DB3-CC6590A633C4}"/>
               </a:ext>
             </a:extLst>
           </p:cNvPr>
@@ -8572,8 +8540,8 @@
         </p:nvSpPr>
         <p:spPr>
           <a:xfrm>
-            <a:off x="460518" y="146203"/>
-            <a:ext cx="8596668" cy="768197"/>
+            <a:off x="392522" y="317432"/>
+            <a:ext cx="8596668" cy="860400"/>
           </a:xfrm>
         </p:spPr>
         <p:txBody>
@@ -8582,74 +8550,44 @@
           <a:p>
             <a:r>
               <a:rPr lang="ru-RU" dirty="0"/>
-              <a:t>Заключение</a:t>
+              <a:t>Документация</a:t>
             </a:r>
             <a:endParaRPr lang="en-US" dirty="0"/>
           </a:p>
         </p:txBody>
       </p:sp>
-      <p:sp>
-        <p:nvSpPr>
-          <p:cNvPr id="3" name="Text Placeholder 2">
+      <p:pic>
+        <p:nvPicPr>
+          <p:cNvPr id="6" name="Picture 5" descr="Graphical user interface, text, application, email&#10;&#10;Description automatically generated">
             <a:extLst>
               <a:ext uri="{FF2B5EF4-FFF2-40B4-BE49-F238E27FC236}">
-                <a16:creationId xmlns:a16="http://schemas.microsoft.com/office/drawing/2014/main" id="{5EDBEBA2-61D6-4C00-AF79-99F48DB724E2}"/>
+                <a16:creationId xmlns:a16="http://schemas.microsoft.com/office/drawing/2014/main" id="{2A73CA49-38B9-41C3-B23E-F7032CA33A19}"/>
               </a:ext>
             </a:extLst>
           </p:cNvPr>
-          <p:cNvSpPr>
-            <a:spLocks noGrp="1"/>
-          </p:cNvSpPr>
-          <p:nvPr>
-            <p:ph type="body" idx="1"/>
-          </p:nvPr>
-        </p:nvSpPr>
+          <p:cNvPicPr/>
+          <p:nvPr/>
+        </p:nvPicPr>
+        <p:blipFill>
+          <a:blip r:embed="rId2"/>
+          <a:stretch>
+            <a:fillRect/>
+          </a:stretch>
+        </p:blipFill>
         <p:spPr>
           <a:xfrm>
-            <a:off x="536234" y="1189957"/>
-            <a:ext cx="8749470" cy="1506109"/>
-          </a:xfrm>
-        </p:spPr>
-        <p:txBody>
-          <a:bodyPr>
-            <a:normAutofit/>
-          </a:bodyPr>
-          <a:lstStyle/>
-          <a:p>
-            <a:r>
-              <a:rPr lang="ru-RU" dirty="0">
-                <a:solidFill>
-                  <a:schemeClr val="tx1"/>
-                </a:solidFill>
-                <a:latin typeface="Times New Roman" panose="02020603050405020304" pitchFamily="18" charset="0"/>
-                <a:cs typeface="Times New Roman" panose="02020603050405020304" pitchFamily="18" charset="0"/>
-              </a:rPr>
-              <a:t>Итогом дипломной работы является серверное приложение реализующее основной функционал интернет магазина «Электроника», разработанное на основе миросервисный архитектуры, которая обеспечивает </a:t>
-            </a:r>
-            <a:r>
-              <a:rPr lang="ru-RU">
-                <a:solidFill>
-                  <a:schemeClr val="tx1"/>
-                </a:solidFill>
-                <a:latin typeface="Times New Roman" panose="02020603050405020304" pitchFamily="18" charset="0"/>
-                <a:cs typeface="Times New Roman" panose="02020603050405020304" pitchFamily="18" charset="0"/>
-              </a:rPr>
-              <a:t>легкую масштабируемость приложения, безопасность и отказоустойчивость.</a:t>
-            </a:r>
-            <a:endParaRPr lang="en-US" dirty="0">
-              <a:solidFill>
-                <a:schemeClr val="tx1"/>
-              </a:solidFill>
-              <a:latin typeface="Times New Roman" panose="02020603050405020304" pitchFamily="18" charset="0"/>
-              <a:cs typeface="Times New Roman" panose="02020603050405020304" pitchFamily="18" charset="0"/>
-            </a:endParaRPr>
-          </a:p>
-        </p:txBody>
-      </p:sp>
+            <a:off x="392522" y="1503723"/>
+            <a:ext cx="9189174" cy="4309589"/>
+          </a:xfrm>
+          <a:prstGeom prst="rect">
+            <a:avLst/>
+          </a:prstGeom>
+        </p:spPr>
+      </p:pic>
     </p:spTree>
     <p:extLst>
       <p:ext uri="{BB962C8B-B14F-4D97-AF65-F5344CB8AC3E}">
-        <p14:creationId xmlns:p14="http://schemas.microsoft.com/office/powerpoint/2010/main" val="1662765969"/>
+        <p14:creationId xmlns:p14="http://schemas.microsoft.com/office/powerpoint/2010/main" val="751982277"/>
       </p:ext>
     </p:extLst>
   </p:cSld>
@@ -8681,7 +8619,7 @@
           <p:cNvPr id="2" name="Title 1">
             <a:extLst>
               <a:ext uri="{FF2B5EF4-FFF2-40B4-BE49-F238E27FC236}">
-                <a16:creationId xmlns:a16="http://schemas.microsoft.com/office/drawing/2014/main" id="{CA301988-94B1-4308-86ED-85060A6815C2}"/>
+                <a16:creationId xmlns:a16="http://schemas.microsoft.com/office/drawing/2014/main" id="{75ADFF37-7279-4F96-84AC-03C0C26CBC2C}"/>
               </a:ext>
             </a:extLst>
           </p:cNvPr>
@@ -8694,19 +8632,17 @@
         </p:nvSpPr>
         <p:spPr>
           <a:xfrm>
-            <a:off x="677335" y="117923"/>
-            <a:ext cx="8596668" cy="626796"/>
-          </a:xfrm>
-        </p:spPr>
-        <p:txBody>
-          <a:bodyPr>
-            <a:normAutofit fontScale="90000"/>
-          </a:bodyPr>
+            <a:off x="460518" y="146203"/>
+            <a:ext cx="8596668" cy="768197"/>
+          </a:xfrm>
+        </p:spPr>
+        <p:txBody>
+          <a:bodyPr/>
           <a:lstStyle/>
           <a:p>
             <a:r>
               <a:rPr lang="ru-RU" dirty="0"/>
-              <a:t>Используемый источники</a:t>
+              <a:t>Заключение</a:t>
             </a:r>
             <a:endParaRPr lang="en-US" dirty="0"/>
           </a:p>
@@ -8714,384 +8650,57 @@
       </p:sp>
       <p:sp>
         <p:nvSpPr>
-          <p:cNvPr id="7" name="TextBox 6">
+          <p:cNvPr id="3" name="Text Placeholder 2">
             <a:extLst>
               <a:ext uri="{FF2B5EF4-FFF2-40B4-BE49-F238E27FC236}">
-                <a16:creationId xmlns:a16="http://schemas.microsoft.com/office/drawing/2014/main" id="{07F706B9-BBF9-45CB-B3E9-E2332DC0A568}"/>
+                <a16:creationId xmlns:a16="http://schemas.microsoft.com/office/drawing/2014/main" id="{5EDBEBA2-61D6-4C00-AF79-99F48DB724E2}"/>
               </a:ext>
             </a:extLst>
           </p:cNvPr>
-          <p:cNvSpPr txBox="1"/>
-          <p:nvPr/>
+          <p:cNvSpPr>
+            <a:spLocks noGrp="1"/>
+          </p:cNvSpPr>
+          <p:nvPr>
+            <p:ph type="body" idx="1"/>
+          </p:nvPr>
         </p:nvSpPr>
         <p:spPr>
           <a:xfrm>
-            <a:off x="677335" y="1165524"/>
-            <a:ext cx="8758896" cy="4689745"/>
-          </a:xfrm>
-          <a:prstGeom prst="rect">
-            <a:avLst/>
-          </a:prstGeom>
-          <a:noFill/>
-        </p:spPr>
-        <p:txBody>
-          <a:bodyPr wrap="square">
-            <a:spAutoFit/>
+            <a:off x="536234" y="1189957"/>
+            <a:ext cx="8749470" cy="1506109"/>
+          </a:xfrm>
+        </p:spPr>
+        <p:txBody>
+          <a:bodyPr>
+            <a:normAutofit/>
           </a:bodyPr>
           <a:lstStyle/>
           <a:p>
-            <a:pPr marL="0" marR="0">
-              <a:lnSpc>
-                <a:spcPct val="107000"/>
-              </a:lnSpc>
-              <a:spcBef>
-                <a:spcPts val="0"/>
-              </a:spcBef>
-              <a:spcAft>
-                <a:spcPts val="800"/>
-              </a:spcAft>
-            </a:pPr>
-            <a:r>
-              <a:rPr lang="ru-RU" sz="1800" u="sng" dirty="0">
-                <a:solidFill>
-                  <a:srgbClr val="0563C1"/>
-                </a:solidFill>
-                <a:effectLst/>
+            <a:r>
+              <a:rPr lang="ru-RU" dirty="0">
+                <a:solidFill>
+                  <a:schemeClr val="tx1"/>
+                </a:solidFill>
                 <a:latin typeface="Times New Roman" panose="02020603050405020304" pitchFamily="18" charset="0"/>
-                <a:ea typeface="Calibri" panose="020F0502020204030204" pitchFamily="34" charset="0"/>
                 <a:cs typeface="Times New Roman" panose="02020603050405020304" pitchFamily="18" charset="0"/>
-                <a:hlinkClick r:id="rId2"/>
-              </a:rPr>
-              <a:t>https://en.wikipedia.org/wiki/Java_virtual_machine</a:t>
-            </a:r>
-            <a:endParaRPr lang="en-US" sz="1400" dirty="0">
-              <a:effectLst/>
-              <a:latin typeface="Calibri" panose="020F0502020204030204" pitchFamily="34" charset="0"/>
-              <a:ea typeface="Calibri" panose="020F0502020204030204" pitchFamily="34" charset="0"/>
-              <a:cs typeface="Times New Roman" panose="02020603050405020304" pitchFamily="18" charset="0"/>
-            </a:endParaRPr>
-          </a:p>
-          <a:p>
-            <a:pPr marL="0" marR="0">
-              <a:lnSpc>
-                <a:spcPct val="107000"/>
-              </a:lnSpc>
-              <a:spcBef>
-                <a:spcPts val="0"/>
-              </a:spcBef>
-              <a:spcAft>
-                <a:spcPts val="800"/>
-              </a:spcAft>
-            </a:pPr>
-            <a:r>
-              <a:rPr lang="ru-RU" sz="1800" u="sng" dirty="0">
-                <a:solidFill>
-                  <a:srgbClr val="0563C1"/>
-                </a:solidFill>
-                <a:effectLst/>
+              </a:rPr>
+              <a:t>Итогом дипломной работы является серверное приложение реализующее основной функционал интернет магазина «Электроника», разработанное на основе миросервисный архитектуры, которая обеспечивает </a:t>
+            </a:r>
+            <a:r>
+              <a:rPr lang="ru-RU">
+                <a:solidFill>
+                  <a:schemeClr val="tx1"/>
+                </a:solidFill>
                 <a:latin typeface="Times New Roman" panose="02020603050405020304" pitchFamily="18" charset="0"/>
-                <a:ea typeface="Calibri" panose="020F0502020204030204" pitchFamily="34" charset="0"/>
                 <a:cs typeface="Times New Roman" panose="02020603050405020304" pitchFamily="18" charset="0"/>
-                <a:hlinkClick r:id="rId3"/>
-              </a:rPr>
-              <a:t>http://javacogito.net/index.php/Спецификация_виртуальной_машины_Java#.D0.9D.D0.B5.D0.BC.D0.BD.D0.BE.D0.B3.D0.BE_.D0.B8.D1.81.D1.82.D0.BE.D1.80.D0.B8.D0.B8</a:t>
-            </a:r>
-            <a:r>
-              <a:rPr lang="ru-RU" sz="1800" dirty="0">
-                <a:effectLst/>
-                <a:latin typeface="Times New Roman" panose="02020603050405020304" pitchFamily="18" charset="0"/>
-                <a:ea typeface="Calibri" panose="020F0502020204030204" pitchFamily="34" charset="0"/>
-                <a:cs typeface="Times New Roman" panose="02020603050405020304" pitchFamily="18" charset="0"/>
-              </a:rPr>
-              <a:t> </a:t>
-            </a:r>
-            <a:endParaRPr lang="en-US" sz="1400" dirty="0">
-              <a:effectLst/>
-              <a:latin typeface="Calibri" panose="020F0502020204030204" pitchFamily="34" charset="0"/>
-              <a:ea typeface="Calibri" panose="020F0502020204030204" pitchFamily="34" charset="0"/>
-              <a:cs typeface="Times New Roman" panose="02020603050405020304" pitchFamily="18" charset="0"/>
-            </a:endParaRPr>
-          </a:p>
-          <a:p>
-            <a:pPr marL="0" marR="0">
-              <a:lnSpc>
-                <a:spcPct val="107000"/>
-              </a:lnSpc>
-              <a:spcBef>
-                <a:spcPts val="0"/>
-              </a:spcBef>
-              <a:spcAft>
-                <a:spcPts val="800"/>
-              </a:spcAft>
-            </a:pPr>
-            <a:r>
-              <a:rPr lang="ru-RU" sz="1800" u="sng" dirty="0">
-                <a:solidFill>
-                  <a:srgbClr val="0563C1"/>
-                </a:solidFill>
-                <a:effectLst/>
-                <a:latin typeface="Times New Roman" panose="02020603050405020304" pitchFamily="18" charset="0"/>
-                <a:ea typeface="Calibri" panose="020F0502020204030204" pitchFamily="34" charset="0"/>
-                <a:cs typeface="Times New Roman" panose="02020603050405020304" pitchFamily="18" charset="0"/>
-                <a:hlinkClick r:id="rId4"/>
-              </a:rPr>
-              <a:t>https://ru.wikipedia.org/wiki/Microsoft_SQL_Server</a:t>
-            </a:r>
-            <a:endParaRPr lang="en-US" sz="1400" dirty="0">
-              <a:effectLst/>
-              <a:latin typeface="Calibri" panose="020F0502020204030204" pitchFamily="34" charset="0"/>
-              <a:ea typeface="Calibri" panose="020F0502020204030204" pitchFamily="34" charset="0"/>
-              <a:cs typeface="Times New Roman" panose="02020603050405020304" pitchFamily="18" charset="0"/>
-            </a:endParaRPr>
-          </a:p>
-          <a:p>
-            <a:pPr marL="0" marR="0">
-              <a:lnSpc>
-                <a:spcPct val="107000"/>
-              </a:lnSpc>
-              <a:spcBef>
-                <a:spcPts val="0"/>
-              </a:spcBef>
-              <a:spcAft>
-                <a:spcPts val="800"/>
-              </a:spcAft>
-            </a:pPr>
-            <a:r>
-              <a:rPr lang="ru-RU" sz="1800" u="sng" dirty="0">
-                <a:solidFill>
-                  <a:srgbClr val="0563C1"/>
-                </a:solidFill>
-                <a:effectLst/>
-                <a:latin typeface="Times New Roman" panose="02020603050405020304" pitchFamily="18" charset="0"/>
-                <a:ea typeface="Calibri" panose="020F0502020204030204" pitchFamily="34" charset="0"/>
-                <a:cs typeface="Times New Roman" panose="02020603050405020304" pitchFamily="18" charset="0"/>
-                <a:hlinkClick r:id="rId5"/>
-              </a:rPr>
-              <a:t>https://tproger.ru/translations/sqlite-mysql-postgresql-comparison/</a:t>
-            </a:r>
-            <a:endParaRPr lang="en-US" sz="1400" dirty="0">
-              <a:effectLst/>
-              <a:latin typeface="Calibri" panose="020F0502020204030204" pitchFamily="34" charset="0"/>
-              <a:ea typeface="Calibri" panose="020F0502020204030204" pitchFamily="34" charset="0"/>
-              <a:cs typeface="Times New Roman" panose="02020603050405020304" pitchFamily="18" charset="0"/>
-            </a:endParaRPr>
-          </a:p>
-          <a:p>
-            <a:pPr marL="0" marR="0">
-              <a:lnSpc>
-                <a:spcPct val="107000"/>
-              </a:lnSpc>
-              <a:spcBef>
-                <a:spcPts val="0"/>
-              </a:spcBef>
-              <a:spcAft>
-                <a:spcPts val="800"/>
-              </a:spcAft>
-            </a:pPr>
-            <a:r>
-              <a:rPr lang="ru-RU" sz="1800" u="sng" dirty="0">
-                <a:solidFill>
-                  <a:srgbClr val="0563C1"/>
-                </a:solidFill>
-                <a:effectLst/>
-                <a:latin typeface="Times New Roman" panose="02020603050405020304" pitchFamily="18" charset="0"/>
-                <a:ea typeface="Calibri" panose="020F0502020204030204" pitchFamily="34" charset="0"/>
-                <a:cs typeface="Times New Roman" panose="02020603050405020304" pitchFamily="18" charset="0"/>
-                <a:hlinkClick r:id="rId6"/>
-              </a:rPr>
-              <a:t>https://medium.com/@kirill.sereda/spring-cloud-netflix-eureka-по-русски-5b7829481717</a:t>
-            </a:r>
-            <a:endParaRPr lang="en-US" sz="1800" u="sng" dirty="0">
+              </a:rPr>
+              <a:t>легкую масштабируемость приложения, безопасность и отказоустойчивость.</a:t>
+            </a:r>
+            <a:endParaRPr lang="en-US" dirty="0">
               <a:solidFill>
-                <a:srgbClr val="0563C1"/>
+                <a:schemeClr val="tx1"/>
               </a:solidFill>
-              <a:effectLst/>
               <a:latin typeface="Times New Roman" panose="02020603050405020304" pitchFamily="18" charset="0"/>
-              <a:ea typeface="Calibri" panose="020F0502020204030204" pitchFamily="34" charset="0"/>
-              <a:cs typeface="Times New Roman" panose="02020603050405020304" pitchFamily="18" charset="0"/>
-            </a:endParaRPr>
-          </a:p>
-          <a:p>
-            <a:pPr marL="0" marR="0">
-              <a:lnSpc>
-                <a:spcPct val="107000"/>
-              </a:lnSpc>
-              <a:spcBef>
-                <a:spcPts val="0"/>
-              </a:spcBef>
-              <a:spcAft>
-                <a:spcPts val="800"/>
-              </a:spcAft>
-            </a:pPr>
-            <a:r>
-              <a:rPr lang="ru-RU" sz="1800" dirty="0">
-                <a:effectLst/>
-                <a:latin typeface="Times New Roman" panose="02020603050405020304" pitchFamily="18" charset="0"/>
-                <a:ea typeface="Calibri" panose="020F0502020204030204" pitchFamily="34" charset="0"/>
-                <a:cs typeface="Times New Roman" panose="02020603050405020304" pitchFamily="18" charset="0"/>
-              </a:rPr>
-              <a:t>Леон Шкляр, Рич Розен. Архитектура веб-приложений. — М.: «Эксмо», 2010. — С.35-150.</a:t>
-            </a:r>
-            <a:endParaRPr lang="en-US" sz="1800" dirty="0">
-              <a:effectLst/>
-              <a:latin typeface="Calibri" panose="020F0502020204030204" pitchFamily="34" charset="0"/>
-              <a:ea typeface="Calibri" panose="020F0502020204030204" pitchFamily="34" charset="0"/>
-              <a:cs typeface="Times New Roman" panose="02020603050405020304" pitchFamily="18" charset="0"/>
-            </a:endParaRPr>
-          </a:p>
-          <a:p>
-            <a:pPr marL="0" marR="0">
-              <a:lnSpc>
-                <a:spcPct val="107000"/>
-              </a:lnSpc>
-              <a:spcBef>
-                <a:spcPts val="0"/>
-              </a:spcBef>
-              <a:spcAft>
-                <a:spcPts val="800"/>
-              </a:spcAft>
-            </a:pPr>
-            <a:r>
-              <a:rPr lang="en-US" sz="1800" dirty="0" err="1">
-                <a:effectLst/>
-                <a:latin typeface="Times New Roman" panose="02020603050405020304" pitchFamily="18" charset="0"/>
-                <a:ea typeface="Calibri" panose="020F0502020204030204" pitchFamily="34" charset="0"/>
-                <a:cs typeface="Times New Roman" panose="02020603050405020304" pitchFamily="18" charset="0"/>
-              </a:rPr>
-              <a:t>Ньюмен</a:t>
-            </a:r>
-            <a:r>
-              <a:rPr lang="en-US" sz="1800" dirty="0">
-                <a:effectLst/>
-                <a:latin typeface="Times New Roman" panose="02020603050405020304" pitchFamily="18" charset="0"/>
-                <a:ea typeface="Calibri" panose="020F0502020204030204" pitchFamily="34" charset="0"/>
-                <a:cs typeface="Times New Roman" panose="02020603050405020304" pitchFamily="18" charset="0"/>
-              </a:rPr>
-              <a:t> С. </a:t>
-            </a:r>
-            <a:r>
-              <a:rPr lang="en-US" sz="1800" dirty="0" err="1">
-                <a:effectLst/>
-                <a:latin typeface="Times New Roman" panose="02020603050405020304" pitchFamily="18" charset="0"/>
-                <a:ea typeface="Calibri" panose="020F0502020204030204" pitchFamily="34" charset="0"/>
-                <a:cs typeface="Times New Roman" panose="02020603050405020304" pitchFamily="18" charset="0"/>
-              </a:rPr>
-              <a:t>Создание</a:t>
-            </a:r>
-            <a:r>
-              <a:rPr lang="en-US" sz="1800" dirty="0">
-                <a:effectLst/>
-                <a:latin typeface="Times New Roman" panose="02020603050405020304" pitchFamily="18" charset="0"/>
-                <a:ea typeface="Calibri" panose="020F0502020204030204" pitchFamily="34" charset="0"/>
-                <a:cs typeface="Times New Roman" panose="02020603050405020304" pitchFamily="18" charset="0"/>
-              </a:rPr>
-              <a:t> микросервисов = Building Microservices. — </a:t>
-            </a:r>
-            <a:r>
-              <a:rPr lang="en-US" sz="1800" dirty="0" err="1">
-                <a:effectLst/>
-                <a:latin typeface="Times New Roman" panose="02020603050405020304" pitchFamily="18" charset="0"/>
-                <a:ea typeface="Calibri" panose="020F0502020204030204" pitchFamily="34" charset="0"/>
-                <a:cs typeface="Times New Roman" panose="02020603050405020304" pitchFamily="18" charset="0"/>
-              </a:rPr>
-              <a:t>СПб</a:t>
-            </a:r>
-            <a:r>
-              <a:rPr lang="en-US" sz="1800" dirty="0">
-                <a:effectLst/>
-                <a:latin typeface="Times New Roman" panose="02020603050405020304" pitchFamily="18" charset="0"/>
-                <a:ea typeface="Calibri" panose="020F0502020204030204" pitchFamily="34" charset="0"/>
-                <a:cs typeface="Times New Roman" panose="02020603050405020304" pitchFamily="18" charset="0"/>
-              </a:rPr>
-              <a:t>.: «</a:t>
-            </a:r>
-            <a:r>
-              <a:rPr lang="en-US" sz="1800" dirty="0" err="1">
-                <a:effectLst/>
-                <a:latin typeface="Times New Roman" panose="02020603050405020304" pitchFamily="18" charset="0"/>
-                <a:ea typeface="Calibri" panose="020F0502020204030204" pitchFamily="34" charset="0"/>
-                <a:cs typeface="Times New Roman" panose="02020603050405020304" pitchFamily="18" charset="0"/>
-              </a:rPr>
-              <a:t>Питер</a:t>
-            </a:r>
-            <a:r>
-              <a:rPr lang="en-US" sz="1800" dirty="0">
-                <a:effectLst/>
-                <a:latin typeface="Times New Roman" panose="02020603050405020304" pitchFamily="18" charset="0"/>
-                <a:ea typeface="Calibri" panose="020F0502020204030204" pitchFamily="34" charset="0"/>
-                <a:cs typeface="Times New Roman" panose="02020603050405020304" pitchFamily="18" charset="0"/>
-              </a:rPr>
-              <a:t>», 2016. — С. 56-246</a:t>
-            </a:r>
-            <a:endParaRPr lang="en-US" sz="1800" dirty="0">
-              <a:effectLst/>
-              <a:latin typeface="Calibri" panose="020F0502020204030204" pitchFamily="34" charset="0"/>
-              <a:ea typeface="Calibri" panose="020F0502020204030204" pitchFamily="34" charset="0"/>
-              <a:cs typeface="Times New Roman" panose="02020603050405020304" pitchFamily="18" charset="0"/>
-            </a:endParaRPr>
-          </a:p>
-          <a:p>
-            <a:pPr marL="0" marR="0">
-              <a:lnSpc>
-                <a:spcPct val="107000"/>
-              </a:lnSpc>
-              <a:spcBef>
-                <a:spcPts val="0"/>
-              </a:spcBef>
-              <a:spcAft>
-                <a:spcPts val="800"/>
-              </a:spcAft>
-            </a:pPr>
-            <a:r>
-              <a:rPr lang="ru-RU" sz="1800" dirty="0">
-                <a:effectLst/>
-                <a:latin typeface="Times New Roman" panose="02020603050405020304" pitchFamily="18" charset="0"/>
-                <a:ea typeface="Calibri" panose="020F0502020204030204" pitchFamily="34" charset="0"/>
-                <a:cs typeface="Times New Roman" panose="02020603050405020304" pitchFamily="18" charset="0"/>
-              </a:rPr>
-              <a:t>Крис Ричардсон: Микросервисы. Паттерны разработки и рефакторинга - СПб.: «Питер»,2019. – </a:t>
-            </a:r>
-            <a:r>
-              <a:rPr lang="en-US" sz="1800" dirty="0">
-                <a:effectLst/>
-                <a:latin typeface="Times New Roman" panose="02020603050405020304" pitchFamily="18" charset="0"/>
-                <a:ea typeface="Calibri" panose="020F0502020204030204" pitchFamily="34" charset="0"/>
-                <a:cs typeface="Times New Roman" panose="02020603050405020304" pitchFamily="18" charset="0"/>
-              </a:rPr>
-              <a:t>C </a:t>
-            </a:r>
-            <a:r>
-              <a:rPr lang="ru-RU" sz="1800" dirty="0">
-                <a:effectLst/>
-                <a:latin typeface="Times New Roman" panose="02020603050405020304" pitchFamily="18" charset="0"/>
-                <a:ea typeface="Calibri" panose="020F0502020204030204" pitchFamily="34" charset="0"/>
-                <a:cs typeface="Times New Roman" panose="02020603050405020304" pitchFamily="18" charset="0"/>
-              </a:rPr>
-              <a:t>63-343</a:t>
-            </a:r>
-            <a:endParaRPr lang="en-US" sz="1800" dirty="0">
-              <a:effectLst/>
-              <a:latin typeface="Calibri" panose="020F0502020204030204" pitchFamily="34" charset="0"/>
-              <a:ea typeface="Calibri" panose="020F0502020204030204" pitchFamily="34" charset="0"/>
-              <a:cs typeface="Times New Roman" panose="02020603050405020304" pitchFamily="18" charset="0"/>
-            </a:endParaRPr>
-          </a:p>
-          <a:p>
-            <a:pPr marL="0" marR="0">
-              <a:lnSpc>
-                <a:spcPct val="107000"/>
-              </a:lnSpc>
-              <a:spcBef>
-                <a:spcPts val="0"/>
-              </a:spcBef>
-              <a:spcAft>
-                <a:spcPts val="800"/>
-              </a:spcAft>
-            </a:pPr>
-            <a:endParaRPr lang="en-US" sz="1400" dirty="0">
-              <a:effectLst/>
-              <a:latin typeface="Calibri" panose="020F0502020204030204" pitchFamily="34" charset="0"/>
-              <a:ea typeface="Calibri" panose="020F0502020204030204" pitchFamily="34" charset="0"/>
               <a:cs typeface="Times New Roman" panose="02020603050405020304" pitchFamily="18" charset="0"/>
             </a:endParaRPr>
           </a:p>
@@ -9100,7 +8709,7 @@
     </p:spTree>
     <p:extLst>
       <p:ext uri="{BB962C8B-B14F-4D97-AF65-F5344CB8AC3E}">
-        <p14:creationId xmlns:p14="http://schemas.microsoft.com/office/powerpoint/2010/main" val="2499833580"/>
+        <p14:creationId xmlns:p14="http://schemas.microsoft.com/office/powerpoint/2010/main" val="1662765969"/>
       </p:ext>
     </p:extLst>
   </p:cSld>
@@ -9132,7 +8741,7 @@
           <p:cNvPr id="2" name="Title 1">
             <a:extLst>
               <a:ext uri="{FF2B5EF4-FFF2-40B4-BE49-F238E27FC236}">
-                <a16:creationId xmlns:a16="http://schemas.microsoft.com/office/drawing/2014/main" id="{1DFF0FE6-FE69-4B6B-8FEA-C06BB9E6724B}"/>
+                <a16:creationId xmlns:a16="http://schemas.microsoft.com/office/drawing/2014/main" id="{CA301988-94B1-4308-86ED-85060A6815C2}"/>
               </a:ext>
             </a:extLst>
           </p:cNvPr>
@@ -9145,64 +8754,449 @@
         </p:nvSpPr>
         <p:spPr>
           <a:xfrm>
-            <a:off x="1290077" y="2134946"/>
-            <a:ext cx="8596668" cy="1143225"/>
+            <a:off x="677335" y="117923"/>
+            <a:ext cx="8596668" cy="626796"/>
           </a:xfrm>
         </p:spPr>
         <p:txBody>
           <a:bodyPr>
-            <a:normAutofit/>
+            <a:normAutofit fontScale="90000"/>
           </a:bodyPr>
           <a:lstStyle/>
           <a:p>
             <a:r>
-              <a:rPr lang="ru-RU" sz="4800" dirty="0"/>
-              <a:t>Спасибо за внимание !</a:t>
-            </a:r>
-            <a:endParaRPr lang="en-US" sz="4800" dirty="0"/>
-          </a:p>
-        </p:txBody>
-      </p:sp>
-      <p:sp>
-        <p:nvSpPr>
-          <p:cNvPr id="3" name="Text Placeholder 2">
+              <a:rPr lang="ru-RU" dirty="0"/>
+              <a:t>Используемый источники</a:t>
+            </a:r>
+            <a:endParaRPr lang="en-US" dirty="0"/>
+          </a:p>
+        </p:txBody>
+      </p:sp>
+      <p:sp>
+        <p:nvSpPr>
+          <p:cNvPr id="7" name="TextBox 6">
             <a:extLst>
               <a:ext uri="{FF2B5EF4-FFF2-40B4-BE49-F238E27FC236}">
-                <a16:creationId xmlns:a16="http://schemas.microsoft.com/office/drawing/2014/main" id="{48398C14-649A-4CBF-9009-04F0640142B0}"/>
+                <a16:creationId xmlns:a16="http://schemas.microsoft.com/office/drawing/2014/main" id="{07F706B9-BBF9-45CB-B3E9-E2332DC0A568}"/>
               </a:ext>
             </a:extLst>
           </p:cNvPr>
-          <p:cNvSpPr>
-            <a:spLocks noGrp="1"/>
-          </p:cNvSpPr>
-          <p:nvPr>
-            <p:ph type="body" idx="1"/>
-          </p:nvPr>
+          <p:cNvSpPr txBox="1"/>
+          <p:nvPr/>
         </p:nvSpPr>
         <p:spPr>
           <a:xfrm>
-            <a:off x="11414465" y="6615485"/>
-            <a:ext cx="1405989" cy="242515"/>
-          </a:xfrm>
-        </p:spPr>
-        <p:txBody>
-          <a:bodyPr>
-            <a:normAutofit lnSpcReduction="10000"/>
+            <a:off x="677335" y="744719"/>
+            <a:ext cx="8758896" cy="6182975"/>
+          </a:xfrm>
+          <a:prstGeom prst="rect">
+            <a:avLst/>
+          </a:prstGeom>
+          <a:noFill/>
+        </p:spPr>
+        <p:txBody>
+          <a:bodyPr wrap="square">
+            <a:spAutoFit/>
           </a:bodyPr>
           <a:lstStyle/>
           <a:p>
-            <a:r>
-              <a:rPr lang="ru-RU" sz="1000" dirty="0"/>
-              <a:t>Хоть бы 3</a:t>
-            </a:r>
-            <a:endParaRPr lang="en-US" sz="1000" dirty="0"/>
+            <a:pPr marL="0" marR="0">
+              <a:lnSpc>
+                <a:spcPct val="107000"/>
+              </a:lnSpc>
+              <a:spcBef>
+                <a:spcPts val="0"/>
+              </a:spcBef>
+              <a:spcAft>
+                <a:spcPts val="800"/>
+              </a:spcAft>
+            </a:pPr>
+            <a:r>
+              <a:rPr lang="ru-RU" sz="1800" dirty="0">
+                <a:effectLst/>
+                <a:latin typeface="Times New Roman" panose="02020603050405020304" pitchFamily="18" charset="0"/>
+                <a:ea typeface="Calibri" panose="020F0502020204030204" pitchFamily="34" charset="0"/>
+                <a:cs typeface="Times New Roman" panose="02020603050405020304" pitchFamily="18" charset="0"/>
+              </a:rPr>
+              <a:t>Книжные источники</a:t>
+            </a:r>
+            <a:endParaRPr lang="en-US" sz="1800" dirty="0">
+              <a:effectLst/>
+              <a:latin typeface="Calibri" panose="020F0502020204030204" pitchFamily="34" charset="0"/>
+              <a:ea typeface="Calibri" panose="020F0502020204030204" pitchFamily="34" charset="0"/>
+              <a:cs typeface="Times New Roman" panose="02020603050405020304" pitchFamily="18" charset="0"/>
+            </a:endParaRPr>
+          </a:p>
+          <a:p>
+            <a:pPr marL="0" marR="0">
+              <a:lnSpc>
+                <a:spcPct val="107000"/>
+              </a:lnSpc>
+              <a:spcBef>
+                <a:spcPts val="0"/>
+              </a:spcBef>
+              <a:spcAft>
+                <a:spcPts val="800"/>
+              </a:spcAft>
+            </a:pPr>
+            <a:r>
+              <a:rPr lang="ru-RU" sz="1800" dirty="0">
+                <a:effectLst/>
+                <a:latin typeface="Times New Roman" panose="02020603050405020304" pitchFamily="18" charset="0"/>
+                <a:ea typeface="Calibri" panose="020F0502020204030204" pitchFamily="34" charset="0"/>
+                <a:cs typeface="Times New Roman" panose="02020603050405020304" pitchFamily="18" charset="0"/>
+              </a:rPr>
+              <a:t>Леон Шкляр, Рич Розен. Архитектура веб-приложений. — М.: «Эксмо», 2010. — С.35-150.</a:t>
+            </a:r>
+            <a:endParaRPr lang="en-US" sz="1800" dirty="0">
+              <a:effectLst/>
+              <a:latin typeface="Calibri" panose="020F0502020204030204" pitchFamily="34" charset="0"/>
+              <a:ea typeface="Calibri" panose="020F0502020204030204" pitchFamily="34" charset="0"/>
+              <a:cs typeface="Times New Roman" panose="02020603050405020304" pitchFamily="18" charset="0"/>
+            </a:endParaRPr>
+          </a:p>
+          <a:p>
+            <a:pPr marL="0" marR="0">
+              <a:lnSpc>
+                <a:spcPct val="107000"/>
+              </a:lnSpc>
+              <a:spcBef>
+                <a:spcPts val="0"/>
+              </a:spcBef>
+              <a:spcAft>
+                <a:spcPts val="800"/>
+              </a:spcAft>
+            </a:pPr>
+            <a:r>
+              <a:rPr lang="ru-RU" sz="1800" dirty="0">
+                <a:effectLst/>
+                <a:latin typeface="Times New Roman" panose="02020603050405020304" pitchFamily="18" charset="0"/>
+                <a:ea typeface="Calibri" panose="020F0502020204030204" pitchFamily="34" charset="0"/>
+                <a:cs typeface="Times New Roman" panose="02020603050405020304" pitchFamily="18" charset="0"/>
+              </a:rPr>
+              <a:t>Ньюмен С. Создание микросервисов = </a:t>
+            </a:r>
+            <a:r>
+              <a:rPr lang="en-US" sz="1800" dirty="0">
+                <a:effectLst/>
+                <a:latin typeface="Times New Roman" panose="02020603050405020304" pitchFamily="18" charset="0"/>
+                <a:ea typeface="Calibri" panose="020F0502020204030204" pitchFamily="34" charset="0"/>
+                <a:cs typeface="Times New Roman" panose="02020603050405020304" pitchFamily="18" charset="0"/>
+              </a:rPr>
+              <a:t>Building Microservices</a:t>
+            </a:r>
+            <a:r>
+              <a:rPr lang="ru-RU" sz="1800" dirty="0">
+                <a:effectLst/>
+                <a:latin typeface="Times New Roman" panose="02020603050405020304" pitchFamily="18" charset="0"/>
+                <a:ea typeface="Calibri" panose="020F0502020204030204" pitchFamily="34" charset="0"/>
+                <a:cs typeface="Times New Roman" panose="02020603050405020304" pitchFamily="18" charset="0"/>
+              </a:rPr>
+              <a:t>. — СПб.: «Питер», 2016. — С. 56-246</a:t>
+            </a:r>
+            <a:endParaRPr lang="en-US" sz="1800" dirty="0">
+              <a:effectLst/>
+              <a:latin typeface="Calibri" panose="020F0502020204030204" pitchFamily="34" charset="0"/>
+              <a:ea typeface="Calibri" panose="020F0502020204030204" pitchFamily="34" charset="0"/>
+              <a:cs typeface="Times New Roman" panose="02020603050405020304" pitchFamily="18" charset="0"/>
+            </a:endParaRPr>
+          </a:p>
+          <a:p>
+            <a:pPr marL="0" marR="0">
+              <a:lnSpc>
+                <a:spcPct val="107000"/>
+              </a:lnSpc>
+              <a:spcBef>
+                <a:spcPts val="0"/>
+              </a:spcBef>
+              <a:spcAft>
+                <a:spcPts val="800"/>
+              </a:spcAft>
+            </a:pPr>
+            <a:r>
+              <a:rPr lang="ru-RU" sz="1800" dirty="0">
+                <a:effectLst/>
+                <a:latin typeface="Times New Roman" panose="02020603050405020304" pitchFamily="18" charset="0"/>
+                <a:ea typeface="Calibri" panose="020F0502020204030204" pitchFamily="34" charset="0"/>
+                <a:cs typeface="Times New Roman" panose="02020603050405020304" pitchFamily="18" charset="0"/>
+              </a:rPr>
+              <a:t>Крис Ричардсон: Микросервисы. Паттерны разработки и рефакторинга - СПб.: «Питер»,2019. – </a:t>
+            </a:r>
+            <a:r>
+              <a:rPr lang="en-US" sz="1800" dirty="0">
+                <a:effectLst/>
+                <a:latin typeface="Times New Roman" panose="02020603050405020304" pitchFamily="18" charset="0"/>
+                <a:ea typeface="Calibri" panose="020F0502020204030204" pitchFamily="34" charset="0"/>
+                <a:cs typeface="Times New Roman" panose="02020603050405020304" pitchFamily="18" charset="0"/>
+              </a:rPr>
+              <a:t>C</a:t>
+            </a:r>
+            <a:r>
+              <a:rPr lang="ru-RU" sz="1800" dirty="0">
+                <a:effectLst/>
+                <a:latin typeface="Times New Roman" panose="02020603050405020304" pitchFamily="18" charset="0"/>
+                <a:ea typeface="Calibri" panose="020F0502020204030204" pitchFamily="34" charset="0"/>
+                <a:cs typeface="Times New Roman" panose="02020603050405020304" pitchFamily="18" charset="0"/>
+              </a:rPr>
+              <a:t> 63-343</a:t>
+            </a:r>
+            <a:endParaRPr lang="en-US" sz="1800" dirty="0">
+              <a:effectLst/>
+              <a:latin typeface="Calibri" panose="020F0502020204030204" pitchFamily="34" charset="0"/>
+              <a:ea typeface="Calibri" panose="020F0502020204030204" pitchFamily="34" charset="0"/>
+              <a:cs typeface="Times New Roman" panose="02020603050405020304" pitchFamily="18" charset="0"/>
+            </a:endParaRPr>
+          </a:p>
+          <a:p>
+            <a:pPr marL="0" marR="0">
+              <a:lnSpc>
+                <a:spcPct val="107000"/>
+              </a:lnSpc>
+              <a:spcBef>
+                <a:spcPts val="0"/>
+              </a:spcBef>
+              <a:spcAft>
+                <a:spcPts val="800"/>
+              </a:spcAft>
+            </a:pPr>
+            <a:r>
+              <a:rPr lang="ru-RU" sz="1800" dirty="0">
+                <a:effectLst/>
+                <a:latin typeface="Times New Roman" panose="02020603050405020304" pitchFamily="18" charset="0"/>
+                <a:ea typeface="Calibri" panose="020F0502020204030204" pitchFamily="34" charset="0"/>
+                <a:cs typeface="Times New Roman" panose="02020603050405020304" pitchFamily="18" charset="0"/>
+              </a:rPr>
+              <a:t>Козмина Юлиана, Харроп Роб. Spring 5 для профессионалов - Диалектика-Вильямс, 2019. – 29-307 </a:t>
+            </a:r>
+            <a:endParaRPr lang="en-US" sz="1800" dirty="0">
+              <a:effectLst/>
+              <a:latin typeface="Calibri" panose="020F0502020204030204" pitchFamily="34" charset="0"/>
+              <a:ea typeface="Calibri" panose="020F0502020204030204" pitchFamily="34" charset="0"/>
+              <a:cs typeface="Times New Roman" panose="02020603050405020304" pitchFamily="18" charset="0"/>
+            </a:endParaRPr>
+          </a:p>
+          <a:p>
+            <a:pPr marL="0" marR="0">
+              <a:lnSpc>
+                <a:spcPct val="107000"/>
+              </a:lnSpc>
+              <a:spcBef>
+                <a:spcPts val="0"/>
+              </a:spcBef>
+              <a:spcAft>
+                <a:spcPts val="800"/>
+              </a:spcAft>
+            </a:pPr>
+            <a:r>
+              <a:rPr lang="ru-RU" sz="1800" dirty="0">
+                <a:effectLst/>
+                <a:latin typeface="Times New Roman" panose="02020603050405020304" pitchFamily="18" charset="0"/>
+                <a:ea typeface="Calibri" panose="020F0502020204030204" pitchFamily="34" charset="0"/>
+                <a:cs typeface="Times New Roman" panose="02020603050405020304" pitchFamily="18" charset="0"/>
+              </a:rPr>
+              <a:t>Интернет источники </a:t>
+            </a:r>
+            <a:endParaRPr lang="en-US" sz="1800" dirty="0">
+              <a:effectLst/>
+              <a:latin typeface="Calibri" panose="020F0502020204030204" pitchFamily="34" charset="0"/>
+              <a:ea typeface="Calibri" panose="020F0502020204030204" pitchFamily="34" charset="0"/>
+              <a:cs typeface="Times New Roman" panose="02020603050405020304" pitchFamily="18" charset="0"/>
+            </a:endParaRPr>
+          </a:p>
+          <a:p>
+            <a:pPr marL="0" marR="0">
+              <a:lnSpc>
+                <a:spcPct val="107000"/>
+              </a:lnSpc>
+              <a:spcBef>
+                <a:spcPts val="0"/>
+              </a:spcBef>
+              <a:spcAft>
+                <a:spcPts val="800"/>
+              </a:spcAft>
+            </a:pPr>
+            <a:r>
+              <a:rPr lang="ru-RU" sz="1800" u="sng" dirty="0">
+                <a:solidFill>
+                  <a:srgbClr val="0563C1"/>
+                </a:solidFill>
+                <a:effectLst/>
+                <a:latin typeface="Times New Roman" panose="02020603050405020304" pitchFamily="18" charset="0"/>
+                <a:ea typeface="Calibri" panose="020F0502020204030204" pitchFamily="34" charset="0"/>
+                <a:cs typeface="Times New Roman" panose="02020603050405020304" pitchFamily="18" charset="0"/>
+                <a:hlinkClick r:id="rId2"/>
+              </a:rPr>
+              <a:t>https://en.wikipedia.org/wiki/Java_virtual_machine</a:t>
+            </a:r>
+            <a:endParaRPr lang="en-US" sz="1800" dirty="0">
+              <a:effectLst/>
+              <a:latin typeface="Calibri" panose="020F0502020204030204" pitchFamily="34" charset="0"/>
+              <a:ea typeface="Calibri" panose="020F0502020204030204" pitchFamily="34" charset="0"/>
+              <a:cs typeface="Times New Roman" panose="02020603050405020304" pitchFamily="18" charset="0"/>
+            </a:endParaRPr>
+          </a:p>
+          <a:p>
+            <a:pPr marL="0" marR="0">
+              <a:lnSpc>
+                <a:spcPct val="107000"/>
+              </a:lnSpc>
+              <a:spcBef>
+                <a:spcPts val="0"/>
+              </a:spcBef>
+              <a:spcAft>
+                <a:spcPts val="800"/>
+              </a:spcAft>
+            </a:pPr>
+            <a:r>
+              <a:rPr lang="ru-RU" sz="1800" u="sng" dirty="0">
+                <a:solidFill>
+                  <a:srgbClr val="0563C1"/>
+                </a:solidFill>
+                <a:effectLst/>
+                <a:latin typeface="Times New Roman" panose="02020603050405020304" pitchFamily="18" charset="0"/>
+                <a:ea typeface="Calibri" panose="020F0502020204030204" pitchFamily="34" charset="0"/>
+                <a:cs typeface="Times New Roman" panose="02020603050405020304" pitchFamily="18" charset="0"/>
+                <a:hlinkClick r:id="rId3"/>
+              </a:rPr>
+              <a:t>http://javacogito.net/index.php/Спецификация_виртуальной_машины_Java#.D0.9D.D0.B5.D0.BC.D0.BD.D0.BE.D0.B3.D0.BE_.D0.B8.D1.81.D1.82.D0.BE.D1.80.D0.B8.D0.B8</a:t>
+            </a:r>
+            <a:r>
+              <a:rPr lang="ru-RU" sz="1800" dirty="0">
+                <a:effectLst/>
+                <a:latin typeface="Times New Roman" panose="02020603050405020304" pitchFamily="18" charset="0"/>
+                <a:ea typeface="Calibri" panose="020F0502020204030204" pitchFamily="34" charset="0"/>
+                <a:cs typeface="Times New Roman" panose="02020603050405020304" pitchFamily="18" charset="0"/>
+              </a:rPr>
+              <a:t> </a:t>
+            </a:r>
+            <a:endParaRPr lang="en-US" sz="1800" dirty="0">
+              <a:effectLst/>
+              <a:latin typeface="Calibri" panose="020F0502020204030204" pitchFamily="34" charset="0"/>
+              <a:ea typeface="Calibri" panose="020F0502020204030204" pitchFamily="34" charset="0"/>
+              <a:cs typeface="Times New Roman" panose="02020603050405020304" pitchFamily="18" charset="0"/>
+            </a:endParaRPr>
+          </a:p>
+          <a:p>
+            <a:pPr marL="0" marR="0">
+              <a:lnSpc>
+                <a:spcPct val="107000"/>
+              </a:lnSpc>
+              <a:spcBef>
+                <a:spcPts val="0"/>
+              </a:spcBef>
+              <a:spcAft>
+                <a:spcPts val="800"/>
+              </a:spcAft>
+            </a:pPr>
+            <a:r>
+              <a:rPr lang="ru-RU" sz="1800" u="sng" dirty="0">
+                <a:solidFill>
+                  <a:srgbClr val="0563C1"/>
+                </a:solidFill>
+                <a:effectLst/>
+                <a:latin typeface="Times New Roman" panose="02020603050405020304" pitchFamily="18" charset="0"/>
+                <a:ea typeface="Calibri" panose="020F0502020204030204" pitchFamily="34" charset="0"/>
+                <a:cs typeface="Times New Roman" panose="02020603050405020304" pitchFamily="18" charset="0"/>
+                <a:hlinkClick r:id="rId4"/>
+              </a:rPr>
+              <a:t>https://ru.wikipedia.org/wiki/Microsoft_SQL_Server</a:t>
+            </a:r>
+            <a:endParaRPr lang="en-US" sz="1800" dirty="0">
+              <a:effectLst/>
+              <a:latin typeface="Calibri" panose="020F0502020204030204" pitchFamily="34" charset="0"/>
+              <a:ea typeface="Calibri" panose="020F0502020204030204" pitchFamily="34" charset="0"/>
+              <a:cs typeface="Times New Roman" panose="02020603050405020304" pitchFamily="18" charset="0"/>
+            </a:endParaRPr>
+          </a:p>
+          <a:p>
+            <a:pPr marL="0" marR="0">
+              <a:lnSpc>
+                <a:spcPct val="107000"/>
+              </a:lnSpc>
+              <a:spcBef>
+                <a:spcPts val="0"/>
+              </a:spcBef>
+              <a:spcAft>
+                <a:spcPts val="800"/>
+              </a:spcAft>
+            </a:pPr>
+            <a:r>
+              <a:rPr lang="ru-RU" sz="1800" u="sng" dirty="0">
+                <a:solidFill>
+                  <a:srgbClr val="0563C1"/>
+                </a:solidFill>
+                <a:effectLst/>
+                <a:latin typeface="Times New Roman" panose="02020603050405020304" pitchFamily="18" charset="0"/>
+                <a:ea typeface="Calibri" panose="020F0502020204030204" pitchFamily="34" charset="0"/>
+                <a:cs typeface="Times New Roman" panose="02020603050405020304" pitchFamily="18" charset="0"/>
+                <a:hlinkClick r:id="rId5"/>
+              </a:rPr>
+              <a:t>https://tproger.ru/translations/sqlite-mysql-postgresql-comparison/</a:t>
+            </a:r>
+            <a:endParaRPr lang="en-US" sz="1800" dirty="0">
+              <a:effectLst/>
+              <a:latin typeface="Calibri" panose="020F0502020204030204" pitchFamily="34" charset="0"/>
+              <a:ea typeface="Calibri" panose="020F0502020204030204" pitchFamily="34" charset="0"/>
+              <a:cs typeface="Times New Roman" panose="02020603050405020304" pitchFamily="18" charset="0"/>
+            </a:endParaRPr>
+          </a:p>
+          <a:p>
+            <a:pPr marL="0" marR="0">
+              <a:lnSpc>
+                <a:spcPct val="107000"/>
+              </a:lnSpc>
+              <a:spcBef>
+                <a:spcPts val="0"/>
+              </a:spcBef>
+              <a:spcAft>
+                <a:spcPts val="800"/>
+              </a:spcAft>
+            </a:pPr>
+            <a:r>
+              <a:rPr lang="ru-RU" sz="1800" u="sng" dirty="0">
+                <a:solidFill>
+                  <a:srgbClr val="0563C1"/>
+                </a:solidFill>
+                <a:effectLst/>
+                <a:latin typeface="Times New Roman" panose="02020603050405020304" pitchFamily="18" charset="0"/>
+                <a:ea typeface="Calibri" panose="020F0502020204030204" pitchFamily="34" charset="0"/>
+                <a:cs typeface="Times New Roman" panose="02020603050405020304" pitchFamily="18" charset="0"/>
+                <a:hlinkClick r:id="rId6"/>
+              </a:rPr>
+              <a:t>https://medium.com/@kirill.sereda/spring-cloud-netflix-eureka-по-русски-5b7829481717</a:t>
+            </a:r>
+            <a:endParaRPr lang="en-US" sz="1800" dirty="0">
+              <a:effectLst/>
+              <a:latin typeface="Calibri" panose="020F0502020204030204" pitchFamily="34" charset="0"/>
+              <a:ea typeface="Calibri" panose="020F0502020204030204" pitchFamily="34" charset="0"/>
+              <a:cs typeface="Times New Roman" panose="02020603050405020304" pitchFamily="18" charset="0"/>
+            </a:endParaRPr>
+          </a:p>
+          <a:p>
+            <a:pPr marL="0" marR="0">
+              <a:lnSpc>
+                <a:spcPct val="107000"/>
+              </a:lnSpc>
+              <a:spcBef>
+                <a:spcPts val="0"/>
+              </a:spcBef>
+              <a:spcAft>
+                <a:spcPts val="800"/>
+              </a:spcAft>
+            </a:pPr>
+            <a:endParaRPr lang="en-US" sz="1400" dirty="0">
+              <a:effectLst/>
+              <a:latin typeface="Calibri" panose="020F0502020204030204" pitchFamily="34" charset="0"/>
+              <a:ea typeface="Calibri" panose="020F0502020204030204" pitchFamily="34" charset="0"/>
+              <a:cs typeface="Times New Roman" panose="02020603050405020304" pitchFamily="18" charset="0"/>
+            </a:endParaRPr>
           </a:p>
         </p:txBody>
       </p:sp>
     </p:spTree>
     <p:extLst>
       <p:ext uri="{BB962C8B-B14F-4D97-AF65-F5344CB8AC3E}">
-        <p14:creationId xmlns:p14="http://schemas.microsoft.com/office/powerpoint/2010/main" val="2567654583"/>
+        <p14:creationId xmlns:p14="http://schemas.microsoft.com/office/powerpoint/2010/main" val="2499833580"/>
       </p:ext>
     </p:extLst>
   </p:cSld>
@@ -9658,6 +9652,108 @@
 </p:sld>
 </file>
 
+<file path=ppt/slides/slide20.xml><?xml version="1.0" encoding="utf-8"?>
+<p:sld xmlns:a="http://schemas.openxmlformats.org/drawingml/2006/main" xmlns:r="http://schemas.openxmlformats.org/officeDocument/2006/relationships" xmlns:p="http://schemas.openxmlformats.org/presentationml/2006/main">
+  <p:cSld>
+    <p:spTree>
+      <p:nvGrpSpPr>
+        <p:cNvPr id="1" name=""/>
+        <p:cNvGrpSpPr/>
+        <p:nvPr/>
+      </p:nvGrpSpPr>
+      <p:grpSpPr>
+        <a:xfrm>
+          <a:off x="0" y="0"/>
+          <a:ext cx="0" cy="0"/>
+          <a:chOff x="0" y="0"/>
+          <a:chExt cx="0" cy="0"/>
+        </a:xfrm>
+      </p:grpSpPr>
+      <p:sp>
+        <p:nvSpPr>
+          <p:cNvPr id="2" name="Title 1">
+            <a:extLst>
+              <a:ext uri="{FF2B5EF4-FFF2-40B4-BE49-F238E27FC236}">
+                <a16:creationId xmlns:a16="http://schemas.microsoft.com/office/drawing/2014/main" id="{1DFF0FE6-FE69-4B6B-8FEA-C06BB9E6724B}"/>
+              </a:ext>
+            </a:extLst>
+          </p:cNvPr>
+          <p:cNvSpPr>
+            <a:spLocks noGrp="1"/>
+          </p:cNvSpPr>
+          <p:nvPr>
+            <p:ph type="title"/>
+          </p:nvPr>
+        </p:nvSpPr>
+        <p:spPr>
+          <a:xfrm>
+            <a:off x="1290077" y="2134946"/>
+            <a:ext cx="8596668" cy="1143225"/>
+          </a:xfrm>
+        </p:spPr>
+        <p:txBody>
+          <a:bodyPr>
+            <a:normAutofit/>
+          </a:bodyPr>
+          <a:lstStyle/>
+          <a:p>
+            <a:r>
+              <a:rPr lang="ru-RU" sz="4800" dirty="0"/>
+              <a:t>Спасибо за внимание !</a:t>
+            </a:r>
+            <a:endParaRPr lang="en-US" sz="4800" dirty="0"/>
+          </a:p>
+        </p:txBody>
+      </p:sp>
+      <p:sp>
+        <p:nvSpPr>
+          <p:cNvPr id="3" name="Text Placeholder 2">
+            <a:extLst>
+              <a:ext uri="{FF2B5EF4-FFF2-40B4-BE49-F238E27FC236}">
+                <a16:creationId xmlns:a16="http://schemas.microsoft.com/office/drawing/2014/main" id="{48398C14-649A-4CBF-9009-04F0640142B0}"/>
+              </a:ext>
+            </a:extLst>
+          </p:cNvPr>
+          <p:cNvSpPr>
+            <a:spLocks noGrp="1"/>
+          </p:cNvSpPr>
+          <p:nvPr>
+            <p:ph type="body" idx="1"/>
+          </p:nvPr>
+        </p:nvSpPr>
+        <p:spPr>
+          <a:xfrm>
+            <a:off x="11414465" y="6615485"/>
+            <a:ext cx="1405989" cy="242515"/>
+          </a:xfrm>
+        </p:spPr>
+        <p:txBody>
+          <a:bodyPr>
+            <a:normAutofit lnSpcReduction="10000"/>
+          </a:bodyPr>
+          <a:lstStyle/>
+          <a:p>
+            <a:r>
+              <a:rPr lang="ru-RU" sz="1000" dirty="0"/>
+              <a:t>Хоть бы 3</a:t>
+            </a:r>
+            <a:endParaRPr lang="en-US" sz="1000" dirty="0"/>
+          </a:p>
+        </p:txBody>
+      </p:sp>
+    </p:spTree>
+    <p:extLst>
+      <p:ext uri="{BB962C8B-B14F-4D97-AF65-F5344CB8AC3E}">
+        <p14:creationId xmlns:p14="http://schemas.microsoft.com/office/powerpoint/2010/main" val="2567654583"/>
+      </p:ext>
+    </p:extLst>
+  </p:cSld>
+  <p:clrMapOvr>
+    <a:masterClrMapping/>
+  </p:clrMapOvr>
+</p:sld>
+</file>
+
 <file path=ppt/slides/slide3.xml><?xml version="1.0" encoding="utf-8"?>
 <p:sld xmlns:a="http://schemas.openxmlformats.org/drawingml/2006/main" xmlns:r="http://schemas.openxmlformats.org/officeDocument/2006/relationships" xmlns:p="http://schemas.openxmlformats.org/presentationml/2006/main">
   <p:cSld>
@@ -10118,31 +10214,6 @@
               </a:rPr>
               <a:t>Предметная область</a:t>
             </a:r>
-          </a:p>
-        </p:txBody>
-      </p:sp>
-      <p:sp>
-        <p:nvSpPr>
-          <p:cNvPr id="3" name="Text Placeholder 2">
-            <a:extLst>
-              <a:ext uri="{FF2B5EF4-FFF2-40B4-BE49-F238E27FC236}">
-                <a16:creationId xmlns:a16="http://schemas.microsoft.com/office/drawing/2014/main" id="{0F8BC7F6-928F-4D0E-8038-967A4436DD57}"/>
-              </a:ext>
-            </a:extLst>
-          </p:cNvPr>
-          <p:cNvSpPr>
-            <a:spLocks noGrp="1"/>
-          </p:cNvSpPr>
-          <p:nvPr>
-            <p:ph type="body" idx="1"/>
-          </p:nvPr>
-        </p:nvSpPr>
-        <p:spPr/>
-        <p:txBody>
-          <a:bodyPr/>
-          <a:lstStyle/>
-          <a:p>
-            <a:endParaRPr lang="en-US" dirty="0"/>
           </a:p>
         </p:txBody>
       </p:sp>
